--- a/Finger Recognition by TensorFlow Models on Android.pptx
+++ b/Finger Recognition by TensorFlow Models on Android.pptx
@@ -2,7 +2,7 @@
 <file path=ppt/presentation.xml><?xml version="1.0" encoding="utf-8"?>
 <p:presentation xmlns:a="http://schemas.openxmlformats.org/drawingml/2006/main" xmlns:r="http://schemas.openxmlformats.org/officeDocument/2006/relationships" xmlns:p="http://schemas.openxmlformats.org/presentationml/2006/main" saveSubsetFonts="1" autoCompressPictures="0">
   <p:sldMasterIdLst>
-    <p:sldMasterId id="2147483660" r:id="rId1"/>
+    <p:sldMasterId id="2147483672" r:id="rId1"/>
   </p:sldMasterIdLst>
   <p:notesMasterIdLst>
     <p:notesMasterId r:id="rId3"/>
@@ -10,13 +10,13 @@
   <p:sldIdLst>
     <p:sldId id="256" r:id="rId2"/>
   </p:sldIdLst>
-  <p:sldSz cx="9144000" cy="6858000" type="screen4x3"/>
+  <p:sldSz cx="12192000" cy="6858000"/>
   <p:notesSz cx="6858000" cy="9144000"/>
   <p:defaultTextStyle>
     <a:defPPr>
       <a:defRPr lang="en-US"/>
     </a:defPPr>
-    <a:lvl1pPr marL="0" algn="l" defTabSz="914400" rtl="0" eaLnBrk="1" latinLnBrk="0" hangingPunct="1">
+    <a:lvl1pPr marL="0" algn="l" defTabSz="457200" rtl="0" eaLnBrk="1" latinLnBrk="0" hangingPunct="1">
       <a:defRPr sz="1800" kern="1200">
         <a:solidFill>
           <a:schemeClr val="tx1"/>
@@ -26,7 +26,7 @@
         <a:cs typeface="+mn-cs"/>
       </a:defRPr>
     </a:lvl1pPr>
-    <a:lvl2pPr marL="457200" algn="l" defTabSz="914400" rtl="0" eaLnBrk="1" latinLnBrk="0" hangingPunct="1">
+    <a:lvl2pPr marL="457200" algn="l" defTabSz="457200" rtl="0" eaLnBrk="1" latinLnBrk="0" hangingPunct="1">
       <a:defRPr sz="1800" kern="1200">
         <a:solidFill>
           <a:schemeClr val="tx1"/>
@@ -36,7 +36,7 @@
         <a:cs typeface="+mn-cs"/>
       </a:defRPr>
     </a:lvl2pPr>
-    <a:lvl3pPr marL="914400" algn="l" defTabSz="914400" rtl="0" eaLnBrk="1" latinLnBrk="0" hangingPunct="1">
+    <a:lvl3pPr marL="914400" algn="l" defTabSz="457200" rtl="0" eaLnBrk="1" latinLnBrk="0" hangingPunct="1">
       <a:defRPr sz="1800" kern="1200">
         <a:solidFill>
           <a:schemeClr val="tx1"/>
@@ -46,7 +46,7 @@
         <a:cs typeface="+mn-cs"/>
       </a:defRPr>
     </a:lvl3pPr>
-    <a:lvl4pPr marL="1371600" algn="l" defTabSz="914400" rtl="0" eaLnBrk="1" latinLnBrk="0" hangingPunct="1">
+    <a:lvl4pPr marL="1371600" algn="l" defTabSz="457200" rtl="0" eaLnBrk="1" latinLnBrk="0" hangingPunct="1">
       <a:defRPr sz="1800" kern="1200">
         <a:solidFill>
           <a:schemeClr val="tx1"/>
@@ -56,7 +56,7 @@
         <a:cs typeface="+mn-cs"/>
       </a:defRPr>
     </a:lvl4pPr>
-    <a:lvl5pPr marL="1828800" algn="l" defTabSz="914400" rtl="0" eaLnBrk="1" latinLnBrk="0" hangingPunct="1">
+    <a:lvl5pPr marL="1828800" algn="l" defTabSz="457200" rtl="0" eaLnBrk="1" latinLnBrk="0" hangingPunct="1">
       <a:defRPr sz="1800" kern="1200">
         <a:solidFill>
           <a:schemeClr val="tx1"/>
@@ -66,7 +66,7 @@
         <a:cs typeface="+mn-cs"/>
       </a:defRPr>
     </a:lvl5pPr>
-    <a:lvl6pPr marL="2286000" algn="l" defTabSz="914400" rtl="0" eaLnBrk="1" latinLnBrk="0" hangingPunct="1">
+    <a:lvl6pPr marL="2286000" algn="l" defTabSz="457200" rtl="0" eaLnBrk="1" latinLnBrk="0" hangingPunct="1">
       <a:defRPr sz="1800" kern="1200">
         <a:solidFill>
           <a:schemeClr val="tx1"/>
@@ -76,7 +76,7 @@
         <a:cs typeface="+mn-cs"/>
       </a:defRPr>
     </a:lvl6pPr>
-    <a:lvl7pPr marL="2743200" algn="l" defTabSz="914400" rtl="0" eaLnBrk="1" latinLnBrk="0" hangingPunct="1">
+    <a:lvl7pPr marL="2743200" algn="l" defTabSz="457200" rtl="0" eaLnBrk="1" latinLnBrk="0" hangingPunct="1">
       <a:defRPr sz="1800" kern="1200">
         <a:solidFill>
           <a:schemeClr val="tx1"/>
@@ -86,7 +86,7 @@
         <a:cs typeface="+mn-cs"/>
       </a:defRPr>
     </a:lvl7pPr>
-    <a:lvl8pPr marL="3200400" algn="l" defTabSz="914400" rtl="0" eaLnBrk="1" latinLnBrk="0" hangingPunct="1">
+    <a:lvl8pPr marL="3200400" algn="l" defTabSz="457200" rtl="0" eaLnBrk="1" latinLnBrk="0" hangingPunct="1">
       <a:defRPr sz="1800" kern="1200">
         <a:solidFill>
           <a:schemeClr val="tx1"/>
@@ -96,7 +96,7 @@
         <a:cs typeface="+mn-cs"/>
       </a:defRPr>
     </a:lvl8pPr>
-    <a:lvl9pPr marL="3657600" algn="l" defTabSz="914400" rtl="0" eaLnBrk="1" latinLnBrk="0" hangingPunct="1">
+    <a:lvl9pPr marL="3657600" algn="l" defTabSz="457200" rtl="0" eaLnBrk="1" latinLnBrk="0" hangingPunct="1">
       <a:defRPr sz="1800" kern="1200">
         <a:solidFill>
           <a:schemeClr val="tx1"/>
@@ -107,7 +107,16 @@
       </a:defRPr>
     </a:lvl9pPr>
   </p:defaultTextStyle>
+  <p:extLst>
+    <p:ext uri="{EFAFB233-063F-42B5-8137-9DF3F51BA10A}">
+      <p15:sldGuideLst xmlns:p15="http://schemas.microsoft.com/office/powerpoint/2012/main"/>
+    </p:ext>
+  </p:extLst>
 </p:presentation>
+</file>
+
+<file path=ppt/revisionInfo.xml><?xml version="1.0" encoding="utf-8"?>
+<p1510:revInfo xmlns:a="http://schemas.openxmlformats.org/drawingml/2006/main" xmlns:r="http://schemas.openxmlformats.org/officeDocument/2006/relationships" xmlns:p1510="http://schemas.microsoft.com/office/powerpoint/2015/10/main"/>
 </file>
 
 <file path=ppt/notesMasters/notesMaster1.xml><?xml version="1.0" encoding="utf-8"?>
@@ -192,7 +201,7 @@
           <a:p>
             <a:fld id="{7419315F-F7A1-834E-AEF7-EA512D8DF4AC}" type="datetimeFigureOut">
               <a:rPr lang="en-US" smtClean="0"/>
-              <a:t>1/29/18</a:t>
+              <a:t>1/29/2018</a:t>
             </a:fld>
             <a:endParaRPr lang="en-US"/>
           </a:p>
@@ -210,8 +219,8 @@
         </p:nvSpPr>
         <p:spPr>
           <a:xfrm>
-            <a:off x="1371600" y="1143000"/>
-            <a:ext cx="4114800" cy="3086100"/>
+            <a:off x="685800" y="1143000"/>
+            <a:ext cx="5486400" cy="3086100"/>
           </a:xfrm>
           <a:prstGeom prst="rect">
             <a:avLst/>
@@ -256,38 +265,37 @@
           <a:p>
             <a:pPr lvl="0"/>
             <a:r>
-              <a:rPr lang="en-US" smtClean="0"/>
+              <a:rPr lang="en-US"/>
               <a:t>Click to edit Master text styles</a:t>
             </a:r>
           </a:p>
           <a:p>
             <a:pPr lvl="1"/>
             <a:r>
-              <a:rPr lang="en-US" smtClean="0"/>
+              <a:rPr lang="en-US"/>
               <a:t>Second level</a:t>
             </a:r>
           </a:p>
           <a:p>
             <a:pPr lvl="2"/>
             <a:r>
-              <a:rPr lang="en-US" smtClean="0"/>
+              <a:rPr lang="en-US"/>
               <a:t>Third level</a:t>
             </a:r>
           </a:p>
           <a:p>
             <a:pPr lvl="3"/>
             <a:r>
-              <a:rPr lang="en-US" smtClean="0"/>
+              <a:rPr lang="en-US"/>
               <a:t>Fourth level</a:t>
             </a:r>
           </a:p>
           <a:p>
             <a:pPr lvl="4"/>
             <a:r>
-              <a:rPr lang="en-US" smtClean="0"/>
+              <a:rPr lang="en-US"/>
               <a:t>Fifth level</a:t>
             </a:r>
-            <a:endParaRPr lang="en-US"/>
           </a:p>
         </p:txBody>
       </p:sp>
@@ -487,7 +495,12 @@
             <p:ph type="sldImg"/>
           </p:nvPr>
         </p:nvSpPr>
-        <p:spPr/>
+        <p:spPr>
+          <a:xfrm>
+            <a:off x="685800" y="1143000"/>
+            <a:ext cx="5486400" cy="3086100"/>
+          </a:xfrm>
+        </p:spPr>
       </p:sp>
       <p:sp>
         <p:nvSpPr>
@@ -573,8 +586,8 @@
         </p:nvSpPr>
         <p:spPr>
           <a:xfrm>
-            <a:off x="685800" y="1122363"/>
-            <a:ext cx="7772400" cy="2387600"/>
+            <a:off x="1524000" y="1122363"/>
+            <a:ext cx="9144000" cy="2387600"/>
           </a:xfrm>
         </p:spPr>
         <p:txBody>
@@ -586,7 +599,7 @@
           </a:lstStyle>
           <a:p>
             <a:r>
-              <a:rPr lang="en-US" smtClean="0"/>
+              <a:rPr lang="en-US"/>
               <a:t>Click to edit Master title style</a:t>
             </a:r>
             <a:endParaRPr lang="en-US" dirty="0"/>
@@ -605,8 +618,8 @@
         </p:nvSpPr>
         <p:spPr>
           <a:xfrm>
-            <a:off x="1143000" y="3602038"/>
-            <a:ext cx="6858000" cy="1655762"/>
+            <a:off x="1524000" y="3602038"/>
+            <a:ext cx="9144000" cy="1655762"/>
           </a:xfrm>
         </p:spPr>
         <p:txBody>
@@ -651,7 +664,7 @@
           </a:lstStyle>
           <a:p>
             <a:r>
-              <a:rPr lang="en-US" smtClean="0"/>
+              <a:rPr lang="en-US"/>
               <a:t>Click to edit Master subtitle style</a:t>
             </a:r>
             <a:endParaRPr lang="en-US" dirty="0"/>
@@ -675,7 +688,7 @@
           <a:p>
             <a:fld id="{175E823A-2A1D-5E4A-9A38-6447958F9406}" type="datetimeFigureOut">
               <a:rPr lang="en-US" smtClean="0"/>
-              <a:t>1/29/18</a:t>
+              <a:t>1/29/2018</a:t>
             </a:fld>
             <a:endParaRPr lang="en-US"/>
           </a:p>
@@ -724,6 +737,11 @@
         </p:txBody>
       </p:sp>
     </p:spTree>
+    <p:extLst>
+      <p:ext uri="{BB962C8B-B14F-4D97-AF65-F5344CB8AC3E}">
+        <p14:creationId xmlns:p14="http://schemas.microsoft.com/office/powerpoint/2010/main" val="2738759462"/>
+      </p:ext>
+    </p:extLst>
   </p:cSld>
   <p:clrMapOvr>
     <a:masterClrMapping/>
@@ -764,7 +782,7 @@
           <a:lstStyle/>
           <a:p>
             <a:r>
-              <a:rPr lang="en-US" smtClean="0"/>
+              <a:rPr lang="en-US"/>
               <a:t>Click to edit Master title style</a:t>
             </a:r>
             <a:endParaRPr lang="en-US" dirty="0"/>
@@ -788,35 +806,35 @@
           <a:p>
             <a:pPr lvl="0"/>
             <a:r>
-              <a:rPr lang="en-US" smtClean="0"/>
-              <a:t>Click to edit Master text styles</a:t>
+              <a:rPr lang="en-US"/>
+              <a:t>Edit Master text styles</a:t>
             </a:r>
           </a:p>
           <a:p>
             <a:pPr lvl="1"/>
             <a:r>
-              <a:rPr lang="en-US" smtClean="0"/>
+              <a:rPr lang="en-US"/>
               <a:t>Second level</a:t>
             </a:r>
           </a:p>
           <a:p>
             <a:pPr lvl="2"/>
             <a:r>
-              <a:rPr lang="en-US" smtClean="0"/>
+              <a:rPr lang="en-US"/>
               <a:t>Third level</a:t>
             </a:r>
           </a:p>
           <a:p>
             <a:pPr lvl="3"/>
             <a:r>
-              <a:rPr lang="en-US" smtClean="0"/>
+              <a:rPr lang="en-US"/>
               <a:t>Fourth level</a:t>
             </a:r>
           </a:p>
           <a:p>
             <a:pPr lvl="4"/>
             <a:r>
-              <a:rPr lang="en-US" smtClean="0"/>
+              <a:rPr lang="en-US"/>
               <a:t>Fifth level</a:t>
             </a:r>
             <a:endParaRPr lang="en-US" dirty="0"/>
@@ -840,7 +858,7 @@
           <a:p>
             <a:fld id="{175E823A-2A1D-5E4A-9A38-6447958F9406}" type="datetimeFigureOut">
               <a:rPr lang="en-US" smtClean="0"/>
-              <a:t>1/29/18</a:t>
+              <a:t>1/29/2018</a:t>
             </a:fld>
             <a:endParaRPr lang="en-US"/>
           </a:p>
@@ -889,6 +907,11 @@
         </p:txBody>
       </p:sp>
     </p:spTree>
+    <p:extLst>
+      <p:ext uri="{BB962C8B-B14F-4D97-AF65-F5344CB8AC3E}">
+        <p14:creationId xmlns:p14="http://schemas.microsoft.com/office/powerpoint/2010/main" val="3856414073"/>
+      </p:ext>
+    </p:extLst>
   </p:cSld>
   <p:clrMapOvr>
     <a:masterClrMapping/>
@@ -925,8 +948,8 @@
         </p:nvSpPr>
         <p:spPr>
           <a:xfrm>
-            <a:off x="6543675" y="365125"/>
-            <a:ext cx="1971675" cy="5811838"/>
+            <a:off x="8724900" y="365125"/>
+            <a:ext cx="2628900" cy="5811838"/>
           </a:xfrm>
         </p:spPr>
         <p:txBody>
@@ -934,7 +957,7 @@
           <a:lstStyle/>
           <a:p>
             <a:r>
-              <a:rPr lang="en-US" smtClean="0"/>
+              <a:rPr lang="en-US"/>
               <a:t>Click to edit Master title style</a:t>
             </a:r>
             <a:endParaRPr lang="en-US" dirty="0"/>
@@ -953,8 +976,8 @@
         </p:nvSpPr>
         <p:spPr>
           <a:xfrm>
-            <a:off x="628650" y="365125"/>
-            <a:ext cx="5800725" cy="5811838"/>
+            <a:off x="838200" y="365125"/>
+            <a:ext cx="7734300" cy="5811838"/>
           </a:xfrm>
         </p:spPr>
         <p:txBody>
@@ -963,35 +986,35 @@
           <a:p>
             <a:pPr lvl="0"/>
             <a:r>
-              <a:rPr lang="en-US" smtClean="0"/>
-              <a:t>Click to edit Master text styles</a:t>
+              <a:rPr lang="en-US"/>
+              <a:t>Edit Master text styles</a:t>
             </a:r>
           </a:p>
           <a:p>
             <a:pPr lvl="1"/>
             <a:r>
-              <a:rPr lang="en-US" smtClean="0"/>
+              <a:rPr lang="en-US"/>
               <a:t>Second level</a:t>
             </a:r>
           </a:p>
           <a:p>
             <a:pPr lvl="2"/>
             <a:r>
-              <a:rPr lang="en-US" smtClean="0"/>
+              <a:rPr lang="en-US"/>
               <a:t>Third level</a:t>
             </a:r>
           </a:p>
           <a:p>
             <a:pPr lvl="3"/>
             <a:r>
-              <a:rPr lang="en-US" smtClean="0"/>
+              <a:rPr lang="en-US"/>
               <a:t>Fourth level</a:t>
             </a:r>
           </a:p>
           <a:p>
             <a:pPr lvl="4"/>
             <a:r>
-              <a:rPr lang="en-US" smtClean="0"/>
+              <a:rPr lang="en-US"/>
               <a:t>Fifth level</a:t>
             </a:r>
             <a:endParaRPr lang="en-US" dirty="0"/>
@@ -1015,7 +1038,7 @@
           <a:p>
             <a:fld id="{175E823A-2A1D-5E4A-9A38-6447958F9406}" type="datetimeFigureOut">
               <a:rPr lang="en-US" smtClean="0"/>
-              <a:t>1/29/18</a:t>
+              <a:t>1/29/2018</a:t>
             </a:fld>
             <a:endParaRPr lang="en-US"/>
           </a:p>
@@ -1064,6 +1087,11 @@
         </p:txBody>
       </p:sp>
     </p:spTree>
+    <p:extLst>
+      <p:ext uri="{BB962C8B-B14F-4D97-AF65-F5344CB8AC3E}">
+        <p14:creationId xmlns:p14="http://schemas.microsoft.com/office/powerpoint/2010/main" val="1924292074"/>
+      </p:ext>
+    </p:extLst>
   </p:cSld>
   <p:clrMapOvr>
     <a:masterClrMapping/>
@@ -1104,7 +1132,7 @@
           <a:lstStyle/>
           <a:p>
             <a:r>
-              <a:rPr lang="en-US" smtClean="0"/>
+              <a:rPr lang="en-US"/>
               <a:t>Click to edit Master title style</a:t>
             </a:r>
             <a:endParaRPr lang="en-US" dirty="0"/>
@@ -1128,35 +1156,35 @@
           <a:p>
             <a:pPr lvl="0"/>
             <a:r>
-              <a:rPr lang="en-US" smtClean="0"/>
-              <a:t>Click to edit Master text styles</a:t>
+              <a:rPr lang="en-US"/>
+              <a:t>Edit Master text styles</a:t>
             </a:r>
           </a:p>
           <a:p>
             <a:pPr lvl="1"/>
             <a:r>
-              <a:rPr lang="en-US" smtClean="0"/>
+              <a:rPr lang="en-US"/>
               <a:t>Second level</a:t>
             </a:r>
           </a:p>
           <a:p>
             <a:pPr lvl="2"/>
             <a:r>
-              <a:rPr lang="en-US" smtClean="0"/>
+              <a:rPr lang="en-US"/>
               <a:t>Third level</a:t>
             </a:r>
           </a:p>
           <a:p>
             <a:pPr lvl="3"/>
             <a:r>
-              <a:rPr lang="en-US" smtClean="0"/>
+              <a:rPr lang="en-US"/>
               <a:t>Fourth level</a:t>
             </a:r>
           </a:p>
           <a:p>
             <a:pPr lvl="4"/>
             <a:r>
-              <a:rPr lang="en-US" smtClean="0"/>
+              <a:rPr lang="en-US"/>
               <a:t>Fifth level</a:t>
             </a:r>
             <a:endParaRPr lang="en-US" dirty="0"/>
@@ -1180,7 +1208,7 @@
           <a:p>
             <a:fld id="{175E823A-2A1D-5E4A-9A38-6447958F9406}" type="datetimeFigureOut">
               <a:rPr lang="en-US" smtClean="0"/>
-              <a:t>1/29/18</a:t>
+              <a:t>1/29/2018</a:t>
             </a:fld>
             <a:endParaRPr lang="en-US"/>
           </a:p>
@@ -1229,6 +1257,11 @@
         </p:txBody>
       </p:sp>
     </p:spTree>
+    <p:extLst>
+      <p:ext uri="{BB962C8B-B14F-4D97-AF65-F5344CB8AC3E}">
+        <p14:creationId xmlns:p14="http://schemas.microsoft.com/office/powerpoint/2010/main" val="278101681"/>
+      </p:ext>
+    </p:extLst>
   </p:cSld>
   <p:clrMapOvr>
     <a:masterClrMapping/>
@@ -1265,8 +1298,8 @@
         </p:nvSpPr>
         <p:spPr>
           <a:xfrm>
-            <a:off x="623888" y="1709739"/>
-            <a:ext cx="7886700" cy="2852737"/>
+            <a:off x="831850" y="1709738"/>
+            <a:ext cx="10515600" cy="2852737"/>
           </a:xfrm>
         </p:spPr>
         <p:txBody>
@@ -1278,7 +1311,7 @@
           </a:lstStyle>
           <a:p>
             <a:r>
-              <a:rPr lang="en-US" smtClean="0"/>
+              <a:rPr lang="en-US"/>
               <a:t>Click to edit Master title style</a:t>
             </a:r>
             <a:endParaRPr lang="en-US" dirty="0"/>
@@ -1297,8 +1330,8 @@
         </p:nvSpPr>
         <p:spPr>
           <a:xfrm>
-            <a:off x="623888" y="4589464"/>
-            <a:ext cx="7886700" cy="1500187"/>
+            <a:off x="831850" y="4589463"/>
+            <a:ext cx="10515600" cy="1500187"/>
           </a:xfrm>
         </p:spPr>
         <p:txBody>
@@ -1308,7 +1341,9 @@
               <a:buNone/>
               <a:defRPr sz="2400">
                 <a:solidFill>
-                  <a:schemeClr val="tx1"/>
+                  <a:schemeClr val="tx1">
+                    <a:tint val="75000"/>
+                  </a:schemeClr>
                 </a:solidFill>
               </a:defRPr>
             </a:lvl1pPr>
@@ -1396,8 +1431,8 @@
           <a:p>
             <a:pPr lvl="0"/>
             <a:r>
-              <a:rPr lang="en-US" smtClean="0"/>
-              <a:t>Click to edit Master text styles</a:t>
+              <a:rPr lang="en-US"/>
+              <a:t>Edit Master text styles</a:t>
             </a:r>
           </a:p>
         </p:txBody>
@@ -1419,7 +1454,7 @@
           <a:p>
             <a:fld id="{175E823A-2A1D-5E4A-9A38-6447958F9406}" type="datetimeFigureOut">
               <a:rPr lang="en-US" smtClean="0"/>
-              <a:t>1/29/18</a:t>
+              <a:t>1/29/2018</a:t>
             </a:fld>
             <a:endParaRPr lang="en-US"/>
           </a:p>
@@ -1468,6 +1503,11 @@
         </p:txBody>
       </p:sp>
     </p:spTree>
+    <p:extLst>
+      <p:ext uri="{BB962C8B-B14F-4D97-AF65-F5344CB8AC3E}">
+        <p14:creationId xmlns:p14="http://schemas.microsoft.com/office/powerpoint/2010/main" val="1507035948"/>
+      </p:ext>
+    </p:extLst>
   </p:cSld>
   <p:clrMapOvr>
     <a:masterClrMapping/>
@@ -1508,7 +1548,7 @@
           <a:lstStyle/>
           <a:p>
             <a:r>
-              <a:rPr lang="en-US" smtClean="0"/>
+              <a:rPr lang="en-US"/>
               <a:t>Click to edit Master title style</a:t>
             </a:r>
             <a:endParaRPr lang="en-US" dirty="0"/>
@@ -1527,8 +1567,8 @@
         </p:nvSpPr>
         <p:spPr>
           <a:xfrm>
-            <a:off x="628650" y="1825625"/>
-            <a:ext cx="3886200" cy="4351338"/>
+            <a:off x="838200" y="1825625"/>
+            <a:ext cx="5181600" cy="4351338"/>
           </a:xfrm>
         </p:spPr>
         <p:txBody>
@@ -1537,35 +1577,35 @@
           <a:p>
             <a:pPr lvl="0"/>
             <a:r>
-              <a:rPr lang="en-US" smtClean="0"/>
-              <a:t>Click to edit Master text styles</a:t>
+              <a:rPr lang="en-US"/>
+              <a:t>Edit Master text styles</a:t>
             </a:r>
           </a:p>
           <a:p>
             <a:pPr lvl="1"/>
             <a:r>
-              <a:rPr lang="en-US" smtClean="0"/>
+              <a:rPr lang="en-US"/>
               <a:t>Second level</a:t>
             </a:r>
           </a:p>
           <a:p>
             <a:pPr lvl="2"/>
             <a:r>
-              <a:rPr lang="en-US" smtClean="0"/>
+              <a:rPr lang="en-US"/>
               <a:t>Third level</a:t>
             </a:r>
           </a:p>
           <a:p>
             <a:pPr lvl="3"/>
             <a:r>
-              <a:rPr lang="en-US" smtClean="0"/>
+              <a:rPr lang="en-US"/>
               <a:t>Fourth level</a:t>
             </a:r>
           </a:p>
           <a:p>
             <a:pPr lvl="4"/>
             <a:r>
-              <a:rPr lang="en-US" smtClean="0"/>
+              <a:rPr lang="en-US"/>
               <a:t>Fifth level</a:t>
             </a:r>
             <a:endParaRPr lang="en-US" dirty="0"/>
@@ -1584,8 +1624,8 @@
         </p:nvSpPr>
         <p:spPr>
           <a:xfrm>
-            <a:off x="4629150" y="1825625"/>
-            <a:ext cx="3886200" cy="4351338"/>
+            <a:off x="6172200" y="1825625"/>
+            <a:ext cx="5181600" cy="4351338"/>
           </a:xfrm>
         </p:spPr>
         <p:txBody>
@@ -1594,35 +1634,35 @@
           <a:p>
             <a:pPr lvl="0"/>
             <a:r>
-              <a:rPr lang="en-US" smtClean="0"/>
-              <a:t>Click to edit Master text styles</a:t>
+              <a:rPr lang="en-US"/>
+              <a:t>Edit Master text styles</a:t>
             </a:r>
           </a:p>
           <a:p>
             <a:pPr lvl="1"/>
             <a:r>
-              <a:rPr lang="en-US" smtClean="0"/>
+              <a:rPr lang="en-US"/>
               <a:t>Second level</a:t>
             </a:r>
           </a:p>
           <a:p>
             <a:pPr lvl="2"/>
             <a:r>
-              <a:rPr lang="en-US" smtClean="0"/>
+              <a:rPr lang="en-US"/>
               <a:t>Third level</a:t>
             </a:r>
           </a:p>
           <a:p>
             <a:pPr lvl="3"/>
             <a:r>
-              <a:rPr lang="en-US" smtClean="0"/>
+              <a:rPr lang="en-US"/>
               <a:t>Fourth level</a:t>
             </a:r>
           </a:p>
           <a:p>
             <a:pPr lvl="4"/>
             <a:r>
-              <a:rPr lang="en-US" smtClean="0"/>
+              <a:rPr lang="en-US"/>
               <a:t>Fifth level</a:t>
             </a:r>
             <a:endParaRPr lang="en-US" dirty="0"/>
@@ -1646,7 +1686,7 @@
           <a:p>
             <a:fld id="{175E823A-2A1D-5E4A-9A38-6447958F9406}" type="datetimeFigureOut">
               <a:rPr lang="en-US" smtClean="0"/>
-              <a:t>1/29/18</a:t>
+              <a:t>1/29/2018</a:t>
             </a:fld>
             <a:endParaRPr lang="en-US"/>
           </a:p>
@@ -1695,6 +1735,11 @@
         </p:txBody>
       </p:sp>
     </p:spTree>
+    <p:extLst>
+      <p:ext uri="{BB962C8B-B14F-4D97-AF65-F5344CB8AC3E}">
+        <p14:creationId xmlns:p14="http://schemas.microsoft.com/office/powerpoint/2010/main" val="3968666629"/>
+      </p:ext>
+    </p:extLst>
   </p:cSld>
   <p:clrMapOvr>
     <a:masterClrMapping/>
@@ -1731,8 +1776,8 @@
         </p:nvSpPr>
         <p:spPr>
           <a:xfrm>
-            <a:off x="629841" y="365126"/>
-            <a:ext cx="7886700" cy="1325563"/>
+            <a:off x="839788" y="365125"/>
+            <a:ext cx="10515600" cy="1325563"/>
           </a:xfrm>
         </p:spPr>
         <p:txBody>
@@ -1740,7 +1785,7 @@
           <a:lstStyle/>
           <a:p>
             <a:r>
-              <a:rPr lang="en-US" smtClean="0"/>
+              <a:rPr lang="en-US"/>
               <a:t>Click to edit Master title style</a:t>
             </a:r>
             <a:endParaRPr lang="en-US" dirty="0"/>
@@ -1759,8 +1804,8 @@
         </p:nvSpPr>
         <p:spPr>
           <a:xfrm>
-            <a:off x="629842" y="1681163"/>
-            <a:ext cx="3868340" cy="823912"/>
+            <a:off x="839788" y="1681163"/>
+            <a:ext cx="5157787" cy="823912"/>
           </a:xfrm>
         </p:spPr>
         <p:txBody>
@@ -1806,8 +1851,8 @@
           <a:p>
             <a:pPr lvl="0"/>
             <a:r>
-              <a:rPr lang="en-US" smtClean="0"/>
-              <a:t>Click to edit Master text styles</a:t>
+              <a:rPr lang="en-US"/>
+              <a:t>Edit Master text styles</a:t>
             </a:r>
           </a:p>
         </p:txBody>
@@ -1824,8 +1869,8 @@
         </p:nvSpPr>
         <p:spPr>
           <a:xfrm>
-            <a:off x="629842" y="2505075"/>
-            <a:ext cx="3868340" cy="3684588"/>
+            <a:off x="839788" y="2505075"/>
+            <a:ext cx="5157787" cy="3684588"/>
           </a:xfrm>
         </p:spPr>
         <p:txBody>
@@ -1834,35 +1879,35 @@
           <a:p>
             <a:pPr lvl="0"/>
             <a:r>
-              <a:rPr lang="en-US" smtClean="0"/>
-              <a:t>Click to edit Master text styles</a:t>
+              <a:rPr lang="en-US"/>
+              <a:t>Edit Master text styles</a:t>
             </a:r>
           </a:p>
           <a:p>
             <a:pPr lvl="1"/>
             <a:r>
-              <a:rPr lang="en-US" smtClean="0"/>
+              <a:rPr lang="en-US"/>
               <a:t>Second level</a:t>
             </a:r>
           </a:p>
           <a:p>
             <a:pPr lvl="2"/>
             <a:r>
-              <a:rPr lang="en-US" smtClean="0"/>
+              <a:rPr lang="en-US"/>
               <a:t>Third level</a:t>
             </a:r>
           </a:p>
           <a:p>
             <a:pPr lvl="3"/>
             <a:r>
-              <a:rPr lang="en-US" smtClean="0"/>
+              <a:rPr lang="en-US"/>
               <a:t>Fourth level</a:t>
             </a:r>
           </a:p>
           <a:p>
             <a:pPr lvl="4"/>
             <a:r>
-              <a:rPr lang="en-US" smtClean="0"/>
+              <a:rPr lang="en-US"/>
               <a:t>Fifth level</a:t>
             </a:r>
             <a:endParaRPr lang="en-US" dirty="0"/>
@@ -1881,8 +1926,8 @@
         </p:nvSpPr>
         <p:spPr>
           <a:xfrm>
-            <a:off x="4629150" y="1681163"/>
-            <a:ext cx="3887391" cy="823912"/>
+            <a:off x="6172200" y="1681163"/>
+            <a:ext cx="5183188" cy="823912"/>
           </a:xfrm>
         </p:spPr>
         <p:txBody>
@@ -1928,8 +1973,8 @@
           <a:p>
             <a:pPr lvl="0"/>
             <a:r>
-              <a:rPr lang="en-US" smtClean="0"/>
-              <a:t>Click to edit Master text styles</a:t>
+              <a:rPr lang="en-US"/>
+              <a:t>Edit Master text styles</a:t>
             </a:r>
           </a:p>
         </p:txBody>
@@ -1946,8 +1991,8 @@
         </p:nvSpPr>
         <p:spPr>
           <a:xfrm>
-            <a:off x="4629150" y="2505075"/>
-            <a:ext cx="3887391" cy="3684588"/>
+            <a:off x="6172200" y="2505075"/>
+            <a:ext cx="5183188" cy="3684588"/>
           </a:xfrm>
         </p:spPr>
         <p:txBody>
@@ -1956,35 +2001,35 @@
           <a:p>
             <a:pPr lvl="0"/>
             <a:r>
-              <a:rPr lang="en-US" smtClean="0"/>
-              <a:t>Click to edit Master text styles</a:t>
+              <a:rPr lang="en-US"/>
+              <a:t>Edit Master text styles</a:t>
             </a:r>
           </a:p>
           <a:p>
             <a:pPr lvl="1"/>
             <a:r>
-              <a:rPr lang="en-US" smtClean="0"/>
+              <a:rPr lang="en-US"/>
               <a:t>Second level</a:t>
             </a:r>
           </a:p>
           <a:p>
             <a:pPr lvl="2"/>
             <a:r>
-              <a:rPr lang="en-US" smtClean="0"/>
+              <a:rPr lang="en-US"/>
               <a:t>Third level</a:t>
             </a:r>
           </a:p>
           <a:p>
             <a:pPr lvl="3"/>
             <a:r>
-              <a:rPr lang="en-US" smtClean="0"/>
+              <a:rPr lang="en-US"/>
               <a:t>Fourth level</a:t>
             </a:r>
           </a:p>
           <a:p>
             <a:pPr lvl="4"/>
             <a:r>
-              <a:rPr lang="en-US" smtClean="0"/>
+              <a:rPr lang="en-US"/>
               <a:t>Fifth level</a:t>
             </a:r>
             <a:endParaRPr lang="en-US" dirty="0"/>
@@ -2008,7 +2053,7 @@
           <a:p>
             <a:fld id="{175E823A-2A1D-5E4A-9A38-6447958F9406}" type="datetimeFigureOut">
               <a:rPr lang="en-US" smtClean="0"/>
-              <a:t>1/29/18</a:t>
+              <a:t>1/29/2018</a:t>
             </a:fld>
             <a:endParaRPr lang="en-US"/>
           </a:p>
@@ -2057,6 +2102,11 @@
         </p:txBody>
       </p:sp>
     </p:spTree>
+    <p:extLst>
+      <p:ext uri="{BB962C8B-B14F-4D97-AF65-F5344CB8AC3E}">
+        <p14:creationId xmlns:p14="http://schemas.microsoft.com/office/powerpoint/2010/main" val="3640878229"/>
+      </p:ext>
+    </p:extLst>
   </p:cSld>
   <p:clrMapOvr>
     <a:masterClrMapping/>
@@ -2097,7 +2147,7 @@
           <a:lstStyle/>
           <a:p>
             <a:r>
-              <a:rPr lang="en-US" smtClean="0"/>
+              <a:rPr lang="en-US"/>
               <a:t>Click to edit Master title style</a:t>
             </a:r>
             <a:endParaRPr lang="en-US" dirty="0"/>
@@ -2121,7 +2171,7 @@
           <a:p>
             <a:fld id="{175E823A-2A1D-5E4A-9A38-6447958F9406}" type="datetimeFigureOut">
               <a:rPr lang="en-US" smtClean="0"/>
-              <a:t>1/29/18</a:t>
+              <a:t>1/29/2018</a:t>
             </a:fld>
             <a:endParaRPr lang="en-US"/>
           </a:p>
@@ -2170,6 +2220,11 @@
         </p:txBody>
       </p:sp>
     </p:spTree>
+    <p:extLst>
+      <p:ext uri="{BB962C8B-B14F-4D97-AF65-F5344CB8AC3E}">
+        <p14:creationId xmlns:p14="http://schemas.microsoft.com/office/powerpoint/2010/main" val="1642829023"/>
+      </p:ext>
+    </p:extLst>
   </p:cSld>
   <p:clrMapOvr>
     <a:masterClrMapping/>
@@ -2211,7 +2266,7 @@
           <a:p>
             <a:fld id="{175E823A-2A1D-5E4A-9A38-6447958F9406}" type="datetimeFigureOut">
               <a:rPr lang="en-US" smtClean="0"/>
-              <a:t>1/29/18</a:t>
+              <a:t>1/29/2018</a:t>
             </a:fld>
             <a:endParaRPr lang="en-US"/>
           </a:p>
@@ -2260,6 +2315,11 @@
         </p:txBody>
       </p:sp>
     </p:spTree>
+    <p:extLst>
+      <p:ext uri="{BB962C8B-B14F-4D97-AF65-F5344CB8AC3E}">
+        <p14:creationId xmlns:p14="http://schemas.microsoft.com/office/powerpoint/2010/main" val="3207859212"/>
+      </p:ext>
+    </p:extLst>
   </p:cSld>
   <p:clrMapOvr>
     <a:masterClrMapping/>
@@ -2296,8 +2356,8 @@
         </p:nvSpPr>
         <p:spPr>
           <a:xfrm>
-            <a:off x="629841" y="457200"/>
-            <a:ext cx="2949178" cy="1600200"/>
+            <a:off x="839788" y="457200"/>
+            <a:ext cx="3932237" cy="1600200"/>
           </a:xfrm>
         </p:spPr>
         <p:txBody>
@@ -2309,7 +2369,7 @@
           </a:lstStyle>
           <a:p>
             <a:r>
-              <a:rPr lang="en-US" smtClean="0"/>
+              <a:rPr lang="en-US"/>
               <a:t>Click to edit Master title style</a:t>
             </a:r>
             <a:endParaRPr lang="en-US" dirty="0"/>
@@ -2328,8 +2388,8 @@
         </p:nvSpPr>
         <p:spPr>
           <a:xfrm>
-            <a:off x="3887391" y="987426"/>
-            <a:ext cx="4629150" cy="4873625"/>
+            <a:off x="5183188" y="987425"/>
+            <a:ext cx="6172200" cy="4873625"/>
           </a:xfrm>
         </p:spPr>
         <p:txBody>
@@ -2366,35 +2426,35 @@
           <a:p>
             <a:pPr lvl="0"/>
             <a:r>
-              <a:rPr lang="en-US" smtClean="0"/>
-              <a:t>Click to edit Master text styles</a:t>
+              <a:rPr lang="en-US"/>
+              <a:t>Edit Master text styles</a:t>
             </a:r>
           </a:p>
           <a:p>
             <a:pPr lvl="1"/>
             <a:r>
-              <a:rPr lang="en-US" smtClean="0"/>
+              <a:rPr lang="en-US"/>
               <a:t>Second level</a:t>
             </a:r>
           </a:p>
           <a:p>
             <a:pPr lvl="2"/>
             <a:r>
-              <a:rPr lang="en-US" smtClean="0"/>
+              <a:rPr lang="en-US"/>
               <a:t>Third level</a:t>
             </a:r>
           </a:p>
           <a:p>
             <a:pPr lvl="3"/>
             <a:r>
-              <a:rPr lang="en-US" smtClean="0"/>
+              <a:rPr lang="en-US"/>
               <a:t>Fourth level</a:t>
             </a:r>
           </a:p>
           <a:p>
             <a:pPr lvl="4"/>
             <a:r>
-              <a:rPr lang="en-US" smtClean="0"/>
+              <a:rPr lang="en-US"/>
               <a:t>Fifth level</a:t>
             </a:r>
             <a:endParaRPr lang="en-US" dirty="0"/>
@@ -2413,8 +2473,8 @@
         </p:nvSpPr>
         <p:spPr>
           <a:xfrm>
-            <a:off x="629841" y="2057400"/>
-            <a:ext cx="2949178" cy="3811588"/>
+            <a:off x="839788" y="2057400"/>
+            <a:ext cx="3932237" cy="3811588"/>
           </a:xfrm>
         </p:spPr>
         <p:txBody>
@@ -2460,8 +2520,8 @@
           <a:p>
             <a:pPr lvl="0"/>
             <a:r>
-              <a:rPr lang="en-US" smtClean="0"/>
-              <a:t>Click to edit Master text styles</a:t>
+              <a:rPr lang="en-US"/>
+              <a:t>Edit Master text styles</a:t>
             </a:r>
           </a:p>
         </p:txBody>
@@ -2483,7 +2543,7 @@
           <a:p>
             <a:fld id="{175E823A-2A1D-5E4A-9A38-6447958F9406}" type="datetimeFigureOut">
               <a:rPr lang="en-US" smtClean="0"/>
-              <a:t>1/29/18</a:t>
+              <a:t>1/29/2018</a:t>
             </a:fld>
             <a:endParaRPr lang="en-US"/>
           </a:p>
@@ -2532,6 +2592,11 @@
         </p:txBody>
       </p:sp>
     </p:spTree>
+    <p:extLst>
+      <p:ext uri="{BB962C8B-B14F-4D97-AF65-F5344CB8AC3E}">
+        <p14:creationId xmlns:p14="http://schemas.microsoft.com/office/powerpoint/2010/main" val="1225997542"/>
+      </p:ext>
+    </p:extLst>
   </p:cSld>
   <p:clrMapOvr>
     <a:masterClrMapping/>
@@ -2568,8 +2633,8 @@
         </p:nvSpPr>
         <p:spPr>
           <a:xfrm>
-            <a:off x="629841" y="457200"/>
-            <a:ext cx="2949178" cy="1600200"/>
+            <a:off x="839788" y="457200"/>
+            <a:ext cx="3932237" cy="1600200"/>
           </a:xfrm>
         </p:spPr>
         <p:txBody>
@@ -2581,7 +2646,7 @@
           </a:lstStyle>
           <a:p>
             <a:r>
-              <a:rPr lang="en-US" smtClean="0"/>
+              <a:rPr lang="en-US"/>
               <a:t>Click to edit Master title style</a:t>
             </a:r>
             <a:endParaRPr lang="en-US" dirty="0"/>
@@ -2600,8 +2665,8 @@
         </p:nvSpPr>
         <p:spPr>
           <a:xfrm>
-            <a:off x="3887391" y="987426"/>
-            <a:ext cx="4629150" cy="4873625"/>
+            <a:off x="5183188" y="987425"/>
+            <a:ext cx="6172200" cy="4873625"/>
           </a:xfrm>
         </p:spPr>
         <p:txBody>
@@ -2646,8 +2711,8 @@
           </a:lstStyle>
           <a:p>
             <a:r>
-              <a:rPr lang="en-US" smtClean="0"/>
-              <a:t>Drag picture to placeholder or click icon to add</a:t>
+              <a:rPr lang="en-US"/>
+              <a:t>Click icon to add picture</a:t>
             </a:r>
             <a:endParaRPr lang="en-US" dirty="0"/>
           </a:p>
@@ -2665,8 +2730,8 @@
         </p:nvSpPr>
         <p:spPr>
           <a:xfrm>
-            <a:off x="629841" y="2057400"/>
-            <a:ext cx="2949178" cy="3811588"/>
+            <a:off x="839788" y="2057400"/>
+            <a:ext cx="3932237" cy="3811588"/>
           </a:xfrm>
         </p:spPr>
         <p:txBody>
@@ -2712,8 +2777,8 @@
           <a:p>
             <a:pPr lvl="0"/>
             <a:r>
-              <a:rPr lang="en-US" smtClean="0"/>
-              <a:t>Click to edit Master text styles</a:t>
+              <a:rPr lang="en-US"/>
+              <a:t>Edit Master text styles</a:t>
             </a:r>
           </a:p>
         </p:txBody>
@@ -2735,7 +2800,7 @@
           <a:p>
             <a:fld id="{175E823A-2A1D-5E4A-9A38-6447958F9406}" type="datetimeFigureOut">
               <a:rPr lang="en-US" smtClean="0"/>
-              <a:t>1/29/18</a:t>
+              <a:t>1/29/2018</a:t>
             </a:fld>
             <a:endParaRPr lang="en-US"/>
           </a:p>
@@ -2784,6 +2849,11 @@
         </p:txBody>
       </p:sp>
     </p:spTree>
+    <p:extLst>
+      <p:ext uri="{BB962C8B-B14F-4D97-AF65-F5344CB8AC3E}">
+        <p14:creationId xmlns:p14="http://schemas.microsoft.com/office/powerpoint/2010/main" val="1399052488"/>
+      </p:ext>
+    </p:extLst>
   </p:cSld>
   <p:clrMapOvr>
     <a:masterClrMapping/>
@@ -2825,8 +2895,8 @@
         </p:nvSpPr>
         <p:spPr>
           <a:xfrm>
-            <a:off x="628650" y="365126"/>
-            <a:ext cx="7886700" cy="1325563"/>
+            <a:off x="838200" y="365125"/>
+            <a:ext cx="10515600" cy="1325563"/>
           </a:xfrm>
           <a:prstGeom prst="rect">
             <a:avLst/>
@@ -2839,7 +2909,7 @@
           <a:lstStyle/>
           <a:p>
             <a:r>
-              <a:rPr lang="en-US" smtClean="0"/>
+              <a:rPr lang="en-US"/>
               <a:t>Click to edit Master title style</a:t>
             </a:r>
             <a:endParaRPr lang="en-US" dirty="0"/>
@@ -2858,8 +2928,8 @@
         </p:nvSpPr>
         <p:spPr>
           <a:xfrm>
-            <a:off x="628650" y="1825625"/>
-            <a:ext cx="7886700" cy="4351338"/>
+            <a:off x="838200" y="1825625"/>
+            <a:ext cx="10515600" cy="4351338"/>
           </a:xfrm>
           <a:prstGeom prst="rect">
             <a:avLst/>
@@ -2873,35 +2943,35 @@
           <a:p>
             <a:pPr lvl="0"/>
             <a:r>
-              <a:rPr lang="en-US" smtClean="0"/>
-              <a:t>Click to edit Master text styles</a:t>
+              <a:rPr lang="en-US"/>
+              <a:t>Edit Master text styles</a:t>
             </a:r>
           </a:p>
           <a:p>
             <a:pPr lvl="1"/>
             <a:r>
-              <a:rPr lang="en-US" smtClean="0"/>
+              <a:rPr lang="en-US"/>
               <a:t>Second level</a:t>
             </a:r>
           </a:p>
           <a:p>
             <a:pPr lvl="2"/>
             <a:r>
-              <a:rPr lang="en-US" smtClean="0"/>
+              <a:rPr lang="en-US"/>
               <a:t>Third level</a:t>
             </a:r>
           </a:p>
           <a:p>
             <a:pPr lvl="3"/>
             <a:r>
-              <a:rPr lang="en-US" smtClean="0"/>
+              <a:rPr lang="en-US"/>
               <a:t>Fourth level</a:t>
             </a:r>
           </a:p>
           <a:p>
             <a:pPr lvl="4"/>
             <a:r>
-              <a:rPr lang="en-US" smtClean="0"/>
+              <a:rPr lang="en-US"/>
               <a:t>Fifth level</a:t>
             </a:r>
             <a:endParaRPr lang="en-US" dirty="0"/>
@@ -2920,8 +2990,8 @@
         </p:nvSpPr>
         <p:spPr>
           <a:xfrm>
-            <a:off x="628650" y="6356351"/>
-            <a:ext cx="2057400" cy="365125"/>
+            <a:off x="838200" y="6356350"/>
+            <a:ext cx="2743200" cy="365125"/>
           </a:xfrm>
           <a:prstGeom prst="rect">
             <a:avLst/>
@@ -2943,7 +3013,7 @@
           <a:p>
             <a:fld id="{175E823A-2A1D-5E4A-9A38-6447958F9406}" type="datetimeFigureOut">
               <a:rPr lang="en-US" smtClean="0"/>
-              <a:t>1/29/18</a:t>
+              <a:t>1/29/2018</a:t>
             </a:fld>
             <a:endParaRPr lang="en-US"/>
           </a:p>
@@ -2961,8 +3031,8 @@
         </p:nvSpPr>
         <p:spPr>
           <a:xfrm>
-            <a:off x="3028950" y="6356351"/>
-            <a:ext cx="3086100" cy="365125"/>
+            <a:off x="4038600" y="6356350"/>
+            <a:ext cx="4114800" cy="365125"/>
           </a:xfrm>
           <a:prstGeom prst="rect">
             <a:avLst/>
@@ -2998,8 +3068,8 @@
         </p:nvSpPr>
         <p:spPr>
           <a:xfrm>
-            <a:off x="6457950" y="6356351"/>
-            <a:ext cx="2057400" cy="365125"/>
+            <a:off x="8610600" y="6356350"/>
+            <a:ext cx="2743200" cy="365125"/>
           </a:xfrm>
           <a:prstGeom prst="rect">
             <a:avLst/>
@@ -3030,23 +3100,23 @@
     </p:spTree>
     <p:extLst>
       <p:ext uri="{BB962C8B-B14F-4D97-AF65-F5344CB8AC3E}">
-        <p14:creationId xmlns:p14="http://schemas.microsoft.com/office/powerpoint/2010/main" val="1663436645"/>
+        <p14:creationId xmlns:p14="http://schemas.microsoft.com/office/powerpoint/2010/main" val="1661894162"/>
       </p:ext>
     </p:extLst>
   </p:cSld>
   <p:clrMap bg1="lt1" tx1="dk1" bg2="lt2" tx2="dk2" accent1="accent1" accent2="accent2" accent3="accent3" accent4="accent4" accent5="accent5" accent6="accent6" hlink="hlink" folHlink="folHlink"/>
   <p:sldLayoutIdLst>
-    <p:sldLayoutId id="2147483661" r:id="rId1"/>
-    <p:sldLayoutId id="2147483662" r:id="rId2"/>
-    <p:sldLayoutId id="2147483663" r:id="rId3"/>
-    <p:sldLayoutId id="2147483664" r:id="rId4"/>
-    <p:sldLayoutId id="2147483665" r:id="rId5"/>
-    <p:sldLayoutId id="2147483666" r:id="rId6"/>
-    <p:sldLayoutId id="2147483667" r:id="rId7"/>
-    <p:sldLayoutId id="2147483668" r:id="rId8"/>
-    <p:sldLayoutId id="2147483669" r:id="rId9"/>
-    <p:sldLayoutId id="2147483670" r:id="rId10"/>
-    <p:sldLayoutId id="2147483671" r:id="rId11"/>
+    <p:sldLayoutId id="2147483673" r:id="rId1"/>
+    <p:sldLayoutId id="2147483674" r:id="rId2"/>
+    <p:sldLayoutId id="2147483675" r:id="rId3"/>
+    <p:sldLayoutId id="2147483676" r:id="rId4"/>
+    <p:sldLayoutId id="2147483677" r:id="rId5"/>
+    <p:sldLayoutId id="2147483678" r:id="rId6"/>
+    <p:sldLayoutId id="2147483679" r:id="rId7"/>
+    <p:sldLayoutId id="2147483680" r:id="rId8"/>
+    <p:sldLayoutId id="2147483681" r:id="rId9"/>
+    <p:sldLayoutId id="2147483682" r:id="rId10"/>
+    <p:sldLayoutId id="2147483683" r:id="rId11"/>
   </p:sldLayoutIdLst>
   <p:txStyles>
     <p:titleStyle>
@@ -3348,317 +3418,6 @@
           <a:chExt cx="0" cy="0"/>
         </a:xfrm>
       </p:grpSpPr>
-      <p:sp>
-        <p:nvSpPr>
-          <p:cNvPr id="5" name="Rounded Rectangle 4"/>
-          <p:cNvSpPr/>
-          <p:nvPr/>
-        </p:nvSpPr>
-        <p:spPr>
-          <a:xfrm>
-            <a:off x="670840" y="1251295"/>
-            <a:ext cx="1463040" cy="365760"/>
-          </a:xfrm>
-          <a:prstGeom prst="roundRect">
-            <a:avLst/>
-          </a:prstGeom>
-        </p:spPr>
-        <p:style>
-          <a:lnRef idx="2">
-            <a:schemeClr val="accent1"/>
-          </a:lnRef>
-          <a:fillRef idx="1">
-            <a:schemeClr val="lt1"/>
-          </a:fillRef>
-          <a:effectRef idx="0">
-            <a:schemeClr val="accent1"/>
-          </a:effectRef>
-          <a:fontRef idx="minor">
-            <a:schemeClr val="dk1"/>
-          </a:fontRef>
-        </p:style>
-        <p:txBody>
-          <a:bodyPr rtlCol="0" anchor="ctr"/>
-          <a:lstStyle/>
-          <a:p>
-            <a:pPr algn="ctr"/>
-            <a:r>
-              <a:rPr lang="en-US" sz="1200" dirty="0" smtClean="0">
-                <a:latin typeface="DengXian" charset="-122"/>
-                <a:ea typeface="DengXian" charset="-122"/>
-                <a:cs typeface="DengXian" charset="-122"/>
-              </a:rPr>
-              <a:t>Take a Photo</a:t>
-            </a:r>
-            <a:endParaRPr lang="en-US" sz="1200" dirty="0">
-              <a:latin typeface="DengXian" charset="-122"/>
-              <a:ea typeface="DengXian" charset="-122"/>
-              <a:cs typeface="DengXian" charset="-122"/>
-            </a:endParaRPr>
-          </a:p>
-        </p:txBody>
-      </p:sp>
-      <p:sp>
-        <p:nvSpPr>
-          <p:cNvPr id="6" name="Rounded Rectangle 5"/>
-          <p:cNvSpPr/>
-          <p:nvPr/>
-        </p:nvSpPr>
-        <p:spPr>
-          <a:xfrm>
-            <a:off x="670840" y="574786"/>
-            <a:ext cx="1463040" cy="365760"/>
-          </a:xfrm>
-          <a:prstGeom prst="roundRect">
-            <a:avLst/>
-          </a:prstGeom>
-        </p:spPr>
-        <p:style>
-          <a:lnRef idx="2">
-            <a:schemeClr val="accent1"/>
-          </a:lnRef>
-          <a:fillRef idx="1">
-            <a:schemeClr val="lt1"/>
-          </a:fillRef>
-          <a:effectRef idx="0">
-            <a:schemeClr val="accent1"/>
-          </a:effectRef>
-          <a:fontRef idx="minor">
-            <a:schemeClr val="dk1"/>
-          </a:fontRef>
-        </p:style>
-        <p:txBody>
-          <a:bodyPr rtlCol="0" anchor="ctr"/>
-          <a:lstStyle/>
-          <a:p>
-            <a:pPr algn="ctr"/>
-            <a:r>
-              <a:rPr lang="en-US" sz="1200" dirty="0" smtClean="0">
-                <a:latin typeface="DengXian" charset="-122"/>
-                <a:ea typeface="DengXian" charset="-122"/>
-                <a:cs typeface="DengXian" charset="-122"/>
-              </a:rPr>
-              <a:t>Launch App</a:t>
-            </a:r>
-            <a:endParaRPr lang="en-US" sz="1200" dirty="0">
-              <a:latin typeface="DengXian" charset="-122"/>
-              <a:ea typeface="DengXian" charset="-122"/>
-              <a:cs typeface="DengXian" charset="-122"/>
-            </a:endParaRPr>
-          </a:p>
-        </p:txBody>
-      </p:sp>
-      <p:sp>
-        <p:nvSpPr>
-          <p:cNvPr id="7" name="Rounded Rectangle 6"/>
-          <p:cNvSpPr/>
-          <p:nvPr/>
-        </p:nvSpPr>
-        <p:spPr>
-          <a:xfrm>
-            <a:off x="661696" y="3520124"/>
-            <a:ext cx="1463040" cy="548640"/>
-          </a:xfrm>
-          <a:prstGeom prst="roundRect">
-            <a:avLst/>
-          </a:prstGeom>
-        </p:spPr>
-        <p:style>
-          <a:lnRef idx="2">
-            <a:schemeClr val="accent1"/>
-          </a:lnRef>
-          <a:fillRef idx="1">
-            <a:schemeClr val="lt1"/>
-          </a:fillRef>
-          <a:effectRef idx="0">
-            <a:schemeClr val="accent1"/>
-          </a:effectRef>
-          <a:fontRef idx="minor">
-            <a:schemeClr val="dk1"/>
-          </a:fontRef>
-        </p:style>
-        <p:txBody>
-          <a:bodyPr rtlCol="0" anchor="ctr"/>
-          <a:lstStyle/>
-          <a:p>
-            <a:pPr algn="ctr"/>
-            <a:r>
-              <a:rPr lang="en-US" sz="1200" dirty="0" err="1" smtClean="0">
-                <a:latin typeface="DengXian" charset="-122"/>
-                <a:ea typeface="DengXian" charset="-122"/>
-                <a:cs typeface="DengXian" charset="-122"/>
-              </a:rPr>
-              <a:t>TensorFlow</a:t>
-            </a:r>
-            <a:endParaRPr lang="en-US" sz="1200" dirty="0" smtClean="0">
-              <a:latin typeface="DengXian" charset="-122"/>
-              <a:ea typeface="DengXian" charset="-122"/>
-              <a:cs typeface="DengXian" charset="-122"/>
-            </a:endParaRPr>
-          </a:p>
-          <a:p>
-            <a:pPr algn="ctr"/>
-            <a:r>
-              <a:rPr lang="en-US" sz="1200" dirty="0" smtClean="0">
-                <a:latin typeface="DengXian" charset="-122"/>
-                <a:ea typeface="DengXian" charset="-122"/>
-                <a:cs typeface="DengXian" charset="-122"/>
-              </a:rPr>
-              <a:t>Recognize</a:t>
-            </a:r>
-            <a:endParaRPr lang="en-US" sz="1200" dirty="0">
-              <a:latin typeface="DengXian" charset="-122"/>
-              <a:ea typeface="DengXian" charset="-122"/>
-              <a:cs typeface="DengXian" charset="-122"/>
-            </a:endParaRPr>
-          </a:p>
-        </p:txBody>
-      </p:sp>
-      <p:sp>
-        <p:nvSpPr>
-          <p:cNvPr id="10" name="Rounded Rectangle 9"/>
-          <p:cNvSpPr/>
-          <p:nvPr/>
-        </p:nvSpPr>
-        <p:spPr>
-          <a:xfrm>
-            <a:off x="667266" y="5523988"/>
-            <a:ext cx="1463040" cy="365760"/>
-          </a:xfrm>
-          <a:prstGeom prst="roundRect">
-            <a:avLst/>
-          </a:prstGeom>
-        </p:spPr>
-        <p:style>
-          <a:lnRef idx="2">
-            <a:schemeClr val="accent1"/>
-          </a:lnRef>
-          <a:fillRef idx="1">
-            <a:schemeClr val="lt1"/>
-          </a:fillRef>
-          <a:effectRef idx="0">
-            <a:schemeClr val="accent1"/>
-          </a:effectRef>
-          <a:fontRef idx="minor">
-            <a:schemeClr val="dk1"/>
-          </a:fontRef>
-        </p:style>
-        <p:txBody>
-          <a:bodyPr rtlCol="0" anchor="ctr"/>
-          <a:lstStyle/>
-          <a:p>
-            <a:pPr algn="ctr"/>
-            <a:r>
-              <a:rPr lang="en-US" sz="1200" dirty="0" smtClean="0">
-                <a:latin typeface="DengXian" charset="-122"/>
-                <a:ea typeface="DengXian" charset="-122"/>
-                <a:cs typeface="DengXian" charset="-122"/>
-              </a:rPr>
-              <a:t>Calculate Result</a:t>
-            </a:r>
-            <a:endParaRPr lang="en-US" sz="1200" dirty="0">
-              <a:latin typeface="DengXian" charset="-122"/>
-              <a:ea typeface="DengXian" charset="-122"/>
-              <a:cs typeface="DengXian" charset="-122"/>
-            </a:endParaRPr>
-          </a:p>
-        </p:txBody>
-      </p:sp>
-      <p:sp>
-        <p:nvSpPr>
-          <p:cNvPr id="11" name="Rounded Rectangle 10"/>
-          <p:cNvSpPr/>
-          <p:nvPr/>
-        </p:nvSpPr>
-        <p:spPr>
-          <a:xfrm>
-            <a:off x="6230506" y="5295632"/>
-            <a:ext cx="1463040" cy="365760"/>
-          </a:xfrm>
-          <a:prstGeom prst="roundRect">
-            <a:avLst/>
-          </a:prstGeom>
-        </p:spPr>
-        <p:style>
-          <a:lnRef idx="2">
-            <a:schemeClr val="accent1"/>
-          </a:lnRef>
-          <a:fillRef idx="1">
-            <a:schemeClr val="lt1"/>
-          </a:fillRef>
-          <a:effectRef idx="0">
-            <a:schemeClr val="accent1"/>
-          </a:effectRef>
-          <a:fontRef idx="minor">
-            <a:schemeClr val="dk1"/>
-          </a:fontRef>
-        </p:style>
-        <p:txBody>
-          <a:bodyPr rtlCol="0" anchor="ctr"/>
-          <a:lstStyle/>
-          <a:p>
-            <a:pPr algn="ctr"/>
-            <a:r>
-              <a:rPr lang="en-US" sz="1200" dirty="0" smtClean="0">
-                <a:latin typeface="DengXian" charset="-122"/>
-                <a:ea typeface="DengXian" charset="-122"/>
-                <a:cs typeface="DengXian" charset="-122"/>
-              </a:rPr>
-              <a:t>Web Search </a:t>
-            </a:r>
-          </a:p>
-        </p:txBody>
-      </p:sp>
-      <p:sp>
-        <p:nvSpPr>
-          <p:cNvPr id="32" name="Rectangle 31"/>
-          <p:cNvSpPr/>
-          <p:nvPr/>
-        </p:nvSpPr>
-        <p:spPr>
-          <a:xfrm>
-            <a:off x="851802" y="1894063"/>
-            <a:ext cx="1097280" cy="228600"/>
-          </a:xfrm>
-          <a:prstGeom prst="rect">
-            <a:avLst/>
-          </a:prstGeom>
-        </p:spPr>
-        <p:style>
-          <a:lnRef idx="2">
-            <a:schemeClr val="dk1"/>
-          </a:lnRef>
-          <a:fillRef idx="1">
-            <a:schemeClr val="lt1"/>
-          </a:fillRef>
-          <a:effectRef idx="0">
-            <a:schemeClr val="dk1"/>
-          </a:effectRef>
-          <a:fontRef idx="minor">
-            <a:schemeClr val="dk1"/>
-          </a:fontRef>
-        </p:style>
-        <p:txBody>
-          <a:bodyPr rtlCol="0" anchor="ctr"/>
-          <a:lstStyle/>
-          <a:p>
-            <a:pPr algn="ctr"/>
-            <a:r>
-              <a:rPr lang="en-US" sz="1000" dirty="0" smtClean="0">
-                <a:latin typeface="DengXian" charset="-122"/>
-                <a:ea typeface="DengXian" charset="-122"/>
-                <a:cs typeface="DengXian" charset="-122"/>
-              </a:rPr>
-              <a:t>Button: take</a:t>
-            </a:r>
-            <a:endParaRPr lang="en-US" sz="1000" dirty="0">
-              <a:latin typeface="DengXian" charset="-122"/>
-              <a:ea typeface="DengXian" charset="-122"/>
-              <a:cs typeface="DengXian" charset="-122"/>
-            </a:endParaRPr>
-          </a:p>
-        </p:txBody>
-      </p:sp>
       <p:cxnSp>
         <p:nvCxnSpPr>
           <p:cNvPr id="34" name="Straight Connector 33"/>
@@ -3667,7 +3426,7 @@
         </p:nvCxnSpPr>
         <p:spPr>
           <a:xfrm>
-            <a:off x="4572000" y="349857"/>
+            <a:off x="3887767" y="416210"/>
             <a:ext cx="0" cy="6245352"/>
           </a:xfrm>
           <a:prstGeom prst="line">
@@ -3697,97 +3456,141 @@
           </a:fontRef>
         </p:style>
       </p:cxnSp>
+      <p:sp>
+        <p:nvSpPr>
+          <p:cNvPr id="207" name="TextBox 206"/>
+          <p:cNvSpPr txBox="1"/>
+          <p:nvPr/>
+        </p:nvSpPr>
+        <p:spPr>
+          <a:xfrm>
+            <a:off x="1006501" y="281311"/>
+            <a:ext cx="1972732" cy="646331"/>
+          </a:xfrm>
+          <a:prstGeom prst="rect">
+            <a:avLst/>
+          </a:prstGeom>
+          <a:noFill/>
+        </p:spPr>
+        <p:txBody>
+          <a:bodyPr wrap="square" rtlCol="0">
+            <a:spAutoFit/>
+          </a:bodyPr>
+          <a:lstStyle/>
+          <a:p>
+            <a:r>
+              <a:rPr lang="en-US" altLang="zh-CN" sz="1200" dirty="0">
+                <a:latin typeface="Consolas" charset="0"/>
+                <a:ea typeface="Consolas" charset="0"/>
+                <a:cs typeface="Consolas" charset="0"/>
+              </a:rPr>
+              <a:t>PhotoActivity</a:t>
+            </a:r>
+            <a:r>
+              <a:rPr lang="en-US" sz="1200" dirty="0">
+                <a:latin typeface="Consolas" charset="0"/>
+                <a:ea typeface="Consolas" charset="0"/>
+                <a:cs typeface="Consolas" charset="0"/>
+              </a:rPr>
+              <a:t>.java</a:t>
+            </a:r>
+          </a:p>
+          <a:p>
+            <a:endParaRPr lang="en-US" sz="1200" dirty="0">
+              <a:latin typeface="Consolas" charset="0"/>
+              <a:ea typeface="Consolas" charset="0"/>
+              <a:cs typeface="Consolas" charset="0"/>
+            </a:endParaRPr>
+          </a:p>
+          <a:p>
+            <a:r>
+              <a:rPr lang="en-US" sz="1200" dirty="0">
+                <a:latin typeface="Consolas" charset="0"/>
+                <a:ea typeface="Consolas" charset="0"/>
+                <a:cs typeface="Consolas" charset="0"/>
+              </a:rPr>
+              <a:t>activity_photo.xml</a:t>
+            </a:r>
+          </a:p>
+        </p:txBody>
+      </p:sp>
+      <p:sp>
+        <p:nvSpPr>
+          <p:cNvPr id="208" name="TextBox 207"/>
+          <p:cNvSpPr txBox="1"/>
+          <p:nvPr/>
+        </p:nvSpPr>
+        <p:spPr>
+          <a:xfrm>
+            <a:off x="4837356" y="281311"/>
+            <a:ext cx="2517287" cy="646331"/>
+          </a:xfrm>
+          <a:prstGeom prst="rect">
+            <a:avLst/>
+          </a:prstGeom>
+          <a:noFill/>
+        </p:spPr>
+        <p:txBody>
+          <a:bodyPr wrap="square" rtlCol="0">
+            <a:spAutoFit/>
+          </a:bodyPr>
+          <a:lstStyle/>
+          <a:p>
+            <a:r>
+              <a:rPr lang="en-US" sz="1200" dirty="0">
+                <a:latin typeface="Consolas" charset="0"/>
+                <a:ea typeface="Consolas" charset="0"/>
+                <a:cs typeface="Consolas" charset="0"/>
+              </a:rPr>
+              <a:t>RecognizationActivity.java</a:t>
+            </a:r>
+          </a:p>
+          <a:p>
+            <a:endParaRPr lang="en-US" sz="1200" dirty="0">
+              <a:latin typeface="Consolas" charset="0"/>
+              <a:ea typeface="Consolas" charset="0"/>
+              <a:cs typeface="Consolas" charset="0"/>
+            </a:endParaRPr>
+          </a:p>
+          <a:p>
+            <a:r>
+              <a:rPr lang="en-US" sz="1200" dirty="0">
+                <a:latin typeface="Consolas" charset="0"/>
+                <a:ea typeface="Consolas" charset="0"/>
+                <a:cs typeface="Consolas" charset="0"/>
+              </a:rPr>
+              <a:t>activity_recognization.xml</a:t>
+            </a:r>
+          </a:p>
+        </p:txBody>
+      </p:sp>
       <p:cxnSp>
         <p:nvCxnSpPr>
-          <p:cNvPr id="36" name="Straight Arrow Connector 35"/>
-          <p:cNvCxnSpPr>
-            <a:stCxn id="6" idx="2"/>
-            <a:endCxn id="5" idx="0"/>
-          </p:cNvCxnSpPr>
+          <p:cNvPr id="77" name="Straight Connector 76">
+            <a:extLst>
+              <a:ext uri="{FF2B5EF4-FFF2-40B4-BE49-F238E27FC236}">
+                <a16:creationId xmlns:a16="http://schemas.microsoft.com/office/drawing/2014/main" id="{AC24053E-04D4-4207-8B12-8B37DF12F7D2}"/>
+              </a:ext>
+            </a:extLst>
+          </p:cNvPr>
+          <p:cNvCxnSpPr/>
           <p:nvPr/>
         </p:nvCxnSpPr>
         <p:spPr>
           <a:xfrm>
-            <a:off x="1402360" y="940546"/>
-            <a:ext cx="0" cy="310749"/>
+            <a:off x="8545563" y="416210"/>
+            <a:ext cx="0" cy="6245352"/>
           </a:xfrm>
-          <a:prstGeom prst="straightConnector1">
+          <a:prstGeom prst="line">
             <a:avLst/>
           </a:prstGeom>
           <a:ln>
-            <a:tailEnd type="triangle"/>
-          </a:ln>
-        </p:spPr>
-        <p:style>
-          <a:lnRef idx="1">
-            <a:schemeClr val="accent1"/>
-          </a:lnRef>
-          <a:fillRef idx="0">
-            <a:schemeClr val="accent1"/>
-          </a:fillRef>
-          <a:effectRef idx="0">
-            <a:schemeClr val="accent1"/>
-          </a:effectRef>
-          <a:fontRef idx="minor">
-            <a:schemeClr val="tx1"/>
-          </a:fontRef>
-        </p:style>
-      </p:cxnSp>
-      <p:cxnSp>
-        <p:nvCxnSpPr>
-          <p:cNvPr id="44" name="Straight Arrow Connector 43"/>
-          <p:cNvCxnSpPr>
-            <a:stCxn id="32" idx="2"/>
-            <a:endCxn id="42" idx="0"/>
-          </p:cNvCxnSpPr>
-          <p:nvPr/>
-        </p:nvCxnSpPr>
-        <p:spPr>
-          <a:xfrm flipH="1">
-            <a:off x="1398986" y="2122663"/>
-            <a:ext cx="1456" cy="249085"/>
-          </a:xfrm>
-          <a:prstGeom prst="straightConnector1">
-            <a:avLst/>
-          </a:prstGeom>
-          <a:ln>
-            <a:tailEnd type="triangle"/>
-          </a:ln>
-        </p:spPr>
-        <p:style>
-          <a:lnRef idx="1">
-            <a:schemeClr val="accent1"/>
-          </a:lnRef>
-          <a:fillRef idx="0">
-            <a:schemeClr val="accent1"/>
-          </a:fillRef>
-          <a:effectRef idx="0">
-            <a:schemeClr val="accent1"/>
-          </a:effectRef>
-          <a:fontRef idx="minor">
-            <a:schemeClr val="tx1"/>
-          </a:fontRef>
-        </p:style>
-      </p:cxnSp>
-      <p:cxnSp>
-        <p:nvCxnSpPr>
-          <p:cNvPr id="49" name="Straight Arrow Connector 48"/>
-          <p:cNvCxnSpPr>
-            <a:stCxn id="42" idx="2"/>
-            <a:endCxn id="122" idx="0"/>
-          </p:cNvCxnSpPr>
-          <p:nvPr/>
-        </p:nvCxnSpPr>
-        <p:spPr>
-          <a:xfrm flipH="1">
-            <a:off x="1395013" y="2737508"/>
-            <a:ext cx="3973" cy="286531"/>
-          </a:xfrm>
-          <a:prstGeom prst="straightConnector1">
-            <a:avLst/>
-          </a:prstGeom>
-          <a:ln>
-            <a:tailEnd type="triangle"/>
+            <a:solidFill>
+              <a:schemeClr val="tx1">
+                <a:alpha val="31000"/>
+              </a:schemeClr>
+            </a:solidFill>
+            <a:prstDash val="dashDot"/>
           </a:ln>
         </p:spPr>
         <p:style>
@@ -3807,42 +3610,48 @@
       </p:cxnSp>
       <p:grpSp>
         <p:nvGrpSpPr>
-          <p:cNvPr id="158" name="Group 157"/>
+          <p:cNvPr id="174" name="Group 173">
+            <a:extLst>
+              <a:ext uri="{FF2B5EF4-FFF2-40B4-BE49-F238E27FC236}">
+                <a16:creationId xmlns:a16="http://schemas.microsoft.com/office/drawing/2014/main" id="{B27D17F5-2C83-4599-AD57-AA406DD636E0}"/>
+              </a:ext>
+            </a:extLst>
+          </p:cNvPr>
           <p:cNvGrpSpPr/>
           <p:nvPr/>
         </p:nvGrpSpPr>
         <p:grpSpPr>
           <a:xfrm>
-            <a:off x="621746" y="2297423"/>
-            <a:ext cx="2088302" cy="664840"/>
-            <a:chOff x="913999" y="2247702"/>
-            <a:chExt cx="2088302" cy="664840"/>
+            <a:off x="864739" y="1518009"/>
+            <a:ext cx="11136760" cy="4015215"/>
+            <a:chOff x="864739" y="1518009"/>
+            <a:chExt cx="11136760" cy="4015215"/>
           </a:xfrm>
         </p:grpSpPr>
         <p:sp>
           <p:nvSpPr>
-            <p:cNvPr id="42" name="Diamond 41"/>
+            <p:cNvPr id="5" name="Rounded Rectangle 4"/>
             <p:cNvSpPr/>
             <p:nvPr/>
           </p:nvSpPr>
           <p:spPr>
             <a:xfrm>
-              <a:off x="913999" y="2322027"/>
-              <a:ext cx="1554480" cy="365760"/>
+              <a:off x="917190" y="2421223"/>
+              <a:ext cx="1563083" cy="390771"/>
             </a:xfrm>
-            <a:prstGeom prst="diamond">
+            <a:prstGeom prst="roundRect">
               <a:avLst/>
             </a:prstGeom>
           </p:spPr>
           <p:style>
             <a:lnRef idx="2">
-              <a:schemeClr val="accent6"/>
+              <a:schemeClr val="accent1"/>
             </a:lnRef>
             <a:fillRef idx="1">
               <a:schemeClr val="lt1"/>
             </a:fillRef>
             <a:effectRef idx="0">
-              <a:schemeClr val="accent6"/>
+              <a:schemeClr val="accent1"/>
             </a:effectRef>
             <a:fontRef idx="minor">
               <a:schemeClr val="dk1"/>
@@ -3854,208 +3663,40 @@
             <a:p>
               <a:pPr algn="ctr"/>
               <a:r>
-                <a:rPr lang="en-US" sz="1100" dirty="0" smtClean="0">
+                <a:rPr lang="en-US" sz="1200" b="1" dirty="0">
                   <a:latin typeface="DengXian" charset="-122"/>
                   <a:ea typeface="DengXian" charset="-122"/>
                   <a:cs typeface="DengXian" charset="-122"/>
                 </a:rPr>
-                <a:t>Satisfied?</a:t>
+                <a:t>Take a Photo</a:t>
               </a:r>
-              <a:endParaRPr lang="en-US" sz="1100" dirty="0">
-                <a:latin typeface="DengXian" charset="-122"/>
-                <a:ea typeface="DengXian" charset="-122"/>
-                <a:cs typeface="DengXian" charset="-122"/>
-              </a:endParaRPr>
             </a:p>
           </p:txBody>
         </p:sp>
         <p:sp>
           <p:nvSpPr>
-            <p:cNvPr id="54" name="TextBox 53"/>
-            <p:cNvSpPr txBox="1"/>
-            <p:nvPr/>
-          </p:nvSpPr>
-          <p:spPr>
-            <a:xfrm>
-              <a:off x="1680382" y="2666321"/>
-              <a:ext cx="592339" cy="246221"/>
-            </a:xfrm>
-            <a:prstGeom prst="rect">
-              <a:avLst/>
-            </a:prstGeom>
-            <a:noFill/>
-          </p:spPr>
-          <p:txBody>
-            <a:bodyPr wrap="square" rtlCol="0">
-              <a:spAutoFit/>
-            </a:bodyPr>
-            <a:lstStyle/>
-            <a:p>
-              <a:r>
-                <a:rPr lang="en-US" sz="1000" dirty="0" smtClean="0">
-                  <a:latin typeface="DengXian" charset="-122"/>
-                  <a:ea typeface="DengXian" charset="-122"/>
-                  <a:cs typeface="DengXian" charset="-122"/>
-                </a:rPr>
-                <a:t>YES</a:t>
-              </a:r>
-              <a:endParaRPr lang="en-US" sz="1000" dirty="0">
-                <a:latin typeface="DengXian" charset="-122"/>
-                <a:ea typeface="DengXian" charset="-122"/>
-                <a:cs typeface="DengXian" charset="-122"/>
-              </a:endParaRPr>
-            </a:p>
-          </p:txBody>
-        </p:sp>
-        <p:sp>
-          <p:nvSpPr>
-            <p:cNvPr id="60" name="TextBox 59"/>
-            <p:cNvSpPr txBox="1"/>
-            <p:nvPr/>
-          </p:nvSpPr>
-          <p:spPr>
-            <a:xfrm>
-              <a:off x="2409962" y="2247702"/>
-              <a:ext cx="592339" cy="246221"/>
-            </a:xfrm>
-            <a:prstGeom prst="rect">
-              <a:avLst/>
-            </a:prstGeom>
-            <a:noFill/>
-          </p:spPr>
-          <p:txBody>
-            <a:bodyPr wrap="square" rtlCol="0">
-              <a:spAutoFit/>
-            </a:bodyPr>
-            <a:lstStyle/>
-            <a:p>
-              <a:r>
-                <a:rPr lang="en-US" sz="1000" dirty="0" smtClean="0">
-                  <a:latin typeface="DengXian" charset="-122"/>
-                  <a:ea typeface="DengXian" charset="-122"/>
-                  <a:cs typeface="DengXian" charset="-122"/>
-                </a:rPr>
-                <a:t>No</a:t>
-              </a:r>
-              <a:endParaRPr lang="en-US" sz="1000" dirty="0">
-                <a:latin typeface="DengXian" charset="-122"/>
-                <a:ea typeface="DengXian" charset="-122"/>
-                <a:cs typeface="DengXian" charset="-122"/>
-              </a:endParaRPr>
-            </a:p>
-          </p:txBody>
-        </p:sp>
-      </p:grpSp>
-      <p:cxnSp>
-        <p:nvCxnSpPr>
-          <p:cNvPr id="62" name="Straight Arrow Connector 61"/>
-          <p:cNvCxnSpPr>
-            <a:stCxn id="7" idx="2"/>
-            <a:endCxn id="61" idx="0"/>
-          </p:cNvCxnSpPr>
-          <p:nvPr/>
-        </p:nvCxnSpPr>
-        <p:spPr>
-          <a:xfrm>
-            <a:off x="1393216" y="4068764"/>
-            <a:ext cx="5770" cy="206330"/>
-          </a:xfrm>
-          <a:prstGeom prst="straightConnector1">
-            <a:avLst/>
-          </a:prstGeom>
-          <a:ln>
-            <a:tailEnd type="triangle"/>
-          </a:ln>
-        </p:spPr>
-        <p:style>
-          <a:lnRef idx="1">
-            <a:schemeClr val="accent1"/>
-          </a:lnRef>
-          <a:fillRef idx="0">
-            <a:schemeClr val="accent1"/>
-          </a:fillRef>
-          <a:effectRef idx="0">
-            <a:schemeClr val="accent1"/>
-          </a:effectRef>
-          <a:fontRef idx="minor">
-            <a:schemeClr val="tx1"/>
-          </a:fontRef>
-        </p:style>
-      </p:cxnSp>
-      <p:cxnSp>
-        <p:nvCxnSpPr>
-          <p:cNvPr id="63" name="Straight Arrow Connector 62"/>
-          <p:cNvCxnSpPr>
-            <a:stCxn id="61" idx="2"/>
-            <a:endCxn id="123" idx="0"/>
-          </p:cNvCxnSpPr>
-          <p:nvPr/>
-        </p:nvCxnSpPr>
-        <p:spPr>
-          <a:xfrm>
-            <a:off x="1398986" y="4640854"/>
-            <a:ext cx="5" cy="290672"/>
-          </a:xfrm>
-          <a:prstGeom prst="straightConnector1">
-            <a:avLst/>
-          </a:prstGeom>
-          <a:ln>
-            <a:tailEnd type="triangle"/>
-          </a:ln>
-        </p:spPr>
-        <p:style>
-          <a:lnRef idx="1">
-            <a:schemeClr val="accent1"/>
-          </a:lnRef>
-          <a:fillRef idx="0">
-            <a:schemeClr val="accent1"/>
-          </a:fillRef>
-          <a:effectRef idx="0">
-            <a:schemeClr val="accent1"/>
-          </a:effectRef>
-          <a:fontRef idx="minor">
-            <a:schemeClr val="tx1"/>
-          </a:fontRef>
-        </p:style>
-      </p:cxnSp>
-      <p:grpSp>
-        <p:nvGrpSpPr>
-          <p:cNvPr id="159" name="Group 158"/>
-          <p:cNvGrpSpPr/>
-          <p:nvPr/>
-        </p:nvGrpSpPr>
-        <p:grpSpPr>
-          <a:xfrm>
-            <a:off x="621746" y="4223183"/>
-            <a:ext cx="2146365" cy="651764"/>
-            <a:chOff x="908459" y="4009781"/>
-            <a:chExt cx="2146365" cy="651764"/>
-          </a:xfrm>
-        </p:grpSpPr>
-        <p:sp>
-          <p:nvSpPr>
-            <p:cNvPr id="61" name="Diamond 60"/>
+            <p:cNvPr id="6" name="Rounded Rectangle 5"/>
             <p:cNvSpPr/>
             <p:nvPr/>
           </p:nvSpPr>
           <p:spPr>
             <a:xfrm>
-              <a:off x="908459" y="4061692"/>
-              <a:ext cx="1554480" cy="365760"/>
+              <a:off x="917190" y="1698454"/>
+              <a:ext cx="1563083" cy="390771"/>
             </a:xfrm>
-            <a:prstGeom prst="diamond">
+            <a:prstGeom prst="roundRect">
               <a:avLst/>
             </a:prstGeom>
           </p:spPr>
           <p:style>
             <a:lnRef idx="2">
-              <a:schemeClr val="accent6"/>
+              <a:schemeClr val="accent1"/>
             </a:lnRef>
             <a:fillRef idx="1">
               <a:schemeClr val="lt1"/>
             </a:fillRef>
             <a:effectRef idx="0">
-              <a:schemeClr val="accent6"/>
+              <a:schemeClr val="accent1"/>
             </a:effectRef>
             <a:fontRef idx="minor">
               <a:schemeClr val="dk1"/>
@@ -4067,263 +3708,361 @@
             <a:p>
               <a:pPr algn="ctr"/>
               <a:r>
-                <a:rPr lang="en-US" sz="1100" dirty="0" smtClean="0">
+                <a:rPr lang="en-US" sz="1200" b="1" dirty="0">
                   <a:latin typeface="DengXian" charset="-122"/>
                   <a:ea typeface="DengXian" charset="-122"/>
                   <a:cs typeface="DengXian" charset="-122"/>
                 </a:rPr>
-                <a:t>Correct?</a:t>
+                <a:t>Launch App</a:t>
               </a:r>
-              <a:endParaRPr lang="en-US" sz="1100" dirty="0">
-                <a:latin typeface="DengXian" charset="-122"/>
-                <a:ea typeface="DengXian" charset="-122"/>
-                <a:cs typeface="DengXian" charset="-122"/>
-              </a:endParaRPr>
             </a:p>
           </p:txBody>
         </p:sp>
         <p:sp>
           <p:nvSpPr>
-            <p:cNvPr id="64" name="TextBox 63"/>
-            <p:cNvSpPr txBox="1"/>
+            <p:cNvPr id="11" name="Rounded Rectangle 10"/>
+            <p:cNvSpPr/>
             <p:nvPr/>
           </p:nvSpPr>
           <p:spPr>
             <a:xfrm>
-              <a:off x="1670168" y="4415324"/>
-              <a:ext cx="592339" cy="246221"/>
+              <a:off x="9754566" y="5142453"/>
+              <a:ext cx="1563083" cy="390771"/>
             </a:xfrm>
-            <a:prstGeom prst="rect">
+            <a:prstGeom prst="roundRect">
               <a:avLst/>
             </a:prstGeom>
-            <a:noFill/>
           </p:spPr>
+          <p:style>
+            <a:lnRef idx="2">
+              <a:schemeClr val="accent1"/>
+            </a:lnRef>
+            <a:fillRef idx="1">
+              <a:schemeClr val="lt1"/>
+            </a:fillRef>
+            <a:effectRef idx="0">
+              <a:schemeClr val="accent1"/>
+            </a:effectRef>
+            <a:fontRef idx="minor">
+              <a:schemeClr val="dk1"/>
+            </a:fontRef>
+          </p:style>
           <p:txBody>
-            <a:bodyPr wrap="square" rtlCol="0">
-              <a:spAutoFit/>
-            </a:bodyPr>
+            <a:bodyPr rtlCol="0" anchor="ctr"/>
             <a:lstStyle/>
             <a:p>
+              <a:pPr algn="ctr"/>
               <a:r>
-                <a:rPr lang="en-US" sz="1000" dirty="0" smtClean="0">
+                <a:rPr lang="en-US" sz="1200" b="1" dirty="0">
                   <a:latin typeface="DengXian" charset="-122"/>
                   <a:ea typeface="DengXian" charset="-122"/>
                   <a:cs typeface="DengXian" charset="-122"/>
                 </a:rPr>
-                <a:t>YES</a:t>
+                <a:t>Web Search </a:t>
               </a:r>
-              <a:endParaRPr lang="en-US" sz="1000" dirty="0">
-                <a:latin typeface="DengXian" charset="-122"/>
-                <a:ea typeface="DengXian" charset="-122"/>
-                <a:cs typeface="DengXian" charset="-122"/>
-              </a:endParaRPr>
             </a:p>
           </p:txBody>
         </p:sp>
         <p:sp>
           <p:nvSpPr>
-            <p:cNvPr id="66" name="TextBox 65"/>
-            <p:cNvSpPr txBox="1"/>
+            <p:cNvPr id="32" name="Rectangle 31"/>
+            <p:cNvSpPr/>
             <p:nvPr/>
           </p:nvSpPr>
           <p:spPr>
             <a:xfrm>
-              <a:off x="2462485" y="4009781"/>
-              <a:ext cx="592339" cy="246221"/>
+              <a:off x="1110526" y="3107944"/>
+              <a:ext cx="1172312" cy="244232"/>
             </a:xfrm>
             <a:prstGeom prst="rect">
               <a:avLst/>
             </a:prstGeom>
-            <a:noFill/>
           </p:spPr>
+          <p:style>
+            <a:lnRef idx="2">
+              <a:schemeClr val="dk1"/>
+            </a:lnRef>
+            <a:fillRef idx="1">
+              <a:schemeClr val="lt1"/>
+            </a:fillRef>
+            <a:effectRef idx="0">
+              <a:schemeClr val="dk1"/>
+            </a:effectRef>
+            <a:fontRef idx="minor">
+              <a:schemeClr val="dk1"/>
+            </a:fontRef>
+          </p:style>
           <p:txBody>
-            <a:bodyPr wrap="square" rtlCol="0">
-              <a:spAutoFit/>
-            </a:bodyPr>
+            <a:bodyPr rtlCol="0" anchor="ctr"/>
             <a:lstStyle/>
             <a:p>
+              <a:pPr algn="ctr"/>
               <a:r>
-                <a:rPr lang="en-US" sz="1000" dirty="0" smtClean="0">
+                <a:rPr lang="en-US" sz="1000" b="1" dirty="0">
                   <a:latin typeface="DengXian" charset="-122"/>
                   <a:ea typeface="DengXian" charset="-122"/>
                   <a:cs typeface="DengXian" charset="-122"/>
                 </a:rPr>
-                <a:t>No</a:t>
+                <a:t>Button: take</a:t>
               </a:r>
-              <a:endParaRPr lang="en-US" sz="1000" dirty="0">
-                <a:latin typeface="DengXian" charset="-122"/>
-                <a:ea typeface="DengXian" charset="-122"/>
-                <a:cs typeface="DengXian" charset="-122"/>
-              </a:endParaRPr>
             </a:p>
           </p:txBody>
         </p:sp>
-      </p:grpSp>
-      <p:sp>
-        <p:nvSpPr>
-          <p:cNvPr id="81" name="Rectangle 80"/>
-          <p:cNvSpPr/>
-          <p:nvPr/>
-        </p:nvSpPr>
-        <p:spPr>
-          <a:xfrm>
-            <a:off x="941299" y="6186155"/>
-            <a:ext cx="914402" cy="228600"/>
-          </a:xfrm>
-          <a:prstGeom prst="rect">
-            <a:avLst/>
-          </a:prstGeom>
-        </p:spPr>
-        <p:style>
-          <a:lnRef idx="2">
-            <a:schemeClr val="dk1"/>
-          </a:lnRef>
-          <a:fillRef idx="1">
-            <a:schemeClr val="lt1"/>
-          </a:fillRef>
-          <a:effectRef idx="0">
-            <a:schemeClr val="dk1"/>
-          </a:effectRef>
-          <a:fontRef idx="minor">
-            <a:schemeClr val="dk1"/>
-          </a:fontRef>
-        </p:style>
-        <p:txBody>
-          <a:bodyPr rtlCol="0" anchor="ctr"/>
-          <a:lstStyle/>
-          <a:p>
-            <a:pPr algn="ctr"/>
-            <a:r>
-              <a:rPr lang="en-US" sz="1000" dirty="0" smtClean="0">
-                <a:latin typeface="DengXian" charset="-122"/>
-                <a:ea typeface="DengXian" charset="-122"/>
-                <a:cs typeface="DengXian" charset="-122"/>
-              </a:rPr>
-              <a:t>Radio Group</a:t>
-            </a:r>
-            <a:endParaRPr lang="en-US" sz="1000" dirty="0">
-              <a:latin typeface="DengXian" charset="-122"/>
-              <a:ea typeface="DengXian" charset="-122"/>
-              <a:cs typeface="DengXian" charset="-122"/>
-            </a:endParaRPr>
-          </a:p>
-        </p:txBody>
-      </p:sp>
-      <p:cxnSp>
-        <p:nvCxnSpPr>
-          <p:cNvPr id="91" name="Straight Arrow Connector 90"/>
-          <p:cNvCxnSpPr>
-            <a:stCxn id="10" idx="2"/>
-            <a:endCxn id="81" idx="0"/>
-          </p:cNvCxnSpPr>
-          <p:nvPr/>
-        </p:nvCxnSpPr>
-        <p:spPr>
-          <a:xfrm flipH="1">
-            <a:off x="1398500" y="5889748"/>
-            <a:ext cx="286" cy="296407"/>
-          </a:xfrm>
-          <a:prstGeom prst="straightConnector1">
-            <a:avLst/>
-          </a:prstGeom>
-          <a:ln>
-            <a:tailEnd type="triangle"/>
-          </a:ln>
-        </p:spPr>
-        <p:style>
-          <a:lnRef idx="1">
-            <a:schemeClr val="accent1"/>
-          </a:lnRef>
-          <a:fillRef idx="0">
-            <a:schemeClr val="accent1"/>
-          </a:fillRef>
-          <a:effectRef idx="0">
-            <a:schemeClr val="accent1"/>
-          </a:effectRef>
-          <a:fontRef idx="minor">
-            <a:schemeClr val="tx1"/>
-          </a:fontRef>
-        </p:style>
-      </p:cxnSp>
-      <p:sp>
-        <p:nvSpPr>
-          <p:cNvPr id="100" name="TextBox 99"/>
-          <p:cNvSpPr txBox="1"/>
-          <p:nvPr/>
-        </p:nvSpPr>
-        <p:spPr>
-          <a:xfrm>
-            <a:off x="1855700" y="6045681"/>
-            <a:ext cx="1612421" cy="430887"/>
-          </a:xfrm>
-          <a:prstGeom prst="rect">
-            <a:avLst/>
-          </a:prstGeom>
-          <a:noFill/>
-        </p:spPr>
-        <p:txBody>
-          <a:bodyPr wrap="square" rtlCol="0">
-            <a:spAutoFit/>
-          </a:bodyPr>
-          <a:lstStyle/>
-          <a:p>
-            <a:r>
-              <a:rPr lang="en-US" sz="1100" dirty="0" smtClean="0">
-                <a:latin typeface="DengXian" charset="-122"/>
-                <a:ea typeface="DengXian" charset="-122"/>
-                <a:cs typeface="DengXian" charset="-122"/>
-              </a:rPr>
-              <a:t>ADD DIGIT or </a:t>
-            </a:r>
-            <a:r>
-              <a:rPr lang="en-US" sz="1100" dirty="0" smtClean="0">
-                <a:latin typeface="DengXian" charset="-122"/>
-                <a:ea typeface="DengXian" charset="-122"/>
-                <a:cs typeface="DengXian" charset="-122"/>
-              </a:rPr>
-              <a:t>SUM-UP</a:t>
-            </a:r>
-          </a:p>
-          <a:p>
-            <a:endParaRPr lang="en-US" sz="1000" dirty="0">
-              <a:latin typeface="DengXian" charset="-122"/>
-              <a:ea typeface="DengXian" charset="-122"/>
-              <a:cs typeface="DengXian" charset="-122"/>
-            </a:endParaRPr>
-          </a:p>
-        </p:txBody>
-      </p:sp>
-      <p:grpSp>
-        <p:nvGrpSpPr>
-          <p:cNvPr id="190" name="Group 189"/>
-          <p:cNvGrpSpPr/>
-          <p:nvPr/>
-        </p:nvGrpSpPr>
-        <p:grpSpPr>
-          <a:xfrm>
-            <a:off x="1398500" y="5669343"/>
-            <a:ext cx="5563526" cy="998748"/>
-            <a:chOff x="1398500" y="5502366"/>
-            <a:chExt cx="5563526" cy="998748"/>
-          </a:xfrm>
-        </p:grpSpPr>
+        <p:cxnSp>
+          <p:nvCxnSpPr>
+            <p:cNvPr id="36" name="Straight Arrow Connector 35"/>
+            <p:cNvCxnSpPr>
+              <a:stCxn id="6" idx="2"/>
+              <a:endCxn id="5" idx="0"/>
+            </p:cNvCxnSpPr>
+            <p:nvPr/>
+          </p:nvCxnSpPr>
+          <p:spPr>
+            <a:xfrm>
+              <a:off x="1698732" y="2089226"/>
+              <a:ext cx="0" cy="331998"/>
+            </a:xfrm>
+            <a:prstGeom prst="straightConnector1">
+              <a:avLst/>
+            </a:prstGeom>
+            <a:ln>
+              <a:tailEnd type="triangle"/>
+            </a:ln>
+          </p:spPr>
+          <p:style>
+            <a:lnRef idx="1">
+              <a:schemeClr val="accent1"/>
+            </a:lnRef>
+            <a:fillRef idx="0">
+              <a:schemeClr val="accent1"/>
+            </a:fillRef>
+            <a:effectRef idx="0">
+              <a:schemeClr val="accent1"/>
+            </a:effectRef>
+            <a:fontRef idx="minor">
+              <a:schemeClr val="tx1"/>
+            </a:fontRef>
+          </p:style>
+        </p:cxnSp>
+        <p:cxnSp>
+          <p:nvCxnSpPr>
+            <p:cNvPr id="44" name="Straight Arrow Connector 43"/>
+            <p:cNvCxnSpPr>
+              <a:cxnSpLocks/>
+              <a:stCxn id="32" idx="2"/>
+              <a:endCxn id="42" idx="0"/>
+            </p:cNvCxnSpPr>
+            <p:nvPr/>
+          </p:nvCxnSpPr>
+          <p:spPr>
+            <a:xfrm flipH="1">
+              <a:off x="1695127" y="3352177"/>
+              <a:ext cx="1556" cy="266118"/>
+            </a:xfrm>
+            <a:prstGeom prst="straightConnector1">
+              <a:avLst/>
+            </a:prstGeom>
+            <a:ln>
+              <a:tailEnd type="triangle"/>
+            </a:ln>
+          </p:spPr>
+          <p:style>
+            <a:lnRef idx="1">
+              <a:schemeClr val="accent1"/>
+            </a:lnRef>
+            <a:fillRef idx="0">
+              <a:schemeClr val="accent1"/>
+            </a:fillRef>
+            <a:effectRef idx="0">
+              <a:schemeClr val="accent1"/>
+            </a:effectRef>
+            <a:fontRef idx="minor">
+              <a:schemeClr val="tx1"/>
+            </a:fontRef>
+          </p:style>
+        </p:cxnSp>
+        <p:cxnSp>
+          <p:nvCxnSpPr>
+            <p:cNvPr id="49" name="Straight Arrow Connector 48"/>
+            <p:cNvCxnSpPr>
+              <a:cxnSpLocks/>
+              <a:stCxn id="42" idx="2"/>
+              <a:endCxn id="122" idx="0"/>
+            </p:cNvCxnSpPr>
+            <p:nvPr/>
+          </p:nvCxnSpPr>
+          <p:spPr>
+            <a:xfrm flipH="1">
+              <a:off x="1690882" y="4009064"/>
+              <a:ext cx="4245" cy="471965"/>
+            </a:xfrm>
+            <a:prstGeom prst="straightConnector1">
+              <a:avLst/>
+            </a:prstGeom>
+            <a:ln>
+              <a:tailEnd type="triangle"/>
+            </a:ln>
+          </p:spPr>
+          <p:style>
+            <a:lnRef idx="1">
+              <a:schemeClr val="accent1"/>
+            </a:lnRef>
+            <a:fillRef idx="0">
+              <a:schemeClr val="accent1"/>
+            </a:fillRef>
+            <a:effectRef idx="0">
+              <a:schemeClr val="accent1"/>
+            </a:effectRef>
+            <a:fontRef idx="minor">
+              <a:schemeClr val="tx1"/>
+            </a:fontRef>
+          </p:style>
+        </p:cxnSp>
+        <p:grpSp>
+          <p:nvGrpSpPr>
+            <p:cNvPr id="158" name="Group 157"/>
+            <p:cNvGrpSpPr/>
+            <p:nvPr/>
+          </p:nvGrpSpPr>
+          <p:grpSpPr>
+            <a:xfrm>
+              <a:off x="864739" y="3538886"/>
+              <a:ext cx="2231101" cy="710302"/>
+              <a:chOff x="913999" y="2247702"/>
+              <a:chExt cx="2088302" cy="664840"/>
+            </a:xfrm>
+          </p:grpSpPr>
+          <p:sp>
+            <p:nvSpPr>
+              <p:cNvPr id="42" name="Diamond 41"/>
+              <p:cNvSpPr/>
+              <p:nvPr/>
+            </p:nvSpPr>
+            <p:spPr>
+              <a:xfrm>
+                <a:off x="913999" y="2322027"/>
+                <a:ext cx="1554480" cy="365760"/>
+              </a:xfrm>
+              <a:prstGeom prst="diamond">
+                <a:avLst/>
+              </a:prstGeom>
+            </p:spPr>
+            <p:style>
+              <a:lnRef idx="2">
+                <a:schemeClr val="accent6"/>
+              </a:lnRef>
+              <a:fillRef idx="1">
+                <a:schemeClr val="lt1"/>
+              </a:fillRef>
+              <a:effectRef idx="0">
+                <a:schemeClr val="accent6"/>
+              </a:effectRef>
+              <a:fontRef idx="minor">
+                <a:schemeClr val="dk1"/>
+              </a:fontRef>
+            </p:style>
+            <p:txBody>
+              <a:bodyPr rtlCol="0" anchor="ctr"/>
+              <a:lstStyle/>
+              <a:p>
+                <a:pPr algn="ctr"/>
+                <a:r>
+                  <a:rPr lang="en-US" sz="1100" b="1" dirty="0">
+                    <a:latin typeface="DengXian" charset="-122"/>
+                    <a:ea typeface="DengXian" charset="-122"/>
+                    <a:cs typeface="DengXian" charset="-122"/>
+                  </a:rPr>
+                  <a:t>Satisfied?</a:t>
+                </a:r>
+              </a:p>
+            </p:txBody>
+          </p:sp>
+          <p:sp>
+            <p:nvSpPr>
+              <p:cNvPr id="54" name="TextBox 53"/>
+              <p:cNvSpPr txBox="1"/>
+              <p:nvPr/>
+            </p:nvSpPr>
+            <p:spPr>
+              <a:xfrm>
+                <a:off x="1680382" y="2666321"/>
+                <a:ext cx="592339" cy="246221"/>
+              </a:xfrm>
+              <a:prstGeom prst="rect">
+                <a:avLst/>
+              </a:prstGeom>
+              <a:noFill/>
+            </p:spPr>
+            <p:txBody>
+              <a:bodyPr wrap="square" rtlCol="0">
+                <a:spAutoFit/>
+              </a:bodyPr>
+              <a:lstStyle/>
+              <a:p>
+                <a:r>
+                  <a:rPr lang="en-US" sz="1000" b="1" dirty="0">
+                    <a:latin typeface="DengXian" charset="-122"/>
+                    <a:ea typeface="DengXian" charset="-122"/>
+                    <a:cs typeface="DengXian" charset="-122"/>
+                  </a:rPr>
+                  <a:t>YES</a:t>
+                </a:r>
+              </a:p>
+            </p:txBody>
+          </p:sp>
+          <p:sp>
+            <p:nvSpPr>
+              <p:cNvPr id="60" name="TextBox 59"/>
+              <p:cNvSpPr txBox="1"/>
+              <p:nvPr/>
+            </p:nvSpPr>
+            <p:spPr>
+              <a:xfrm>
+                <a:off x="2409962" y="2247702"/>
+                <a:ext cx="592339" cy="246221"/>
+              </a:xfrm>
+              <a:prstGeom prst="rect">
+                <a:avLst/>
+              </a:prstGeom>
+              <a:noFill/>
+            </p:spPr>
+            <p:txBody>
+              <a:bodyPr wrap="square" rtlCol="0">
+                <a:spAutoFit/>
+              </a:bodyPr>
+              <a:lstStyle/>
+              <a:p>
+                <a:r>
+                  <a:rPr lang="en-US" sz="1000" b="1" dirty="0">
+                    <a:latin typeface="DengXian" charset="-122"/>
+                    <a:ea typeface="DengXian" charset="-122"/>
+                    <a:cs typeface="DengXian" charset="-122"/>
+                  </a:rPr>
+                  <a:t>No</a:t>
+                </a:r>
+              </a:p>
+            </p:txBody>
+          </p:sp>
+        </p:grpSp>
         <p:cxnSp>
           <p:nvCxnSpPr>
             <p:cNvPr id="103" name="Elbow Connector 102"/>
             <p:cNvCxnSpPr>
-              <a:stCxn id="81" idx="2"/>
+              <a:cxnSpLocks/>
+              <a:stCxn id="157" idx="3"/>
               <a:endCxn id="11" idx="2"/>
             </p:cNvCxnSpPr>
             <p:nvPr/>
           </p:nvCxnSpPr>
           <p:spPr>
-            <a:xfrm rot="5400000" flipH="1" flipV="1">
-              <a:off x="3803581" y="3097285"/>
-              <a:ext cx="753363" cy="5563526"/>
+            <a:xfrm>
+              <a:off x="8391766" y="4500343"/>
+              <a:ext cx="2144342" cy="1032881"/>
             </a:xfrm>
-            <a:prstGeom prst="bentConnector3">
+            <a:prstGeom prst="bentConnector4">
               <a:avLst>
-                <a:gd name="adj1" fmla="val -30344"/>
+                <a:gd name="adj1" fmla="val 31777"/>
+                <a:gd name="adj2" fmla="val 159019"/>
               </a:avLst>
             </a:prstGeom>
             <a:ln>
@@ -4353,8 +4092,8 @@
           </p:nvSpPr>
           <p:spPr>
             <a:xfrm>
-              <a:off x="3760207" y="6239504"/>
-              <a:ext cx="993737" cy="261610"/>
+              <a:off x="6401222" y="4254403"/>
+              <a:ext cx="818463" cy="261610"/>
             </a:xfrm>
             <a:prstGeom prst="rect">
               <a:avLst/>
@@ -4367,15 +4106,1391 @@
             </a:bodyPr>
             <a:lstStyle/>
             <a:p>
+              <a:pPr marL="171450" indent="-171450">
+                <a:buFont typeface="Arial" panose="020B0604020202020204" pitchFamily="34" charset="0"/>
+                <a:buChar char="•"/>
+              </a:pPr>
               <a:r>
-                <a:rPr lang="en-US" sz="1100" dirty="0" smtClean="0">
+                <a:rPr lang="en-US" sz="1100" b="1" dirty="0">
                   <a:latin typeface="DengXian" charset="-122"/>
                   <a:ea typeface="DengXian" charset="-122"/>
                   <a:cs typeface="DengXian" charset="-122"/>
                 </a:rPr>
                 <a:t>FINISH</a:t>
               </a:r>
-              <a:endParaRPr lang="en-US" sz="1100" dirty="0">
+            </a:p>
+          </p:txBody>
+        </p:sp>
+        <p:sp>
+          <p:nvSpPr>
+            <p:cNvPr id="122" name="Rectangle 121"/>
+            <p:cNvSpPr/>
+            <p:nvPr/>
+          </p:nvSpPr>
+          <p:spPr>
+            <a:xfrm>
+              <a:off x="1104726" y="4481028"/>
+              <a:ext cx="1172312" cy="244232"/>
+            </a:xfrm>
+            <a:prstGeom prst="rect">
+              <a:avLst/>
+            </a:prstGeom>
+          </p:spPr>
+          <p:style>
+            <a:lnRef idx="2">
+              <a:schemeClr val="dk1"/>
+            </a:lnRef>
+            <a:fillRef idx="1">
+              <a:schemeClr val="lt1"/>
+            </a:fillRef>
+            <a:effectRef idx="0">
+              <a:schemeClr val="dk1"/>
+            </a:effectRef>
+            <a:fontRef idx="minor">
+              <a:schemeClr val="dk1"/>
+            </a:fontRef>
+          </p:style>
+          <p:txBody>
+            <a:bodyPr rtlCol="0" anchor="ctr"/>
+            <a:lstStyle/>
+            <a:p>
+              <a:pPr algn="ctr"/>
+              <a:r>
+                <a:rPr lang="en-US" sz="1000" b="1" dirty="0">
+                  <a:latin typeface="DengXian" charset="-122"/>
+                  <a:ea typeface="DengXian" charset="-122"/>
+                  <a:cs typeface="DengXian" charset="-122"/>
+                </a:rPr>
+                <a:t>Button: next</a:t>
+              </a:r>
+            </a:p>
+          </p:txBody>
+        </p:sp>
+        <p:cxnSp>
+          <p:nvCxnSpPr>
+            <p:cNvPr id="192" name="Straight Arrow Connector 191"/>
+            <p:cNvCxnSpPr>
+              <a:stCxn id="11" idx="0"/>
+              <a:endCxn id="188" idx="2"/>
+            </p:cNvCxnSpPr>
+            <p:nvPr/>
+          </p:nvCxnSpPr>
+          <p:spPr>
+            <a:xfrm flipV="1">
+              <a:off x="10536108" y="4448790"/>
+              <a:ext cx="1" cy="693663"/>
+            </a:xfrm>
+            <a:prstGeom prst="straightConnector1">
+              <a:avLst/>
+            </a:prstGeom>
+            <a:ln>
+              <a:tailEnd type="triangle"/>
+            </a:ln>
+          </p:spPr>
+          <p:style>
+            <a:lnRef idx="1">
+              <a:schemeClr val="accent1"/>
+            </a:lnRef>
+            <a:fillRef idx="0">
+              <a:schemeClr val="accent1"/>
+            </a:fillRef>
+            <a:effectRef idx="0">
+              <a:schemeClr val="accent1"/>
+            </a:effectRef>
+            <a:fontRef idx="minor">
+              <a:schemeClr val="tx1"/>
+            </a:fontRef>
+          </p:style>
+        </p:cxnSp>
+        <p:grpSp>
+          <p:nvGrpSpPr>
+            <p:cNvPr id="149" name="Group 148">
+              <a:extLst>
+                <a:ext uri="{FF2B5EF4-FFF2-40B4-BE49-F238E27FC236}">
+                  <a16:creationId xmlns:a16="http://schemas.microsoft.com/office/drawing/2014/main" id="{4A2AF51F-923C-45F9-B62D-3B44B01BF347}"/>
+                </a:ext>
+              </a:extLst>
+            </p:cNvPr>
+            <p:cNvGrpSpPr/>
+            <p:nvPr/>
+          </p:nvGrpSpPr>
+          <p:grpSpPr>
+            <a:xfrm>
+              <a:off x="9070718" y="1518009"/>
+              <a:ext cx="2930781" cy="2930781"/>
+              <a:chOff x="9070718" y="756009"/>
+              <a:chExt cx="2930781" cy="2930781"/>
+            </a:xfrm>
+          </p:grpSpPr>
+          <p:sp>
+            <p:nvSpPr>
+              <p:cNvPr id="188" name="Rounded Rectangle 187"/>
+              <p:cNvSpPr/>
+              <p:nvPr/>
+            </p:nvSpPr>
+            <p:spPr>
+              <a:xfrm>
+                <a:off x="9070718" y="756009"/>
+                <a:ext cx="2930781" cy="2930781"/>
+              </a:xfrm>
+              <a:prstGeom prst="roundRect">
+                <a:avLst/>
+              </a:prstGeom>
+              <a:ln>
+                <a:prstDash val="sysDot"/>
+              </a:ln>
+            </p:spPr>
+            <p:style>
+              <a:lnRef idx="2">
+                <a:schemeClr val="accent1"/>
+              </a:lnRef>
+              <a:fillRef idx="1">
+                <a:schemeClr val="lt1"/>
+              </a:fillRef>
+              <a:effectRef idx="0">
+                <a:schemeClr val="accent1"/>
+              </a:effectRef>
+              <a:fontRef idx="minor">
+                <a:schemeClr val="dk1"/>
+              </a:fontRef>
+            </p:style>
+            <p:txBody>
+              <a:bodyPr rtlCol="0" anchor="ctr"/>
+              <a:lstStyle/>
+              <a:p>
+                <a:pPr algn="ctr"/>
+                <a:r>
+                  <a:rPr lang="en-US" sz="1200" b="1" dirty="0">
+                    <a:latin typeface="DengXian" charset="-122"/>
+                    <a:ea typeface="DengXian" charset="-122"/>
+                    <a:cs typeface="DengXian" charset="-122"/>
+                  </a:rPr>
+                  <a:t>Present Results in Multi Languages:</a:t>
+                </a:r>
+              </a:p>
+              <a:p>
+                <a:pPr algn="ctr"/>
+                <a:endParaRPr lang="en-US" sz="1200" b="1" dirty="0">
+                  <a:latin typeface="DengXian" charset="-122"/>
+                  <a:ea typeface="DengXian" charset="-122"/>
+                  <a:cs typeface="DengXian" charset="-122"/>
+                </a:endParaRPr>
+              </a:p>
+              <a:p>
+                <a:pPr marL="171450" indent="-171450">
+                  <a:buFont typeface="Arial" charset="0"/>
+                  <a:buChar char="•"/>
+                </a:pPr>
+                <a:endParaRPr lang="en-US" sz="1200" b="1" dirty="0">
+                  <a:latin typeface="DengXian" charset="-122"/>
+                  <a:ea typeface="DengXian" charset="-122"/>
+                  <a:cs typeface="DengXian" charset="-122"/>
+                </a:endParaRPr>
+              </a:p>
+              <a:p>
+                <a:pPr marL="171450" indent="-171450">
+                  <a:buFont typeface="Arial" charset="0"/>
+                  <a:buChar char="•"/>
+                </a:pPr>
+                <a:r>
+                  <a:rPr lang="en-US" sz="1200" b="1" dirty="0">
+                    <a:latin typeface="Times" charset="0"/>
+                    <a:ea typeface="Times" charset="0"/>
+                    <a:cs typeface="Times" charset="0"/>
+                  </a:rPr>
+                  <a:t>EN:    </a:t>
+                </a:r>
+                <a:r>
+                  <a:rPr lang="mr-IN" sz="1200" b="1" dirty="0">
+                    <a:latin typeface="Times" charset="0"/>
+                    <a:ea typeface="Times" charset="0"/>
+                    <a:cs typeface="Times" charset="0"/>
+                  </a:rPr>
+                  <a:t>……</a:t>
+                </a:r>
+                <a:endParaRPr lang="en-US" sz="1200" b="1" dirty="0">
+                  <a:latin typeface="Times" charset="0"/>
+                  <a:ea typeface="Times" charset="0"/>
+                  <a:cs typeface="Times" charset="0"/>
+                </a:endParaRPr>
+              </a:p>
+              <a:p>
+                <a:pPr marL="171450" indent="-171450">
+                  <a:buFont typeface="Arial" charset="0"/>
+                  <a:buChar char="•"/>
+                </a:pPr>
+                <a:endParaRPr lang="en-US" sz="1200" b="1" dirty="0">
+                  <a:latin typeface="Times" charset="0"/>
+                  <a:ea typeface="Times" charset="0"/>
+                  <a:cs typeface="Times" charset="0"/>
+                </a:endParaRPr>
+              </a:p>
+              <a:p>
+                <a:pPr marL="171450" indent="-171450">
+                  <a:buFont typeface="Arial" charset="0"/>
+                  <a:buChar char="•"/>
+                </a:pPr>
+                <a:endParaRPr lang="en-US" sz="1200" b="1" dirty="0">
+                  <a:latin typeface="Times" charset="0"/>
+                  <a:ea typeface="Times" charset="0"/>
+                  <a:cs typeface="Times" charset="0"/>
+                </a:endParaRPr>
+              </a:p>
+              <a:p>
+                <a:pPr marL="171450" indent="-171450">
+                  <a:buFont typeface="Arial" charset="0"/>
+                  <a:buChar char="•"/>
+                </a:pPr>
+                <a:r>
+                  <a:rPr lang="en-US" sz="1200" b="1" dirty="0">
+                    <a:latin typeface="Times" charset="0"/>
+                    <a:ea typeface="Times" charset="0"/>
+                    <a:cs typeface="Times" charset="0"/>
+                  </a:rPr>
+                  <a:t>FR:    </a:t>
+                </a:r>
+                <a:r>
+                  <a:rPr lang="mr-IN" sz="1200" b="1" dirty="0">
+                    <a:latin typeface="Times" charset="0"/>
+                    <a:ea typeface="Times" charset="0"/>
+                    <a:cs typeface="Times" charset="0"/>
+                  </a:rPr>
+                  <a:t>……</a:t>
+                </a:r>
+                <a:endParaRPr lang="en-US" sz="1200" b="1" dirty="0">
+                  <a:latin typeface="Times" charset="0"/>
+                  <a:ea typeface="Times" charset="0"/>
+                  <a:cs typeface="Times" charset="0"/>
+                </a:endParaRPr>
+              </a:p>
+              <a:p>
+                <a:pPr marL="171450" indent="-171450">
+                  <a:buFont typeface="Arial" charset="0"/>
+                  <a:buChar char="•"/>
+                </a:pPr>
+                <a:endParaRPr lang="en-US" sz="1200" b="1" dirty="0">
+                  <a:latin typeface="Times" charset="0"/>
+                  <a:ea typeface="Times" charset="0"/>
+                  <a:cs typeface="Times" charset="0"/>
+                </a:endParaRPr>
+              </a:p>
+              <a:p>
+                <a:pPr marL="171450" indent="-171450">
+                  <a:buFont typeface="Arial" charset="0"/>
+                  <a:buChar char="•"/>
+                </a:pPr>
+                <a:endParaRPr lang="en-US" sz="1200" b="1" dirty="0">
+                  <a:latin typeface="Times" charset="0"/>
+                  <a:ea typeface="Times" charset="0"/>
+                  <a:cs typeface="Times" charset="0"/>
+                </a:endParaRPr>
+              </a:p>
+              <a:p>
+                <a:pPr marL="171450" indent="-171450">
+                  <a:buFont typeface="Arial" charset="0"/>
+                  <a:buChar char="•"/>
+                </a:pPr>
+                <a:r>
+                  <a:rPr lang="en-US" sz="1200" b="1" dirty="0">
+                    <a:latin typeface="Times" charset="0"/>
+                    <a:ea typeface="Times" charset="0"/>
+                    <a:cs typeface="Times" charset="0"/>
+                  </a:rPr>
+                  <a:t>CN:   </a:t>
+                </a:r>
+                <a:r>
+                  <a:rPr lang="mr-IN" sz="1200" b="1" dirty="0">
+                    <a:latin typeface="Times" charset="0"/>
+                    <a:ea typeface="Times" charset="0"/>
+                    <a:cs typeface="Times" charset="0"/>
+                  </a:rPr>
+                  <a:t>……</a:t>
+                </a:r>
+                <a:endParaRPr lang="en-US" sz="1200" b="1" dirty="0">
+                  <a:latin typeface="Times" charset="0"/>
+                  <a:ea typeface="Times" charset="0"/>
+                  <a:cs typeface="Times" charset="0"/>
+                </a:endParaRPr>
+              </a:p>
+            </p:txBody>
+          </p:sp>
+          <p:cxnSp>
+            <p:nvCxnSpPr>
+              <p:cNvPr id="202" name="Straight Connector 201"/>
+              <p:cNvCxnSpPr>
+                <a:cxnSpLocks/>
+              </p:cNvCxnSpPr>
+              <p:nvPr/>
+            </p:nvCxnSpPr>
+            <p:spPr>
+              <a:xfrm>
+                <a:off x="9249226" y="2771943"/>
+                <a:ext cx="2573764" cy="0"/>
+              </a:xfrm>
+              <a:prstGeom prst="line">
+                <a:avLst/>
+              </a:prstGeom>
+              <a:ln>
+                <a:prstDash val="sysDash"/>
+              </a:ln>
+            </p:spPr>
+            <p:style>
+              <a:lnRef idx="1">
+                <a:schemeClr val="accent1"/>
+              </a:lnRef>
+              <a:fillRef idx="0">
+                <a:schemeClr val="accent1"/>
+              </a:fillRef>
+              <a:effectRef idx="0">
+                <a:schemeClr val="accent1"/>
+              </a:effectRef>
+              <a:fontRef idx="minor">
+                <a:schemeClr val="tx1"/>
+              </a:fontRef>
+            </p:style>
+          </p:cxnSp>
+          <p:cxnSp>
+            <p:nvCxnSpPr>
+              <p:cNvPr id="203" name="Straight Connector 202"/>
+              <p:cNvCxnSpPr>
+                <a:cxnSpLocks/>
+              </p:cNvCxnSpPr>
+              <p:nvPr/>
+            </p:nvCxnSpPr>
+            <p:spPr>
+              <a:xfrm>
+                <a:off x="9249226" y="3368447"/>
+                <a:ext cx="2573764" cy="0"/>
+              </a:xfrm>
+              <a:prstGeom prst="line">
+                <a:avLst/>
+              </a:prstGeom>
+              <a:ln>
+                <a:prstDash val="sysDash"/>
+              </a:ln>
+            </p:spPr>
+            <p:style>
+              <a:lnRef idx="1">
+                <a:schemeClr val="accent1"/>
+              </a:lnRef>
+              <a:fillRef idx="0">
+                <a:schemeClr val="accent1"/>
+              </a:fillRef>
+              <a:effectRef idx="0">
+                <a:schemeClr val="accent1"/>
+              </a:effectRef>
+              <a:fontRef idx="minor">
+                <a:schemeClr val="tx1"/>
+              </a:fontRef>
+            </p:style>
+          </p:cxnSp>
+          <p:cxnSp>
+            <p:nvCxnSpPr>
+              <p:cNvPr id="204" name="Straight Connector 203"/>
+              <p:cNvCxnSpPr>
+                <a:cxnSpLocks/>
+              </p:cNvCxnSpPr>
+              <p:nvPr/>
+            </p:nvCxnSpPr>
+            <p:spPr>
+              <a:xfrm>
+                <a:off x="9249226" y="2193171"/>
+                <a:ext cx="2573764" cy="0"/>
+              </a:xfrm>
+              <a:prstGeom prst="line">
+                <a:avLst/>
+              </a:prstGeom>
+              <a:ln cmpd="sng">
+                <a:prstDash val="sysDash"/>
+              </a:ln>
+            </p:spPr>
+            <p:style>
+              <a:lnRef idx="1">
+                <a:schemeClr val="accent1"/>
+              </a:lnRef>
+              <a:fillRef idx="0">
+                <a:schemeClr val="accent1"/>
+              </a:fillRef>
+              <a:effectRef idx="0">
+                <a:schemeClr val="accent1"/>
+              </a:effectRef>
+              <a:fontRef idx="minor">
+                <a:schemeClr val="tx1"/>
+              </a:fontRef>
+            </p:style>
+          </p:cxnSp>
+        </p:grpSp>
+        <p:cxnSp>
+          <p:nvCxnSpPr>
+            <p:cNvPr id="215" name="Straight Arrow Connector 214"/>
+            <p:cNvCxnSpPr>
+              <a:stCxn id="5" idx="2"/>
+              <a:endCxn id="32" idx="0"/>
+            </p:cNvCxnSpPr>
+            <p:nvPr/>
+          </p:nvCxnSpPr>
+          <p:spPr>
+            <a:xfrm flipH="1">
+              <a:off x="1696683" y="2811994"/>
+              <a:ext cx="2049" cy="295950"/>
+            </a:xfrm>
+            <a:prstGeom prst="straightConnector1">
+              <a:avLst/>
+            </a:prstGeom>
+            <a:ln>
+              <a:tailEnd type="triangle"/>
+            </a:ln>
+          </p:spPr>
+          <p:style>
+            <a:lnRef idx="1">
+              <a:schemeClr val="accent1"/>
+            </a:lnRef>
+            <a:fillRef idx="0">
+              <a:schemeClr val="accent1"/>
+            </a:fillRef>
+            <a:effectRef idx="0">
+              <a:schemeClr val="accent1"/>
+            </a:effectRef>
+            <a:fontRef idx="minor">
+              <a:schemeClr val="tx1"/>
+            </a:fontRef>
+          </p:style>
+        </p:cxnSp>
+        <p:sp>
+          <p:nvSpPr>
+            <p:cNvPr id="222" name="Rectangle 221"/>
+            <p:cNvSpPr/>
+            <p:nvPr/>
+          </p:nvSpPr>
+          <p:spPr>
+            <a:xfrm>
+              <a:off x="4180468" y="5233664"/>
+              <a:ext cx="1425142" cy="296905"/>
+            </a:xfrm>
+            <a:prstGeom prst="rect">
+              <a:avLst/>
+            </a:prstGeom>
+          </p:spPr>
+          <p:style>
+            <a:lnRef idx="2">
+              <a:schemeClr val="dk1"/>
+            </a:lnRef>
+            <a:fillRef idx="1">
+              <a:schemeClr val="lt1"/>
+            </a:fillRef>
+            <a:effectRef idx="0">
+              <a:schemeClr val="dk1"/>
+            </a:effectRef>
+            <a:fontRef idx="minor">
+              <a:schemeClr val="dk1"/>
+            </a:fontRef>
+          </p:style>
+          <p:txBody>
+            <a:bodyPr rtlCol="0" anchor="ctr"/>
+            <a:lstStyle/>
+            <a:p>
+              <a:pPr algn="ctr"/>
+              <a:r>
+                <a:rPr lang="en-US" sz="1000" b="1" dirty="0">
+                  <a:latin typeface="DengXian" charset="-122"/>
+                  <a:ea typeface="DengXian" charset="-122"/>
+                  <a:cs typeface="DengXian" charset="-122"/>
+                </a:rPr>
+                <a:t>Button: </a:t>
+              </a:r>
+              <a:r>
+                <a:rPr lang="en-US" altLang="zh-CN" sz="1000" b="1" dirty="0" err="1">
+                  <a:latin typeface="DengXian" charset="-122"/>
+                  <a:ea typeface="DengXian" charset="-122"/>
+                  <a:cs typeface="DengXian" charset="-122"/>
+                </a:rPr>
+                <a:t>take_another</a:t>
+              </a:r>
+              <a:endParaRPr lang="en-US" sz="1000" b="1" dirty="0">
+                <a:latin typeface="DengXian" charset="-122"/>
+                <a:ea typeface="DengXian" charset="-122"/>
+                <a:cs typeface="DengXian" charset="-122"/>
+              </a:endParaRPr>
+            </a:p>
+          </p:txBody>
+        </p:sp>
+        <p:sp>
+          <p:nvSpPr>
+            <p:cNvPr id="45" name="Rounded Rectangle 6">
+              <a:extLst>
+                <a:ext uri="{FF2B5EF4-FFF2-40B4-BE49-F238E27FC236}">
+                  <a16:creationId xmlns:a16="http://schemas.microsoft.com/office/drawing/2014/main" id="{06D5CAA5-04D1-4B1E-B4D5-6EF69617F940}"/>
+                </a:ext>
+              </a:extLst>
+            </p:cNvPr>
+            <p:cNvSpPr/>
+            <p:nvPr/>
+          </p:nvSpPr>
+          <p:spPr>
+            <a:xfrm>
+              <a:off x="5173646" y="1798057"/>
+              <a:ext cx="1563083" cy="586156"/>
+            </a:xfrm>
+            <a:prstGeom prst="roundRect">
+              <a:avLst/>
+            </a:prstGeom>
+          </p:spPr>
+          <p:style>
+            <a:lnRef idx="2">
+              <a:schemeClr val="accent1"/>
+            </a:lnRef>
+            <a:fillRef idx="1">
+              <a:schemeClr val="lt1"/>
+            </a:fillRef>
+            <a:effectRef idx="0">
+              <a:schemeClr val="accent1"/>
+            </a:effectRef>
+            <a:fontRef idx="minor">
+              <a:schemeClr val="dk1"/>
+            </a:fontRef>
+          </p:style>
+          <p:txBody>
+            <a:bodyPr rtlCol="0" anchor="ctr"/>
+            <a:lstStyle/>
+            <a:p>
+              <a:pPr algn="ctr"/>
+              <a:r>
+                <a:rPr lang="en-US" sz="1200" b="1" dirty="0" err="1">
+                  <a:latin typeface="DengXian" charset="-122"/>
+                  <a:ea typeface="DengXian" charset="-122"/>
+                  <a:cs typeface="DengXian" charset="-122"/>
+                </a:rPr>
+                <a:t>TensorFlow</a:t>
+              </a:r>
+              <a:endParaRPr lang="en-US" sz="1200" b="1" dirty="0">
+                <a:latin typeface="DengXian" charset="-122"/>
+                <a:ea typeface="DengXian" charset="-122"/>
+                <a:cs typeface="DengXian" charset="-122"/>
+              </a:endParaRPr>
+            </a:p>
+            <a:p>
+              <a:pPr algn="ctr"/>
+              <a:r>
+                <a:rPr lang="en-US" sz="1200" b="1" dirty="0">
+                  <a:latin typeface="DengXian" charset="-122"/>
+                  <a:ea typeface="DengXian" charset="-122"/>
+                  <a:cs typeface="DengXian" charset="-122"/>
+                </a:rPr>
+                <a:t>Recognize</a:t>
+              </a:r>
+            </a:p>
+          </p:txBody>
+        </p:sp>
+        <p:cxnSp>
+          <p:nvCxnSpPr>
+            <p:cNvPr id="47" name="Straight Arrow Connector 46">
+              <a:extLst>
+                <a:ext uri="{FF2B5EF4-FFF2-40B4-BE49-F238E27FC236}">
+                  <a16:creationId xmlns:a16="http://schemas.microsoft.com/office/drawing/2014/main" id="{D690CCB3-F06D-4972-AEE2-B0036741705D}"/>
+                </a:ext>
+              </a:extLst>
+            </p:cNvPr>
+            <p:cNvCxnSpPr>
+              <a:cxnSpLocks/>
+              <a:stCxn id="45" idx="2"/>
+              <a:endCxn id="94" idx="0"/>
+            </p:cNvCxnSpPr>
+            <p:nvPr/>
+          </p:nvCxnSpPr>
+          <p:spPr>
+            <a:xfrm>
+              <a:off x="5955187" y="2384213"/>
+              <a:ext cx="10062" cy="440487"/>
+            </a:xfrm>
+            <a:prstGeom prst="straightConnector1">
+              <a:avLst/>
+            </a:prstGeom>
+            <a:ln>
+              <a:tailEnd type="triangle"/>
+            </a:ln>
+          </p:spPr>
+          <p:style>
+            <a:lnRef idx="1">
+              <a:schemeClr val="accent1"/>
+            </a:lnRef>
+            <a:fillRef idx="0">
+              <a:schemeClr val="accent1"/>
+            </a:fillRef>
+            <a:effectRef idx="0">
+              <a:schemeClr val="accent1"/>
+            </a:effectRef>
+            <a:fontRef idx="minor">
+              <a:schemeClr val="tx1"/>
+            </a:fontRef>
+          </p:style>
+        </p:cxnSp>
+        <p:cxnSp>
+          <p:nvCxnSpPr>
+            <p:cNvPr id="48" name="Straight Arrow Connector 47">
+              <a:extLst>
+                <a:ext uri="{FF2B5EF4-FFF2-40B4-BE49-F238E27FC236}">
+                  <a16:creationId xmlns:a16="http://schemas.microsoft.com/office/drawing/2014/main" id="{9FD06295-E33A-4FB2-98CC-1962196853BD}"/>
+                </a:ext>
+              </a:extLst>
+            </p:cNvPr>
+            <p:cNvCxnSpPr>
+              <a:cxnSpLocks/>
+              <a:stCxn id="51" idx="2"/>
+              <a:endCxn id="55" idx="0"/>
+            </p:cNvCxnSpPr>
+            <p:nvPr/>
+          </p:nvCxnSpPr>
+          <p:spPr>
+            <a:xfrm flipH="1">
+              <a:off x="5960833" y="3993750"/>
+              <a:ext cx="520" cy="386379"/>
+            </a:xfrm>
+            <a:prstGeom prst="straightConnector1">
+              <a:avLst/>
+            </a:prstGeom>
+            <a:ln>
+              <a:tailEnd type="triangle"/>
+            </a:ln>
+          </p:spPr>
+          <p:style>
+            <a:lnRef idx="1">
+              <a:schemeClr val="accent1"/>
+            </a:lnRef>
+            <a:fillRef idx="0">
+              <a:schemeClr val="accent1"/>
+            </a:fillRef>
+            <a:effectRef idx="0">
+              <a:schemeClr val="accent1"/>
+            </a:effectRef>
+            <a:fontRef idx="minor">
+              <a:schemeClr val="tx1"/>
+            </a:fontRef>
+          </p:style>
+        </p:cxnSp>
+        <p:grpSp>
+          <p:nvGrpSpPr>
+            <p:cNvPr id="50" name="Group 49">
+              <a:extLst>
+                <a:ext uri="{FF2B5EF4-FFF2-40B4-BE49-F238E27FC236}">
+                  <a16:creationId xmlns:a16="http://schemas.microsoft.com/office/drawing/2014/main" id="{9E94CF49-23F7-4CE7-AF22-BAED5E6A7180}"/>
+                </a:ext>
+              </a:extLst>
+            </p:cNvPr>
+            <p:cNvGrpSpPr/>
+            <p:nvPr/>
+          </p:nvGrpSpPr>
+          <p:grpSpPr>
+            <a:xfrm>
+              <a:off x="4906483" y="3537366"/>
+              <a:ext cx="1885258" cy="696332"/>
+              <a:chOff x="698345" y="4009781"/>
+              <a:chExt cx="1764594" cy="651764"/>
+            </a:xfrm>
+          </p:grpSpPr>
+          <p:sp>
+            <p:nvSpPr>
+              <p:cNvPr id="51" name="Diamond 50">
+                <a:extLst>
+                  <a:ext uri="{FF2B5EF4-FFF2-40B4-BE49-F238E27FC236}">
+                    <a16:creationId xmlns:a16="http://schemas.microsoft.com/office/drawing/2014/main" id="{9D47F033-0AE8-4317-9425-668A87C2BEEF}"/>
+                  </a:ext>
+                </a:extLst>
+              </p:cNvPr>
+              <p:cNvSpPr/>
+              <p:nvPr/>
+            </p:nvSpPr>
+            <p:spPr>
+              <a:xfrm>
+                <a:off x="908459" y="4071194"/>
+                <a:ext cx="1554480" cy="365760"/>
+              </a:xfrm>
+              <a:prstGeom prst="diamond">
+                <a:avLst/>
+              </a:prstGeom>
+            </p:spPr>
+            <p:style>
+              <a:lnRef idx="2">
+                <a:schemeClr val="accent6"/>
+              </a:lnRef>
+              <a:fillRef idx="1">
+                <a:schemeClr val="lt1"/>
+              </a:fillRef>
+              <a:effectRef idx="0">
+                <a:schemeClr val="accent6"/>
+              </a:effectRef>
+              <a:fontRef idx="minor">
+                <a:schemeClr val="dk1"/>
+              </a:fontRef>
+            </p:style>
+            <p:txBody>
+              <a:bodyPr rtlCol="0" anchor="ctr"/>
+              <a:lstStyle/>
+              <a:p>
+                <a:pPr algn="ctr"/>
+                <a:r>
+                  <a:rPr lang="en-US" sz="1100" b="1" dirty="0">
+                    <a:latin typeface="DengXian" charset="-122"/>
+                    <a:ea typeface="DengXian" charset="-122"/>
+                    <a:cs typeface="DengXian" charset="-122"/>
+                  </a:rPr>
+                  <a:t>Correct?</a:t>
+                </a:r>
+              </a:p>
+            </p:txBody>
+          </p:sp>
+          <p:sp>
+            <p:nvSpPr>
+              <p:cNvPr id="52" name="TextBox 51">
+                <a:extLst>
+                  <a:ext uri="{FF2B5EF4-FFF2-40B4-BE49-F238E27FC236}">
+                    <a16:creationId xmlns:a16="http://schemas.microsoft.com/office/drawing/2014/main" id="{FFF4817F-E91C-4E8D-AF79-804F660E8312}"/>
+                  </a:ext>
+                </a:extLst>
+              </p:cNvPr>
+              <p:cNvSpPr txBox="1"/>
+              <p:nvPr/>
+            </p:nvSpPr>
+            <p:spPr>
+              <a:xfrm>
+                <a:off x="1670168" y="4415324"/>
+                <a:ext cx="592339" cy="246221"/>
+              </a:xfrm>
+              <a:prstGeom prst="rect">
+                <a:avLst/>
+              </a:prstGeom>
+              <a:noFill/>
+            </p:spPr>
+            <p:txBody>
+              <a:bodyPr wrap="square" rtlCol="0">
+                <a:spAutoFit/>
+              </a:bodyPr>
+              <a:lstStyle/>
+              <a:p>
+                <a:r>
+                  <a:rPr lang="en-US" sz="1000" b="1" dirty="0">
+                    <a:latin typeface="DengXian" charset="-122"/>
+                    <a:ea typeface="DengXian" charset="-122"/>
+                    <a:cs typeface="DengXian" charset="-122"/>
+                  </a:rPr>
+                  <a:t>YES</a:t>
+                </a:r>
+              </a:p>
+            </p:txBody>
+          </p:sp>
+          <p:sp>
+            <p:nvSpPr>
+              <p:cNvPr id="53" name="TextBox 52">
+                <a:extLst>
+                  <a:ext uri="{FF2B5EF4-FFF2-40B4-BE49-F238E27FC236}">
+                    <a16:creationId xmlns:a16="http://schemas.microsoft.com/office/drawing/2014/main" id="{9D428C1B-CF08-4D38-91DE-9C7DFA9DC254}"/>
+                  </a:ext>
+                </a:extLst>
+              </p:cNvPr>
+              <p:cNvSpPr txBox="1"/>
+              <p:nvPr/>
+            </p:nvSpPr>
+            <p:spPr>
+              <a:xfrm>
+                <a:off x="698345" y="4009781"/>
+                <a:ext cx="940342" cy="246221"/>
+              </a:xfrm>
+              <a:prstGeom prst="rect">
+                <a:avLst/>
+              </a:prstGeom>
+              <a:noFill/>
+            </p:spPr>
+            <p:txBody>
+              <a:bodyPr wrap="square" rtlCol="0">
+                <a:spAutoFit/>
+              </a:bodyPr>
+              <a:lstStyle/>
+              <a:p>
+                <a:r>
+                  <a:rPr lang="en-US" sz="1000" b="1" dirty="0">
+                    <a:latin typeface="DengXian" charset="-122"/>
+                    <a:ea typeface="DengXian" charset="-122"/>
+                    <a:cs typeface="DengXian" charset="-122"/>
+                  </a:rPr>
+                  <a:t>No</a:t>
+                </a:r>
+              </a:p>
+            </p:txBody>
+          </p:sp>
+        </p:grpSp>
+        <p:sp>
+          <p:nvSpPr>
+            <p:cNvPr id="55" name="Rectangle 54">
+              <a:extLst>
+                <a:ext uri="{FF2B5EF4-FFF2-40B4-BE49-F238E27FC236}">
+                  <a16:creationId xmlns:a16="http://schemas.microsoft.com/office/drawing/2014/main" id="{9B572F6C-372D-40EA-9D43-3A77D1178686}"/>
+                </a:ext>
+              </a:extLst>
+            </p:cNvPr>
+            <p:cNvSpPr/>
+            <p:nvPr/>
+          </p:nvSpPr>
+          <p:spPr>
+            <a:xfrm>
+              <a:off x="5472368" y="4380128"/>
+              <a:ext cx="976929" cy="244232"/>
+            </a:xfrm>
+            <a:prstGeom prst="rect">
+              <a:avLst/>
+            </a:prstGeom>
+          </p:spPr>
+          <p:style>
+            <a:lnRef idx="2">
+              <a:schemeClr val="dk1"/>
+            </a:lnRef>
+            <a:fillRef idx="1">
+              <a:schemeClr val="lt1"/>
+            </a:fillRef>
+            <a:effectRef idx="0">
+              <a:schemeClr val="dk1"/>
+            </a:effectRef>
+            <a:fontRef idx="minor">
+              <a:schemeClr val="dk1"/>
+            </a:fontRef>
+          </p:style>
+          <p:txBody>
+            <a:bodyPr rtlCol="0" anchor="ctr"/>
+            <a:lstStyle/>
+            <a:p>
+              <a:pPr algn="ctr"/>
+              <a:r>
+                <a:rPr lang="en-US" sz="1000" b="1" dirty="0">
+                  <a:latin typeface="DengXian" charset="-122"/>
+                  <a:ea typeface="DengXian" charset="-122"/>
+                  <a:cs typeface="DengXian" charset="-122"/>
+                </a:rPr>
+                <a:t>Radio Group</a:t>
+              </a:r>
+            </a:p>
+          </p:txBody>
+        </p:sp>
+        <p:sp>
+          <p:nvSpPr>
+            <p:cNvPr id="57" name="TextBox 56">
+              <a:extLst>
+                <a:ext uri="{FF2B5EF4-FFF2-40B4-BE49-F238E27FC236}">
+                  <a16:creationId xmlns:a16="http://schemas.microsoft.com/office/drawing/2014/main" id="{070BD907-18A6-4AE2-A170-8147587BA71D}"/>
+                </a:ext>
+              </a:extLst>
+            </p:cNvPr>
+            <p:cNvSpPr txBox="1"/>
+            <p:nvPr/>
+          </p:nvSpPr>
+          <p:spPr>
+            <a:xfrm>
+              <a:off x="5928007" y="5011648"/>
+              <a:ext cx="1722679" cy="430887"/>
+            </a:xfrm>
+            <a:prstGeom prst="rect">
+              <a:avLst/>
+            </a:prstGeom>
+            <a:noFill/>
+          </p:spPr>
+          <p:txBody>
+            <a:bodyPr wrap="square" rtlCol="0">
+              <a:spAutoFit/>
+            </a:bodyPr>
+            <a:lstStyle/>
+            <a:p>
+              <a:pPr marL="171450" indent="-171450">
+                <a:buFont typeface="Arial" panose="020B0604020202020204" pitchFamily="34" charset="0"/>
+                <a:buChar char="•"/>
+              </a:pPr>
+              <a:r>
+                <a:rPr lang="en-US" sz="1100" b="1" dirty="0">
+                  <a:latin typeface="DengXian" charset="-122"/>
+                  <a:ea typeface="DengXian" charset="-122"/>
+                  <a:cs typeface="DengXian" charset="-122"/>
+                </a:rPr>
+                <a:t>ADD DIGIT</a:t>
+              </a:r>
+            </a:p>
+            <a:p>
+              <a:pPr marL="171450" indent="-171450">
+                <a:buFont typeface="Arial" panose="020B0604020202020204" pitchFamily="34" charset="0"/>
+                <a:buChar char="•"/>
+              </a:pPr>
+              <a:r>
+                <a:rPr lang="en-US" sz="1100" b="1" dirty="0">
+                  <a:latin typeface="DengXian" charset="-122"/>
+                  <a:ea typeface="DengXian" charset="-122"/>
+                  <a:cs typeface="DengXian" charset="-122"/>
+                </a:rPr>
+                <a:t>SUM-UP</a:t>
+              </a:r>
+            </a:p>
+          </p:txBody>
+        </p:sp>
+        <p:cxnSp>
+          <p:nvCxnSpPr>
+            <p:cNvPr id="67" name="Elbow Connector 143">
+              <a:extLst>
+                <a:ext uri="{FF2B5EF4-FFF2-40B4-BE49-F238E27FC236}">
+                  <a16:creationId xmlns:a16="http://schemas.microsoft.com/office/drawing/2014/main" id="{D2601F6C-0017-4BFD-9D44-DCAFA8556016}"/>
+                </a:ext>
+              </a:extLst>
+            </p:cNvPr>
+            <p:cNvCxnSpPr>
+              <a:cxnSpLocks/>
+              <a:stCxn id="42" idx="3"/>
+              <a:endCxn id="32" idx="3"/>
+            </p:cNvCxnSpPr>
+            <p:nvPr/>
+          </p:nvCxnSpPr>
+          <p:spPr>
+            <a:xfrm flipH="1" flipV="1">
+              <a:off x="2282839" y="3230060"/>
+              <a:ext cx="242676" cy="583619"/>
+            </a:xfrm>
+            <a:prstGeom prst="bentConnector3">
+              <a:avLst>
+                <a:gd name="adj1" fmla="val -276015"/>
+              </a:avLst>
+            </a:prstGeom>
+            <a:ln>
+              <a:tailEnd type="triangle"/>
+            </a:ln>
+          </p:spPr>
+          <p:style>
+            <a:lnRef idx="1">
+              <a:schemeClr val="accent1"/>
+            </a:lnRef>
+            <a:fillRef idx="0">
+              <a:schemeClr val="accent1"/>
+            </a:fillRef>
+            <a:effectRef idx="0">
+              <a:schemeClr val="accent1"/>
+            </a:effectRef>
+            <a:fontRef idx="minor">
+              <a:schemeClr val="tx1"/>
+            </a:fontRef>
+          </p:style>
+        </p:cxnSp>
+        <p:cxnSp>
+          <p:nvCxnSpPr>
+            <p:cNvPr id="70" name="Elbow Connector 143">
+              <a:extLst>
+                <a:ext uri="{FF2B5EF4-FFF2-40B4-BE49-F238E27FC236}">
+                  <a16:creationId xmlns:a16="http://schemas.microsoft.com/office/drawing/2014/main" id="{BF5CEEEE-975C-4F52-A5EE-0CDBF32F14D5}"/>
+                </a:ext>
+              </a:extLst>
+            </p:cNvPr>
+            <p:cNvCxnSpPr>
+              <a:cxnSpLocks/>
+              <a:stCxn id="122" idx="2"/>
+              <a:endCxn id="45" idx="0"/>
+            </p:cNvCxnSpPr>
+            <p:nvPr/>
+          </p:nvCxnSpPr>
+          <p:spPr>
+            <a:xfrm rot="5400000" flipH="1" flipV="1">
+              <a:off x="2359433" y="1129506"/>
+              <a:ext cx="2927203" cy="4264306"/>
+            </a:xfrm>
+            <a:prstGeom prst="bentConnector5">
+              <a:avLst>
+                <a:gd name="adj1" fmla="val -7810"/>
+                <a:gd name="adj2" fmla="val 43242"/>
+                <a:gd name="adj3" fmla="val 107810"/>
+              </a:avLst>
+            </a:prstGeom>
+            <a:ln>
+              <a:tailEnd type="triangle"/>
+            </a:ln>
+          </p:spPr>
+          <p:style>
+            <a:lnRef idx="1">
+              <a:schemeClr val="accent1"/>
+            </a:lnRef>
+            <a:fillRef idx="0">
+              <a:schemeClr val="accent1"/>
+            </a:fillRef>
+            <a:effectRef idx="0">
+              <a:schemeClr val="accent1"/>
+            </a:effectRef>
+            <a:fontRef idx="minor">
+              <a:schemeClr val="tx1"/>
+            </a:fontRef>
+          </p:style>
+        </p:cxnSp>
+        <p:cxnSp>
+          <p:nvCxnSpPr>
+            <p:cNvPr id="82" name="Elbow Connector 143">
+              <a:extLst>
+                <a:ext uri="{FF2B5EF4-FFF2-40B4-BE49-F238E27FC236}">
+                  <a16:creationId xmlns:a16="http://schemas.microsoft.com/office/drawing/2014/main" id="{BEEC8225-BA1D-48F9-88A6-E73EEF7143F7}"/>
+                </a:ext>
+              </a:extLst>
+            </p:cNvPr>
+            <p:cNvCxnSpPr>
+              <a:cxnSpLocks/>
+              <a:stCxn id="51" idx="1"/>
+              <a:endCxn id="222" idx="0"/>
+            </p:cNvCxnSpPr>
+            <p:nvPr/>
+          </p:nvCxnSpPr>
+          <p:spPr>
+            <a:xfrm rot="10800000" flipV="1">
+              <a:off x="4893039" y="3798364"/>
+              <a:ext cx="237926" cy="1435300"/>
+            </a:xfrm>
+            <a:prstGeom prst="bentConnector2">
+              <a:avLst/>
+            </a:prstGeom>
+            <a:ln>
+              <a:tailEnd type="triangle"/>
+            </a:ln>
+          </p:spPr>
+          <p:style>
+            <a:lnRef idx="1">
+              <a:schemeClr val="accent1"/>
+            </a:lnRef>
+            <a:fillRef idx="0">
+              <a:schemeClr val="accent1"/>
+            </a:fillRef>
+            <a:effectRef idx="0">
+              <a:schemeClr val="accent1"/>
+            </a:effectRef>
+            <a:fontRef idx="minor">
+              <a:schemeClr val="tx1"/>
+            </a:fontRef>
+          </p:style>
+        </p:cxnSp>
+        <p:sp>
+          <p:nvSpPr>
+            <p:cNvPr id="94" name="Rounded Rectangle 9">
+              <a:extLst>
+                <a:ext uri="{FF2B5EF4-FFF2-40B4-BE49-F238E27FC236}">
+                  <a16:creationId xmlns:a16="http://schemas.microsoft.com/office/drawing/2014/main" id="{2480A988-0C40-418C-906A-09781F3D0DD3}"/>
+                </a:ext>
+              </a:extLst>
+            </p:cNvPr>
+            <p:cNvSpPr/>
+            <p:nvPr/>
+          </p:nvSpPr>
+          <p:spPr>
+            <a:xfrm>
+              <a:off x="5183708" y="2824700"/>
+              <a:ext cx="1563083" cy="390771"/>
+            </a:xfrm>
+            <a:prstGeom prst="roundRect">
+              <a:avLst/>
+            </a:prstGeom>
+          </p:spPr>
+          <p:style>
+            <a:lnRef idx="2">
+              <a:schemeClr val="accent1"/>
+            </a:lnRef>
+            <a:fillRef idx="1">
+              <a:schemeClr val="lt1"/>
+            </a:fillRef>
+            <a:effectRef idx="0">
+              <a:schemeClr val="accent1"/>
+            </a:effectRef>
+            <a:fontRef idx="minor">
+              <a:schemeClr val="dk1"/>
+            </a:fontRef>
+          </p:style>
+          <p:txBody>
+            <a:bodyPr rtlCol="0" anchor="ctr"/>
+            <a:lstStyle/>
+            <a:p>
+              <a:pPr algn="ctr"/>
+              <a:r>
+                <a:rPr lang="en-US" sz="1200" b="1" dirty="0">
+                  <a:latin typeface="DengXian" charset="-122"/>
+                  <a:ea typeface="DengXian" charset="-122"/>
+                  <a:cs typeface="DengXian" charset="-122"/>
+                </a:rPr>
+                <a:t>Calculate Result</a:t>
+              </a:r>
+            </a:p>
+          </p:txBody>
+        </p:sp>
+        <p:cxnSp>
+          <p:nvCxnSpPr>
+            <p:cNvPr id="101" name="Straight Arrow Connector 100">
+              <a:extLst>
+                <a:ext uri="{FF2B5EF4-FFF2-40B4-BE49-F238E27FC236}">
+                  <a16:creationId xmlns:a16="http://schemas.microsoft.com/office/drawing/2014/main" id="{18F020E2-657C-45D2-AFED-40ADCD5146E9}"/>
+                </a:ext>
+              </a:extLst>
+            </p:cNvPr>
+            <p:cNvCxnSpPr>
+              <a:cxnSpLocks/>
+              <a:stCxn id="94" idx="2"/>
+              <a:endCxn id="51" idx="0"/>
+            </p:cNvCxnSpPr>
+            <p:nvPr/>
+          </p:nvCxnSpPr>
+          <p:spPr>
+            <a:xfrm flipH="1">
+              <a:off x="5961353" y="3215471"/>
+              <a:ext cx="3896" cy="387508"/>
+            </a:xfrm>
+            <a:prstGeom prst="straightConnector1">
+              <a:avLst/>
+            </a:prstGeom>
+            <a:ln>
+              <a:tailEnd type="triangle"/>
+            </a:ln>
+          </p:spPr>
+          <p:style>
+            <a:lnRef idx="1">
+              <a:schemeClr val="accent1"/>
+            </a:lnRef>
+            <a:fillRef idx="0">
+              <a:schemeClr val="accent1"/>
+            </a:fillRef>
+            <a:effectRef idx="0">
+              <a:schemeClr val="accent1"/>
+            </a:effectRef>
+            <a:fontRef idx="minor">
+              <a:schemeClr val="tx1"/>
+            </a:fontRef>
+          </p:style>
+        </p:cxnSp>
+        <p:cxnSp>
+          <p:nvCxnSpPr>
+            <p:cNvPr id="150" name="Elbow Connector 143">
+              <a:extLst>
+                <a:ext uri="{FF2B5EF4-FFF2-40B4-BE49-F238E27FC236}">
+                  <a16:creationId xmlns:a16="http://schemas.microsoft.com/office/drawing/2014/main" id="{0141B686-1751-4059-995A-3A6C4F47818C}"/>
+                </a:ext>
+              </a:extLst>
+            </p:cNvPr>
+            <p:cNvCxnSpPr>
+              <a:cxnSpLocks/>
+              <a:stCxn id="55" idx="2"/>
+              <a:endCxn id="222" idx="3"/>
+            </p:cNvCxnSpPr>
+            <p:nvPr/>
+          </p:nvCxnSpPr>
+          <p:spPr>
+            <a:xfrm rot="5400000">
+              <a:off x="5404344" y="4825627"/>
+              <a:ext cx="757757" cy="355223"/>
+            </a:xfrm>
+            <a:prstGeom prst="bentConnector2">
+              <a:avLst/>
+            </a:prstGeom>
+            <a:ln>
+              <a:tailEnd type="triangle"/>
+            </a:ln>
+          </p:spPr>
+          <p:style>
+            <a:lnRef idx="1">
+              <a:schemeClr val="accent1"/>
+            </a:lnRef>
+            <a:fillRef idx="0">
+              <a:schemeClr val="accent1"/>
+            </a:fillRef>
+            <a:effectRef idx="0">
+              <a:schemeClr val="accent1"/>
+            </a:effectRef>
+            <a:fontRef idx="minor">
+              <a:schemeClr val="tx1"/>
+            </a:fontRef>
+          </p:style>
+        </p:cxnSp>
+        <p:sp>
+          <p:nvSpPr>
+            <p:cNvPr id="157" name="Rectangle 156">
+              <a:extLst>
+                <a:ext uri="{FF2B5EF4-FFF2-40B4-BE49-F238E27FC236}">
+                  <a16:creationId xmlns:a16="http://schemas.microsoft.com/office/drawing/2014/main" id="{1C3DFB42-37BD-49A1-998C-7AFD13BA6120}"/>
+                </a:ext>
+              </a:extLst>
+            </p:cNvPr>
+            <p:cNvSpPr/>
+            <p:nvPr/>
+          </p:nvSpPr>
+          <p:spPr>
+            <a:xfrm>
+              <a:off x="7227232" y="4380129"/>
+              <a:ext cx="1164534" cy="240428"/>
+            </a:xfrm>
+            <a:prstGeom prst="rect">
+              <a:avLst/>
+            </a:prstGeom>
+          </p:spPr>
+          <p:style>
+            <a:lnRef idx="2">
+              <a:schemeClr val="dk1"/>
+            </a:lnRef>
+            <a:fillRef idx="1">
+              <a:schemeClr val="lt1"/>
+            </a:fillRef>
+            <a:effectRef idx="0">
+              <a:schemeClr val="dk1"/>
+            </a:effectRef>
+            <a:fontRef idx="minor">
+              <a:schemeClr val="dk1"/>
+            </a:fontRef>
+          </p:style>
+          <p:txBody>
+            <a:bodyPr rtlCol="0" anchor="ctr"/>
+            <a:lstStyle/>
+            <a:p>
+              <a:pPr algn="ctr"/>
+              <a:r>
+                <a:rPr lang="en-US" sz="1000" b="1" dirty="0">
+                  <a:latin typeface="DengXian" charset="-122"/>
+                  <a:ea typeface="DengXian" charset="-122"/>
+                  <a:cs typeface="DengXian" charset="-122"/>
+                </a:rPr>
+                <a:t>Button: </a:t>
+              </a:r>
+              <a:r>
+                <a:rPr lang="en-US" sz="1000" b="1" dirty="0" err="1">
+                  <a:latin typeface="DengXian" charset="-122"/>
+                  <a:ea typeface="DengXian" charset="-122"/>
+                  <a:cs typeface="DengXian" charset="-122"/>
+                </a:rPr>
+                <a:t>finish_go</a:t>
+              </a:r>
+              <a:endParaRPr lang="en-US" sz="1000" b="1" dirty="0">
+                <a:latin typeface="DengXian" charset="-122"/>
+                <a:ea typeface="DengXian" charset="-122"/>
+                <a:cs typeface="DengXian" charset="-122"/>
+              </a:endParaRPr>
+            </a:p>
+          </p:txBody>
+        </p:sp>
+        <p:cxnSp>
+          <p:nvCxnSpPr>
+            <p:cNvPr id="162" name="Straight Arrow Connector 161">
+              <a:extLst>
+                <a:ext uri="{FF2B5EF4-FFF2-40B4-BE49-F238E27FC236}">
+                  <a16:creationId xmlns:a16="http://schemas.microsoft.com/office/drawing/2014/main" id="{9D18ED1E-4FD6-4B9E-827E-B02C7297328B}"/>
+                </a:ext>
+              </a:extLst>
+            </p:cNvPr>
+            <p:cNvCxnSpPr>
+              <a:cxnSpLocks/>
+              <a:stCxn id="55" idx="3"/>
+              <a:endCxn id="157" idx="1"/>
+            </p:cNvCxnSpPr>
+            <p:nvPr/>
+          </p:nvCxnSpPr>
+          <p:spPr>
+            <a:xfrm flipV="1">
+              <a:off x="6449297" y="4500343"/>
+              <a:ext cx="777935" cy="1901"/>
+            </a:xfrm>
+            <a:prstGeom prst="straightConnector1">
+              <a:avLst/>
+            </a:prstGeom>
+            <a:ln>
+              <a:tailEnd type="triangle"/>
+            </a:ln>
+          </p:spPr>
+          <p:style>
+            <a:lnRef idx="1">
+              <a:schemeClr val="accent1"/>
+            </a:lnRef>
+            <a:fillRef idx="0">
+              <a:schemeClr val="accent1"/>
+            </a:fillRef>
+            <a:effectRef idx="0">
+              <a:schemeClr val="accent1"/>
+            </a:effectRef>
+            <a:fontRef idx="minor">
+              <a:schemeClr val="tx1"/>
+            </a:fontRef>
+          </p:style>
+        </p:cxnSp>
+        <p:cxnSp>
+          <p:nvCxnSpPr>
+            <p:cNvPr id="175" name="Elbow Connector 143">
+              <a:extLst>
+                <a:ext uri="{FF2B5EF4-FFF2-40B4-BE49-F238E27FC236}">
+                  <a16:creationId xmlns:a16="http://schemas.microsoft.com/office/drawing/2014/main" id="{9D7B1BE7-BAF1-41A1-B65E-BC861FEE952F}"/>
+                </a:ext>
+              </a:extLst>
+            </p:cNvPr>
+            <p:cNvCxnSpPr>
+              <a:cxnSpLocks/>
+              <a:stCxn id="222" idx="1"/>
+              <a:endCxn id="6" idx="0"/>
+            </p:cNvCxnSpPr>
+            <p:nvPr/>
+          </p:nvCxnSpPr>
+          <p:spPr>
+            <a:xfrm rot="10800000">
+              <a:off x="1698732" y="1698455"/>
+              <a:ext cx="2481736" cy="3683663"/>
+            </a:xfrm>
+            <a:prstGeom prst="bentConnector4">
+              <a:avLst>
+                <a:gd name="adj1" fmla="val 152849"/>
+                <a:gd name="adj2" fmla="val 106206"/>
+              </a:avLst>
+            </a:prstGeom>
+            <a:ln>
+              <a:tailEnd type="triangle"/>
+            </a:ln>
+          </p:spPr>
+          <p:style>
+            <a:lnRef idx="1">
+              <a:schemeClr val="accent1"/>
+            </a:lnRef>
+            <a:fillRef idx="0">
+              <a:schemeClr val="accent1"/>
+            </a:fillRef>
+            <a:effectRef idx="0">
+              <a:schemeClr val="accent1"/>
+            </a:effectRef>
+            <a:fontRef idx="minor">
+              <a:schemeClr val="tx1"/>
+            </a:fontRef>
+          </p:style>
+        </p:cxnSp>
+        <p:sp>
+          <p:nvSpPr>
+            <p:cNvPr id="183" name="TextBox 182">
+              <a:extLst>
+                <a:ext uri="{FF2B5EF4-FFF2-40B4-BE49-F238E27FC236}">
+                  <a16:creationId xmlns:a16="http://schemas.microsoft.com/office/drawing/2014/main" id="{A595ABBF-5F7E-4B04-A049-DEE28E2DF121}"/>
+                </a:ext>
+              </a:extLst>
+            </p:cNvPr>
+            <p:cNvSpPr txBox="1"/>
+            <p:nvPr/>
+          </p:nvSpPr>
+          <p:spPr>
+            <a:xfrm>
+              <a:off x="3876927" y="4258111"/>
+              <a:ext cx="1074837" cy="261610"/>
+            </a:xfrm>
+            <a:prstGeom prst="rect">
+              <a:avLst/>
+            </a:prstGeom>
+            <a:noFill/>
+          </p:spPr>
+          <p:txBody>
+            <a:bodyPr wrap="square" rtlCol="0">
+              <a:spAutoFit/>
+            </a:bodyPr>
+            <a:lstStyle/>
+            <a:p>
+              <a:pPr marL="171450" indent="-171450">
+                <a:buFont typeface="Arial" panose="020B0604020202020204" pitchFamily="34" charset="0"/>
+                <a:buChar char="•"/>
+              </a:pPr>
+              <a:r>
+                <a:rPr lang="en-US" altLang="zh-CN" sz="1100" b="1" dirty="0">
+                  <a:latin typeface="DengXian" charset="-122"/>
+                  <a:ea typeface="DengXian" charset="-122"/>
+                  <a:cs typeface="DengXian" charset="-122"/>
+                </a:rPr>
+                <a:t>ABANDON</a:t>
+              </a:r>
+              <a:endParaRPr lang="en-US" sz="1100" b="1" dirty="0">
                 <a:latin typeface="DengXian" charset="-122"/>
                 <a:ea typeface="DengXian" charset="-122"/>
                 <a:cs typeface="DengXian" charset="-122"/>
@@ -4386,657 +5501,20 @@
       </p:grpSp>
       <p:sp>
         <p:nvSpPr>
-          <p:cNvPr id="122" name="Rectangle 121"/>
-          <p:cNvSpPr/>
+          <p:cNvPr id="189" name="TextBox 188">
+            <a:extLst>
+              <a:ext uri="{FF2B5EF4-FFF2-40B4-BE49-F238E27FC236}">
+                <a16:creationId xmlns:a16="http://schemas.microsoft.com/office/drawing/2014/main" id="{7F379063-B901-45DA-9102-5D524B59606B}"/>
+              </a:ext>
+            </a:extLst>
+          </p:cNvPr>
+          <p:cNvSpPr txBox="1"/>
           <p:nvPr/>
         </p:nvSpPr>
         <p:spPr>
           <a:xfrm>
-            <a:off x="846373" y="3024039"/>
-            <a:ext cx="1097280" cy="228600"/>
-          </a:xfrm>
-          <a:prstGeom prst="rect">
-            <a:avLst/>
-          </a:prstGeom>
-        </p:spPr>
-        <p:style>
-          <a:lnRef idx="2">
-            <a:schemeClr val="dk1"/>
-          </a:lnRef>
-          <a:fillRef idx="1">
-            <a:schemeClr val="lt1"/>
-          </a:fillRef>
-          <a:effectRef idx="0">
-            <a:schemeClr val="dk1"/>
-          </a:effectRef>
-          <a:fontRef idx="minor">
-            <a:schemeClr val="dk1"/>
-          </a:fontRef>
-        </p:style>
-        <p:txBody>
-          <a:bodyPr rtlCol="0" anchor="ctr"/>
-          <a:lstStyle/>
-          <a:p>
-            <a:pPr algn="ctr"/>
-            <a:r>
-              <a:rPr lang="en-US" sz="1000" dirty="0" smtClean="0">
-                <a:latin typeface="DengXian" charset="-122"/>
-                <a:ea typeface="DengXian" charset="-122"/>
-                <a:cs typeface="DengXian" charset="-122"/>
-              </a:rPr>
-              <a:t>Button: next_1</a:t>
-            </a:r>
-            <a:endParaRPr lang="en-US" sz="1000" dirty="0">
-              <a:latin typeface="DengXian" charset="-122"/>
-              <a:ea typeface="DengXian" charset="-122"/>
-              <a:cs typeface="DengXian" charset="-122"/>
-            </a:endParaRPr>
-          </a:p>
-        </p:txBody>
-      </p:sp>
-      <p:sp>
-        <p:nvSpPr>
-          <p:cNvPr id="123" name="Rectangle 122"/>
-          <p:cNvSpPr/>
-          <p:nvPr/>
-        </p:nvSpPr>
-        <p:spPr>
-          <a:xfrm>
-            <a:off x="850351" y="4931526"/>
-            <a:ext cx="1097280" cy="228600"/>
-          </a:xfrm>
-          <a:prstGeom prst="rect">
-            <a:avLst/>
-          </a:prstGeom>
-        </p:spPr>
-        <p:style>
-          <a:lnRef idx="2">
-            <a:schemeClr val="dk1"/>
-          </a:lnRef>
-          <a:fillRef idx="1">
-            <a:schemeClr val="lt1"/>
-          </a:fillRef>
-          <a:effectRef idx="0">
-            <a:schemeClr val="dk1"/>
-          </a:effectRef>
-          <a:fontRef idx="minor">
-            <a:schemeClr val="dk1"/>
-          </a:fontRef>
-        </p:style>
-        <p:txBody>
-          <a:bodyPr rtlCol="0" anchor="ctr"/>
-          <a:lstStyle/>
-          <a:p>
-            <a:pPr algn="ctr"/>
-            <a:r>
-              <a:rPr lang="en-US" sz="1000" dirty="0" smtClean="0">
-                <a:latin typeface="DengXian" charset="-122"/>
-                <a:ea typeface="DengXian" charset="-122"/>
-                <a:cs typeface="DengXian" charset="-122"/>
-              </a:rPr>
-              <a:t>Button: next_2</a:t>
-            </a:r>
-            <a:endParaRPr lang="en-US" sz="1000" dirty="0">
-              <a:latin typeface="DengXian" charset="-122"/>
-              <a:ea typeface="DengXian" charset="-122"/>
-              <a:cs typeface="DengXian" charset="-122"/>
-            </a:endParaRPr>
-          </a:p>
-        </p:txBody>
-      </p:sp>
-      <p:cxnSp>
-        <p:nvCxnSpPr>
-          <p:cNvPr id="139" name="Straight Arrow Connector 138"/>
-          <p:cNvCxnSpPr>
-            <a:stCxn id="42" idx="3"/>
-            <a:endCxn id="222" idx="1"/>
-          </p:cNvCxnSpPr>
-          <p:nvPr/>
-        </p:nvCxnSpPr>
-        <p:spPr>
-          <a:xfrm>
-            <a:off x="2176226" y="2554628"/>
-            <a:ext cx="687276" cy="0"/>
-          </a:xfrm>
-          <a:prstGeom prst="straightConnector1">
-            <a:avLst/>
-          </a:prstGeom>
-          <a:ln>
-            <a:tailEnd type="triangle"/>
-          </a:ln>
-        </p:spPr>
-        <p:style>
-          <a:lnRef idx="1">
-            <a:schemeClr val="accent1"/>
-          </a:lnRef>
-          <a:fillRef idx="0">
-            <a:schemeClr val="accent1"/>
-          </a:fillRef>
-          <a:effectRef idx="0">
-            <a:schemeClr val="accent1"/>
-          </a:effectRef>
-          <a:fontRef idx="minor">
-            <a:schemeClr val="tx1"/>
-          </a:fontRef>
-        </p:style>
-      </p:cxnSp>
-      <p:cxnSp>
-        <p:nvCxnSpPr>
-          <p:cNvPr id="144" name="Elbow Connector 143"/>
-          <p:cNvCxnSpPr>
-            <a:stCxn id="61" idx="3"/>
-            <a:endCxn id="222" idx="2"/>
-          </p:cNvCxnSpPr>
-          <p:nvPr/>
-        </p:nvCxnSpPr>
-        <p:spPr>
-          <a:xfrm flipV="1">
-            <a:off x="2176226" y="2668928"/>
-            <a:ext cx="1235916" cy="1789046"/>
-          </a:xfrm>
-          <a:prstGeom prst="bentConnector2">
-            <a:avLst/>
-          </a:prstGeom>
-          <a:ln>
-            <a:tailEnd type="triangle"/>
-          </a:ln>
-        </p:spPr>
-        <p:style>
-          <a:lnRef idx="1">
-            <a:schemeClr val="accent1"/>
-          </a:lnRef>
-          <a:fillRef idx="0">
-            <a:schemeClr val="accent1"/>
-          </a:fillRef>
-          <a:effectRef idx="0">
-            <a:schemeClr val="accent1"/>
-          </a:effectRef>
-          <a:fontRef idx="minor">
-            <a:schemeClr val="tx1"/>
-          </a:fontRef>
-        </p:style>
-      </p:cxnSp>
-      <p:cxnSp>
-        <p:nvCxnSpPr>
-          <p:cNvPr id="145" name="Elbow Connector 144"/>
-          <p:cNvCxnSpPr>
-            <a:stCxn id="81" idx="3"/>
-            <a:endCxn id="222" idx="2"/>
-          </p:cNvCxnSpPr>
-          <p:nvPr/>
-        </p:nvCxnSpPr>
-        <p:spPr>
-          <a:xfrm flipV="1">
-            <a:off x="1855701" y="2668928"/>
-            <a:ext cx="1556441" cy="3631527"/>
-          </a:xfrm>
-          <a:prstGeom prst="bentConnector2">
-            <a:avLst/>
-          </a:prstGeom>
-          <a:ln>
-            <a:tailEnd type="triangle"/>
-          </a:ln>
-        </p:spPr>
-        <p:style>
-          <a:lnRef idx="1">
-            <a:schemeClr val="accent1"/>
-          </a:lnRef>
-          <a:fillRef idx="0">
-            <a:schemeClr val="accent1"/>
-          </a:fillRef>
-          <a:effectRef idx="0">
-            <a:schemeClr val="accent1"/>
-          </a:effectRef>
-          <a:fontRef idx="minor">
-            <a:schemeClr val="tx1"/>
-          </a:fontRef>
-        </p:style>
-      </p:cxnSp>
-      <p:cxnSp>
-        <p:nvCxnSpPr>
-          <p:cNvPr id="148" name="Elbow Connector 147"/>
-          <p:cNvCxnSpPr>
-            <a:stCxn id="222" idx="0"/>
-            <a:endCxn id="5" idx="3"/>
-          </p:cNvCxnSpPr>
-          <p:nvPr/>
-        </p:nvCxnSpPr>
-        <p:spPr>
-          <a:xfrm rot="16200000" flipV="1">
-            <a:off x="2269935" y="1298121"/>
-            <a:ext cx="1006153" cy="1278262"/>
-          </a:xfrm>
-          <a:prstGeom prst="bentConnector2">
-            <a:avLst/>
-          </a:prstGeom>
-          <a:ln>
-            <a:tailEnd type="triangle"/>
-          </a:ln>
-        </p:spPr>
-        <p:style>
-          <a:lnRef idx="1">
-            <a:schemeClr val="accent1"/>
-          </a:lnRef>
-          <a:fillRef idx="0">
-            <a:schemeClr val="accent1"/>
-          </a:fillRef>
-          <a:effectRef idx="0">
-            <a:schemeClr val="accent1"/>
-          </a:effectRef>
-          <a:fontRef idx="minor">
-            <a:schemeClr val="tx1"/>
-          </a:fontRef>
-        </p:style>
-      </p:cxnSp>
-      <p:cxnSp>
-        <p:nvCxnSpPr>
-          <p:cNvPr id="167" name="Straight Arrow Connector 166"/>
-          <p:cNvCxnSpPr>
-            <a:stCxn id="123" idx="2"/>
-            <a:endCxn id="10" idx="0"/>
-          </p:cNvCxnSpPr>
-          <p:nvPr/>
-        </p:nvCxnSpPr>
-        <p:spPr>
-          <a:xfrm flipH="1">
-            <a:off x="1398786" y="5160126"/>
-            <a:ext cx="205" cy="363862"/>
-          </a:xfrm>
-          <a:prstGeom prst="straightConnector1">
-            <a:avLst/>
-          </a:prstGeom>
-          <a:ln>
-            <a:tailEnd type="triangle"/>
-          </a:ln>
-        </p:spPr>
-        <p:style>
-          <a:lnRef idx="1">
-            <a:schemeClr val="accent1"/>
-          </a:lnRef>
-          <a:fillRef idx="0">
-            <a:schemeClr val="accent1"/>
-          </a:fillRef>
-          <a:effectRef idx="0">
-            <a:schemeClr val="accent1"/>
-          </a:effectRef>
-          <a:fontRef idx="minor">
-            <a:schemeClr val="tx1"/>
-          </a:fontRef>
-        </p:style>
-      </p:cxnSp>
-      <p:cxnSp>
-        <p:nvCxnSpPr>
-          <p:cNvPr id="178" name="Straight Arrow Connector 177"/>
-          <p:cNvCxnSpPr>
-            <a:stCxn id="122" idx="2"/>
-            <a:endCxn id="7" idx="0"/>
-          </p:cNvCxnSpPr>
-          <p:nvPr/>
-        </p:nvCxnSpPr>
-        <p:spPr>
-          <a:xfrm flipH="1">
-            <a:off x="1393216" y="3252639"/>
-            <a:ext cx="1797" cy="267485"/>
-          </a:xfrm>
-          <a:prstGeom prst="straightConnector1">
-            <a:avLst/>
-          </a:prstGeom>
-          <a:ln>
-            <a:tailEnd type="triangle"/>
-          </a:ln>
-        </p:spPr>
-        <p:style>
-          <a:lnRef idx="1">
-            <a:schemeClr val="accent1"/>
-          </a:lnRef>
-          <a:fillRef idx="0">
-            <a:schemeClr val="accent1"/>
-          </a:fillRef>
-          <a:effectRef idx="0">
-            <a:schemeClr val="accent1"/>
-          </a:effectRef>
-          <a:fontRef idx="minor">
-            <a:schemeClr val="tx1"/>
-          </a:fontRef>
-        </p:style>
-      </p:cxnSp>
-      <p:sp>
-        <p:nvSpPr>
-          <p:cNvPr id="188" name="Rounded Rectangle 187"/>
-          <p:cNvSpPr/>
-          <p:nvPr/>
-        </p:nvSpPr>
-        <p:spPr>
-          <a:xfrm>
-            <a:off x="5133225" y="970779"/>
-            <a:ext cx="3657600" cy="3657600"/>
-          </a:xfrm>
-          <a:prstGeom prst="roundRect">
-            <a:avLst/>
-          </a:prstGeom>
-          <a:ln>
-            <a:prstDash val="sysDot"/>
-          </a:ln>
-        </p:spPr>
-        <p:style>
-          <a:lnRef idx="2">
-            <a:schemeClr val="accent1"/>
-          </a:lnRef>
-          <a:fillRef idx="1">
-            <a:schemeClr val="lt1"/>
-          </a:fillRef>
-          <a:effectRef idx="0">
-            <a:schemeClr val="accent1"/>
-          </a:effectRef>
-          <a:fontRef idx="minor">
-            <a:schemeClr val="dk1"/>
-          </a:fontRef>
-        </p:style>
-        <p:txBody>
-          <a:bodyPr rtlCol="0" anchor="ctr"/>
-          <a:lstStyle/>
-          <a:p>
-            <a:pPr algn="ctr"/>
-            <a:r>
-              <a:rPr lang="en-US" sz="1200" dirty="0" smtClean="0">
-                <a:latin typeface="DengXian" charset="-122"/>
-                <a:ea typeface="DengXian" charset="-122"/>
-                <a:cs typeface="DengXian" charset="-122"/>
-              </a:rPr>
-              <a:t>Present Results in Multi Languages:</a:t>
-            </a:r>
-          </a:p>
-          <a:p>
-            <a:pPr algn="ctr"/>
-            <a:endParaRPr lang="en-US" sz="1200" dirty="0" smtClean="0">
-              <a:latin typeface="DengXian" charset="-122"/>
-              <a:ea typeface="DengXian" charset="-122"/>
-              <a:cs typeface="DengXian" charset="-122"/>
-            </a:endParaRPr>
-          </a:p>
-          <a:p>
-            <a:pPr marL="171450" indent="-171450">
-              <a:buFont typeface="Arial" charset="0"/>
-              <a:buChar char="•"/>
-            </a:pPr>
-            <a:endParaRPr lang="en-US" sz="1200" dirty="0" smtClean="0">
-              <a:latin typeface="DengXian" charset="-122"/>
-              <a:ea typeface="DengXian" charset="-122"/>
-              <a:cs typeface="DengXian" charset="-122"/>
-            </a:endParaRPr>
-          </a:p>
-          <a:p>
-            <a:pPr marL="171450" indent="-171450">
-              <a:buFont typeface="Arial" charset="0"/>
-              <a:buChar char="•"/>
-            </a:pPr>
-            <a:r>
-              <a:rPr lang="en-US" sz="1200" dirty="0" smtClean="0">
-                <a:latin typeface="Times" charset="0"/>
-                <a:ea typeface="Times" charset="0"/>
-                <a:cs typeface="Times" charset="0"/>
-              </a:rPr>
-              <a:t>EN:    </a:t>
-            </a:r>
-            <a:r>
-              <a:rPr lang="mr-IN" sz="1200" dirty="0" smtClean="0">
-                <a:latin typeface="Times" charset="0"/>
-                <a:ea typeface="Times" charset="0"/>
-                <a:cs typeface="Times" charset="0"/>
-              </a:rPr>
-              <a:t>……</a:t>
-            </a:r>
-            <a:endParaRPr lang="en-US" sz="1200" dirty="0" smtClean="0">
-              <a:latin typeface="Times" charset="0"/>
-              <a:ea typeface="Times" charset="0"/>
-              <a:cs typeface="Times" charset="0"/>
-            </a:endParaRPr>
-          </a:p>
-          <a:p>
-            <a:pPr marL="171450" indent="-171450">
-              <a:buFont typeface="Arial" charset="0"/>
-              <a:buChar char="•"/>
-            </a:pPr>
-            <a:endParaRPr lang="en-US" sz="1200" dirty="0" smtClean="0">
-              <a:latin typeface="Times" charset="0"/>
-              <a:ea typeface="Times" charset="0"/>
-              <a:cs typeface="Times" charset="0"/>
-            </a:endParaRPr>
-          </a:p>
-          <a:p>
-            <a:pPr marL="171450" indent="-171450">
-              <a:buFont typeface="Arial" charset="0"/>
-              <a:buChar char="•"/>
-            </a:pPr>
-            <a:endParaRPr lang="en-US" sz="1200" dirty="0">
-              <a:latin typeface="Times" charset="0"/>
-              <a:ea typeface="Times" charset="0"/>
-              <a:cs typeface="Times" charset="0"/>
-            </a:endParaRPr>
-          </a:p>
-          <a:p>
-            <a:pPr marL="171450" indent="-171450">
-              <a:buFont typeface="Arial" charset="0"/>
-              <a:buChar char="•"/>
-            </a:pPr>
-            <a:r>
-              <a:rPr lang="en-US" sz="1200" dirty="0" smtClean="0">
-                <a:latin typeface="Times" charset="0"/>
-                <a:ea typeface="Times" charset="0"/>
-                <a:cs typeface="Times" charset="0"/>
-              </a:rPr>
-              <a:t>FR:    </a:t>
-            </a:r>
-            <a:r>
-              <a:rPr lang="mr-IN" sz="1200" dirty="0" smtClean="0">
-                <a:latin typeface="Times" charset="0"/>
-                <a:ea typeface="Times" charset="0"/>
-                <a:cs typeface="Times" charset="0"/>
-              </a:rPr>
-              <a:t>……</a:t>
-            </a:r>
-            <a:endParaRPr lang="en-US" sz="1200" dirty="0" smtClean="0">
-              <a:latin typeface="Times" charset="0"/>
-              <a:ea typeface="Times" charset="0"/>
-              <a:cs typeface="Times" charset="0"/>
-            </a:endParaRPr>
-          </a:p>
-          <a:p>
-            <a:pPr marL="171450" indent="-171450">
-              <a:buFont typeface="Arial" charset="0"/>
-              <a:buChar char="•"/>
-            </a:pPr>
-            <a:endParaRPr lang="en-US" sz="1200" dirty="0" smtClean="0">
-              <a:latin typeface="Times" charset="0"/>
-              <a:ea typeface="Times" charset="0"/>
-              <a:cs typeface="Times" charset="0"/>
-            </a:endParaRPr>
-          </a:p>
-          <a:p>
-            <a:pPr marL="171450" indent="-171450">
-              <a:buFont typeface="Arial" charset="0"/>
-              <a:buChar char="•"/>
-            </a:pPr>
-            <a:endParaRPr lang="en-US" sz="1200" dirty="0" smtClean="0">
-              <a:latin typeface="Times" charset="0"/>
-              <a:ea typeface="Times" charset="0"/>
-              <a:cs typeface="Times" charset="0"/>
-            </a:endParaRPr>
-          </a:p>
-          <a:p>
-            <a:pPr marL="171450" indent="-171450">
-              <a:buFont typeface="Arial" charset="0"/>
-              <a:buChar char="•"/>
-            </a:pPr>
-            <a:r>
-              <a:rPr lang="en-US" sz="1200" dirty="0" smtClean="0">
-                <a:latin typeface="Times" charset="0"/>
-                <a:ea typeface="Times" charset="0"/>
-                <a:cs typeface="Times" charset="0"/>
-              </a:rPr>
-              <a:t>CN:   </a:t>
-            </a:r>
-            <a:r>
-              <a:rPr lang="mr-IN" sz="1200" dirty="0" smtClean="0">
-                <a:latin typeface="Times" charset="0"/>
-                <a:ea typeface="Times" charset="0"/>
-                <a:cs typeface="Times" charset="0"/>
-              </a:rPr>
-              <a:t>……</a:t>
-            </a:r>
-            <a:endParaRPr lang="en-US" sz="1200" dirty="0" smtClean="0">
-              <a:latin typeface="Times" charset="0"/>
-              <a:ea typeface="Times" charset="0"/>
-              <a:cs typeface="Times" charset="0"/>
-            </a:endParaRPr>
-          </a:p>
-        </p:txBody>
-      </p:sp>
-      <p:cxnSp>
-        <p:nvCxnSpPr>
-          <p:cNvPr id="192" name="Straight Arrow Connector 191"/>
-          <p:cNvCxnSpPr>
-            <a:stCxn id="11" idx="0"/>
-            <a:endCxn id="188" idx="2"/>
-          </p:cNvCxnSpPr>
-          <p:nvPr/>
-        </p:nvCxnSpPr>
-        <p:spPr>
-          <a:xfrm flipH="1" flipV="1">
-            <a:off x="6962025" y="4628379"/>
-            <a:ext cx="1" cy="667253"/>
-          </a:xfrm>
-          <a:prstGeom prst="straightConnector1">
-            <a:avLst/>
-          </a:prstGeom>
-          <a:ln>
-            <a:tailEnd type="triangle"/>
-          </a:ln>
-        </p:spPr>
-        <p:style>
-          <a:lnRef idx="1">
-            <a:schemeClr val="accent1"/>
-          </a:lnRef>
-          <a:fillRef idx="0">
-            <a:schemeClr val="accent1"/>
-          </a:fillRef>
-          <a:effectRef idx="0">
-            <a:schemeClr val="accent1"/>
-          </a:effectRef>
-          <a:fontRef idx="minor">
-            <a:schemeClr val="tx1"/>
-          </a:fontRef>
-        </p:style>
-      </p:cxnSp>
-      <p:cxnSp>
-        <p:nvCxnSpPr>
-          <p:cNvPr id="202" name="Straight Connector 201"/>
-          <p:cNvCxnSpPr/>
-          <p:nvPr/>
-        </p:nvCxnSpPr>
-        <p:spPr>
-          <a:xfrm>
-            <a:off x="5347910" y="2792727"/>
-            <a:ext cx="3228230" cy="0"/>
-          </a:xfrm>
-          <a:prstGeom prst="line">
-            <a:avLst/>
-          </a:prstGeom>
-          <a:ln>
-            <a:prstDash val="sysDash"/>
-          </a:ln>
-        </p:spPr>
-        <p:style>
-          <a:lnRef idx="1">
-            <a:schemeClr val="accent1"/>
-          </a:lnRef>
-          <a:fillRef idx="0">
-            <a:schemeClr val="accent1"/>
-          </a:fillRef>
-          <a:effectRef idx="0">
-            <a:schemeClr val="accent1"/>
-          </a:effectRef>
-          <a:fontRef idx="minor">
-            <a:schemeClr val="tx1"/>
-          </a:fontRef>
-        </p:style>
-      </p:cxnSp>
-      <p:cxnSp>
-        <p:nvCxnSpPr>
-          <p:cNvPr id="203" name="Straight Connector 202"/>
-          <p:cNvCxnSpPr/>
-          <p:nvPr/>
-        </p:nvCxnSpPr>
-        <p:spPr>
-          <a:xfrm>
-            <a:off x="5347910" y="3351052"/>
-            <a:ext cx="3228230" cy="0"/>
-          </a:xfrm>
-          <a:prstGeom prst="line">
-            <a:avLst/>
-          </a:prstGeom>
-          <a:ln>
-            <a:prstDash val="sysDash"/>
-          </a:ln>
-        </p:spPr>
-        <p:style>
-          <a:lnRef idx="1">
-            <a:schemeClr val="accent1"/>
-          </a:lnRef>
-          <a:fillRef idx="0">
-            <a:schemeClr val="accent1"/>
-          </a:fillRef>
-          <a:effectRef idx="0">
-            <a:schemeClr val="accent1"/>
-          </a:effectRef>
-          <a:fontRef idx="minor">
-            <a:schemeClr val="tx1"/>
-          </a:fontRef>
-        </p:style>
-      </p:cxnSp>
-      <p:cxnSp>
-        <p:nvCxnSpPr>
-          <p:cNvPr id="204" name="Straight Connector 203"/>
-          <p:cNvCxnSpPr/>
-          <p:nvPr/>
-        </p:nvCxnSpPr>
-        <p:spPr>
-          <a:xfrm>
-            <a:off x="5347910" y="2250998"/>
-            <a:ext cx="3228230" cy="0"/>
-          </a:xfrm>
-          <a:prstGeom prst="line">
-            <a:avLst/>
-          </a:prstGeom>
-          <a:ln cmpd="sng">
-            <a:prstDash val="sysDash"/>
-          </a:ln>
-        </p:spPr>
-        <p:style>
-          <a:lnRef idx="1">
-            <a:schemeClr val="accent1"/>
-          </a:lnRef>
-          <a:fillRef idx="0">
-            <a:schemeClr val="accent1"/>
-          </a:fillRef>
-          <a:effectRef idx="0">
-            <a:schemeClr val="accent1"/>
-          </a:effectRef>
-          <a:fontRef idx="minor">
-            <a:schemeClr val="tx1"/>
-          </a:fontRef>
-        </p:style>
-      </p:cxnSp>
-      <p:sp>
-        <p:nvSpPr>
-          <p:cNvPr id="207" name="TextBox 206"/>
-          <p:cNvSpPr txBox="1"/>
-          <p:nvPr/>
-        </p:nvSpPr>
-        <p:spPr>
-          <a:xfrm>
-            <a:off x="2477280" y="72693"/>
-            <a:ext cx="1972732" cy="646331"/>
+            <a:off x="9463937" y="281311"/>
+            <a:ext cx="2517287" cy="646331"/>
           </a:xfrm>
           <a:prstGeom prst="rect">
             <a:avLst/>
@@ -5050,194 +5528,30 @@
           <a:lstStyle/>
           <a:p>
             <a:r>
-              <a:rPr lang="en-US" sz="1200" dirty="0" err="1" smtClean="0">
+              <a:rPr lang="en-US" sz="1200" dirty="0">
                 <a:latin typeface="Consolas" charset="0"/>
                 <a:ea typeface="Consolas" charset="0"/>
                 <a:cs typeface="Consolas" charset="0"/>
               </a:rPr>
-              <a:t>FirstActivity.java</a:t>
-            </a:r>
-            <a:endParaRPr lang="en-US" sz="1200" dirty="0" smtClean="0">
-              <a:latin typeface="Consolas" charset="0"/>
-              <a:ea typeface="Consolas" charset="0"/>
-              <a:cs typeface="Consolas" charset="0"/>
-            </a:endParaRPr>
-          </a:p>
-          <a:p>
-            <a:endParaRPr lang="en-US" sz="1200" dirty="0" smtClean="0">
-              <a:latin typeface="Consolas" charset="0"/>
-              <a:ea typeface="Consolas" charset="0"/>
-              <a:cs typeface="Consolas" charset="0"/>
-            </a:endParaRPr>
-          </a:p>
-          <a:p>
-            <a:r>
-              <a:rPr lang="en-US" sz="1200" dirty="0" err="1" smtClean="0">
-                <a:latin typeface="Consolas" charset="0"/>
-                <a:ea typeface="Consolas" charset="0"/>
-                <a:cs typeface="Consolas" charset="0"/>
-              </a:rPr>
-              <a:t>activity_first.xml</a:t>
-            </a:r>
+              <a:t>SearchActivity.java</a:t>
+            </a:r>
+          </a:p>
+          <a:p>
             <a:endParaRPr lang="en-US" sz="1200" dirty="0">
               <a:latin typeface="Consolas" charset="0"/>
               <a:ea typeface="Consolas" charset="0"/>
               <a:cs typeface="Consolas" charset="0"/>
             </a:endParaRPr>
           </a:p>
-        </p:txBody>
-      </p:sp>
-      <p:sp>
-        <p:nvSpPr>
-          <p:cNvPr id="208" name="TextBox 207"/>
-          <p:cNvSpPr txBox="1"/>
-          <p:nvPr/>
-        </p:nvSpPr>
-        <p:spPr>
-          <a:xfrm>
-            <a:off x="7010121" y="72693"/>
-            <a:ext cx="1972732" cy="646331"/>
-          </a:xfrm>
-          <a:prstGeom prst="rect">
-            <a:avLst/>
-          </a:prstGeom>
-          <a:noFill/>
-        </p:spPr>
-        <p:txBody>
-          <a:bodyPr wrap="square" rtlCol="0">
-            <a:spAutoFit/>
-          </a:bodyPr>
-          <a:lstStyle/>
-          <a:p>
-            <a:r>
-              <a:rPr lang="en-US" sz="1200" dirty="0" err="1" smtClean="0">
+          <a:p>
+            <a:r>
+              <a:rPr lang="en-US" sz="1200" dirty="0">
                 <a:latin typeface="Consolas" charset="0"/>
                 <a:ea typeface="Consolas" charset="0"/>
                 <a:cs typeface="Consolas" charset="0"/>
               </a:rPr>
-              <a:t>SecondActivity.java</a:t>
-            </a:r>
-            <a:endParaRPr lang="en-US" sz="1200" dirty="0" smtClean="0">
-              <a:latin typeface="Consolas" charset="0"/>
-              <a:ea typeface="Consolas" charset="0"/>
-              <a:cs typeface="Consolas" charset="0"/>
-            </a:endParaRPr>
-          </a:p>
-          <a:p>
-            <a:endParaRPr lang="en-US" sz="1200" dirty="0" smtClean="0">
-              <a:latin typeface="Consolas" charset="0"/>
-              <a:ea typeface="Consolas" charset="0"/>
-              <a:cs typeface="Consolas" charset="0"/>
-            </a:endParaRPr>
-          </a:p>
-          <a:p>
-            <a:r>
-              <a:rPr lang="en-US" sz="1200" dirty="0" err="1" smtClean="0">
-                <a:latin typeface="Consolas" charset="0"/>
-                <a:ea typeface="Consolas" charset="0"/>
-                <a:cs typeface="Consolas" charset="0"/>
-              </a:rPr>
-              <a:t>activity_second.xml</a:t>
-            </a:r>
-            <a:endParaRPr lang="en-US" sz="1200" dirty="0">
-              <a:latin typeface="Consolas" charset="0"/>
-              <a:ea typeface="Consolas" charset="0"/>
-              <a:cs typeface="Consolas" charset="0"/>
-            </a:endParaRPr>
-          </a:p>
-        </p:txBody>
-      </p:sp>
-      <p:cxnSp>
-        <p:nvCxnSpPr>
-          <p:cNvPr id="215" name="Straight Arrow Connector 214"/>
-          <p:cNvCxnSpPr>
-            <a:stCxn id="5" idx="2"/>
-            <a:endCxn id="32" idx="0"/>
-          </p:cNvCxnSpPr>
-          <p:nvPr/>
-        </p:nvCxnSpPr>
-        <p:spPr>
-          <a:xfrm flipH="1">
-            <a:off x="1400442" y="1617055"/>
-            <a:ext cx="1918" cy="277008"/>
-          </a:xfrm>
-          <a:prstGeom prst="straightConnector1">
-            <a:avLst/>
-          </a:prstGeom>
-          <a:ln>
-            <a:tailEnd type="triangle"/>
-          </a:ln>
-        </p:spPr>
-        <p:style>
-          <a:lnRef idx="1">
-            <a:schemeClr val="accent1"/>
-          </a:lnRef>
-          <a:fillRef idx="0">
-            <a:schemeClr val="accent1"/>
-          </a:fillRef>
-          <a:effectRef idx="0">
-            <a:schemeClr val="accent1"/>
-          </a:effectRef>
-          <a:fontRef idx="minor">
-            <a:schemeClr val="tx1"/>
-          </a:fontRef>
-        </p:style>
-      </p:cxnSp>
-      <p:sp>
-        <p:nvSpPr>
-          <p:cNvPr id="222" name="Rectangle 221"/>
-          <p:cNvSpPr/>
-          <p:nvPr/>
-        </p:nvSpPr>
-        <p:spPr>
-          <a:xfrm>
-            <a:off x="2863502" y="2440328"/>
-            <a:ext cx="1097280" cy="228600"/>
-          </a:xfrm>
-          <a:prstGeom prst="rect">
-            <a:avLst/>
-          </a:prstGeom>
-        </p:spPr>
-        <p:style>
-          <a:lnRef idx="2">
-            <a:schemeClr val="dk1"/>
-          </a:lnRef>
-          <a:fillRef idx="1">
-            <a:schemeClr val="lt1"/>
-          </a:fillRef>
-          <a:effectRef idx="0">
-            <a:schemeClr val="dk1"/>
-          </a:effectRef>
-          <a:fontRef idx="minor">
-            <a:schemeClr val="dk1"/>
-          </a:fontRef>
-        </p:style>
-        <p:txBody>
-          <a:bodyPr rtlCol="0" anchor="ctr"/>
-          <a:lstStyle/>
-          <a:p>
-            <a:pPr algn="ctr"/>
-            <a:r>
-              <a:rPr lang="en-US" sz="1000" dirty="0" smtClean="0">
-                <a:latin typeface="DengXian" charset="-122"/>
-                <a:ea typeface="DengXian" charset="-122"/>
-                <a:cs typeface="DengXian" charset="-122"/>
-              </a:rPr>
-              <a:t>Button</a:t>
-            </a:r>
-            <a:r>
-              <a:rPr lang="en-US" sz="1000" smtClean="0">
-                <a:latin typeface="DengXian" charset="-122"/>
-                <a:ea typeface="DengXian" charset="-122"/>
-                <a:cs typeface="DengXian" charset="-122"/>
-              </a:rPr>
-              <a:t>: retake</a:t>
-            </a:r>
-            <a:endParaRPr lang="en-US" sz="1000" dirty="0">
-              <a:latin typeface="DengXian" charset="-122"/>
-              <a:ea typeface="DengXian" charset="-122"/>
-              <a:cs typeface="DengXian" charset="-122"/>
-            </a:endParaRPr>
+              <a:t>activity_search.xml</a:t>
+            </a:r>
           </a:p>
         </p:txBody>
       </p:sp>
@@ -5251,13 +5565,6 @@
   <p:clrMapOvr>
     <a:masterClrMapping/>
   </p:clrMapOvr>
-  <p:timing>
-    <p:tnLst>
-      <p:par>
-        <p:cTn id="1" dur="indefinite" restart="never" nodeType="tmRoot"/>
-      </p:par>
-    </p:tnLst>
-  </p:timing>
 </p:sld>
 </file>
 

--- a/Finger Recognition by TensorFlow Models on Android.pptx
+++ b/Finger Recognition by TensorFlow Models on Android.pptx
@@ -201,7 +201,7 @@
           <a:p>
             <a:fld id="{7419315F-F7A1-834E-AEF7-EA512D8DF4AC}" type="datetimeFigureOut">
               <a:rPr lang="en-US" smtClean="0"/>
-              <a:t>1/29/2018</a:t>
+              <a:t>1/30/2018</a:t>
             </a:fld>
             <a:endParaRPr lang="en-US"/>
           </a:p>
@@ -688,7 +688,7 @@
           <a:p>
             <a:fld id="{175E823A-2A1D-5E4A-9A38-6447958F9406}" type="datetimeFigureOut">
               <a:rPr lang="en-US" smtClean="0"/>
-              <a:t>1/29/2018</a:t>
+              <a:t>1/30/2018</a:t>
             </a:fld>
             <a:endParaRPr lang="en-US"/>
           </a:p>
@@ -858,7 +858,7 @@
           <a:p>
             <a:fld id="{175E823A-2A1D-5E4A-9A38-6447958F9406}" type="datetimeFigureOut">
               <a:rPr lang="en-US" smtClean="0"/>
-              <a:t>1/29/2018</a:t>
+              <a:t>1/30/2018</a:t>
             </a:fld>
             <a:endParaRPr lang="en-US"/>
           </a:p>
@@ -1038,7 +1038,7 @@
           <a:p>
             <a:fld id="{175E823A-2A1D-5E4A-9A38-6447958F9406}" type="datetimeFigureOut">
               <a:rPr lang="en-US" smtClean="0"/>
-              <a:t>1/29/2018</a:t>
+              <a:t>1/30/2018</a:t>
             </a:fld>
             <a:endParaRPr lang="en-US"/>
           </a:p>
@@ -1208,7 +1208,7 @@
           <a:p>
             <a:fld id="{175E823A-2A1D-5E4A-9A38-6447958F9406}" type="datetimeFigureOut">
               <a:rPr lang="en-US" smtClean="0"/>
-              <a:t>1/29/2018</a:t>
+              <a:t>1/30/2018</a:t>
             </a:fld>
             <a:endParaRPr lang="en-US"/>
           </a:p>
@@ -1454,7 +1454,7 @@
           <a:p>
             <a:fld id="{175E823A-2A1D-5E4A-9A38-6447958F9406}" type="datetimeFigureOut">
               <a:rPr lang="en-US" smtClean="0"/>
-              <a:t>1/29/2018</a:t>
+              <a:t>1/30/2018</a:t>
             </a:fld>
             <a:endParaRPr lang="en-US"/>
           </a:p>
@@ -1686,7 +1686,7 @@
           <a:p>
             <a:fld id="{175E823A-2A1D-5E4A-9A38-6447958F9406}" type="datetimeFigureOut">
               <a:rPr lang="en-US" smtClean="0"/>
-              <a:t>1/29/2018</a:t>
+              <a:t>1/30/2018</a:t>
             </a:fld>
             <a:endParaRPr lang="en-US"/>
           </a:p>
@@ -2053,7 +2053,7 @@
           <a:p>
             <a:fld id="{175E823A-2A1D-5E4A-9A38-6447958F9406}" type="datetimeFigureOut">
               <a:rPr lang="en-US" smtClean="0"/>
-              <a:t>1/29/2018</a:t>
+              <a:t>1/30/2018</a:t>
             </a:fld>
             <a:endParaRPr lang="en-US"/>
           </a:p>
@@ -2171,7 +2171,7 @@
           <a:p>
             <a:fld id="{175E823A-2A1D-5E4A-9A38-6447958F9406}" type="datetimeFigureOut">
               <a:rPr lang="en-US" smtClean="0"/>
-              <a:t>1/29/2018</a:t>
+              <a:t>1/30/2018</a:t>
             </a:fld>
             <a:endParaRPr lang="en-US"/>
           </a:p>
@@ -2266,7 +2266,7 @@
           <a:p>
             <a:fld id="{175E823A-2A1D-5E4A-9A38-6447958F9406}" type="datetimeFigureOut">
               <a:rPr lang="en-US" smtClean="0"/>
-              <a:t>1/29/2018</a:t>
+              <a:t>1/30/2018</a:t>
             </a:fld>
             <a:endParaRPr lang="en-US"/>
           </a:p>
@@ -2543,7 +2543,7 @@
           <a:p>
             <a:fld id="{175E823A-2A1D-5E4A-9A38-6447958F9406}" type="datetimeFigureOut">
               <a:rPr lang="en-US" smtClean="0"/>
-              <a:t>1/29/2018</a:t>
+              <a:t>1/30/2018</a:t>
             </a:fld>
             <a:endParaRPr lang="en-US"/>
           </a:p>
@@ -2800,7 +2800,7 @@
           <a:p>
             <a:fld id="{175E823A-2A1D-5E4A-9A38-6447958F9406}" type="datetimeFigureOut">
               <a:rPr lang="en-US" smtClean="0"/>
-              <a:t>1/29/2018</a:t>
+              <a:t>1/30/2018</a:t>
             </a:fld>
             <a:endParaRPr lang="en-US"/>
           </a:p>
@@ -3013,7 +3013,7 @@
           <a:p>
             <a:fld id="{175E823A-2A1D-5E4A-9A38-6447958F9406}" type="datetimeFigureOut">
               <a:rPr lang="en-US" smtClean="0"/>
-              <a:t>1/29/2018</a:t>
+              <a:t>1/30/2018</a:t>
             </a:fld>
             <a:endParaRPr lang="en-US"/>
           </a:p>
@@ -5416,19 +5416,18 @@
             <p:cNvCxnSpPr>
               <a:cxnSpLocks/>
               <a:stCxn id="222" idx="1"/>
-              <a:endCxn id="6" idx="0"/>
+              <a:endCxn id="5" idx="1"/>
             </p:cNvCxnSpPr>
             <p:nvPr/>
           </p:nvCxnSpPr>
           <p:spPr>
             <a:xfrm rot="10800000">
-              <a:off x="1698732" y="1698455"/>
-              <a:ext cx="2481736" cy="3683663"/>
+              <a:off x="917190" y="2616609"/>
+              <a:ext cx="3263278" cy="2765508"/>
             </a:xfrm>
-            <a:prstGeom prst="bentConnector4">
+            <a:prstGeom prst="bentConnector3">
               <a:avLst>
-                <a:gd name="adj1" fmla="val 152849"/>
-                <a:gd name="adj2" fmla="val 106206"/>
+                <a:gd name="adj1" fmla="val 118431"/>
               </a:avLst>
             </a:prstGeom>
             <a:ln>

--- a/Finger Recognition by TensorFlow Models on Android.pptx
+++ b/Finger Recognition by TensorFlow Models on Android.pptx
@@ -3542,7 +3542,7 @@
                 <a:ea typeface="Consolas" charset="0"/>
                 <a:cs typeface="Consolas" charset="0"/>
               </a:rPr>
-              <a:t>RecognizationActivity.java</a:t>
+              <a:t>RecognitionActivity.java</a:t>
             </a:r>
           </a:p>
           <a:p>
@@ -3559,7 +3559,23 @@
                 <a:ea typeface="Consolas" charset="0"/>
                 <a:cs typeface="Consolas" charset="0"/>
               </a:rPr>
-              <a:t>activity_recognization.xml</a:t>
+              <a:t>activity</a:t>
+            </a:r>
+            <a:r>
+              <a:rPr lang="en-US" sz="1200">
+                <a:latin typeface="Consolas" charset="0"/>
+                <a:ea typeface="Consolas" charset="0"/>
+                <a:cs typeface="Consolas" charset="0"/>
+              </a:rPr>
+              <a:t>_recognition</a:t>
+            </a:r>
+            <a:r>
+              <a:rPr lang="en-US" sz="1200" dirty="0">
+                <a:latin typeface="Consolas" charset="0"/>
+                <a:ea typeface="Consolas" charset="0"/>
+                <a:cs typeface="Consolas" charset="0"/>
+              </a:rPr>
+              <a:t>.xml</a:t>
             </a:r>
           </a:p>
         </p:txBody>

--- a/Finger Recognition by TensorFlow Models on Android.pptx
+++ b/Finger Recognition by TensorFlow Models on Android.pptx
@@ -3594,7 +3594,7 @@
         </p:nvCxnSpPr>
         <p:spPr>
           <a:xfrm>
-            <a:off x="8545563" y="416210"/>
+            <a:off x="8678726" y="416210"/>
             <a:ext cx="0" cy="6245352"/>
           </a:xfrm>
           <a:prstGeom prst="line">
@@ -3624,50 +3624,334 @@
           </a:fontRef>
         </p:style>
       </p:cxnSp>
+      <p:sp>
+        <p:nvSpPr>
+          <p:cNvPr id="5" name="Rounded Rectangle 4"/>
+          <p:cNvSpPr/>
+          <p:nvPr/>
+        </p:nvSpPr>
+        <p:spPr>
+          <a:xfrm>
+            <a:off x="917190" y="2421223"/>
+            <a:ext cx="1563083" cy="390771"/>
+          </a:xfrm>
+          <a:prstGeom prst="roundRect">
+            <a:avLst/>
+          </a:prstGeom>
+        </p:spPr>
+        <p:style>
+          <a:lnRef idx="2">
+            <a:schemeClr val="accent1"/>
+          </a:lnRef>
+          <a:fillRef idx="1">
+            <a:schemeClr val="lt1"/>
+          </a:fillRef>
+          <a:effectRef idx="0">
+            <a:schemeClr val="accent1"/>
+          </a:effectRef>
+          <a:fontRef idx="minor">
+            <a:schemeClr val="dk1"/>
+          </a:fontRef>
+        </p:style>
+        <p:txBody>
+          <a:bodyPr rtlCol="0" anchor="ctr"/>
+          <a:lstStyle/>
+          <a:p>
+            <a:pPr algn="ctr"/>
+            <a:r>
+              <a:rPr lang="en-US" sz="1200" b="1" dirty="0">
+                <a:latin typeface="DengXian" charset="-122"/>
+                <a:ea typeface="DengXian" charset="-122"/>
+                <a:cs typeface="DengXian" charset="-122"/>
+              </a:rPr>
+              <a:t>Take a Photo</a:t>
+            </a:r>
+          </a:p>
+        </p:txBody>
+      </p:sp>
+      <p:sp>
+        <p:nvSpPr>
+          <p:cNvPr id="6" name="Rounded Rectangle 5"/>
+          <p:cNvSpPr/>
+          <p:nvPr/>
+        </p:nvSpPr>
+        <p:spPr>
+          <a:xfrm>
+            <a:off x="917190" y="1698454"/>
+            <a:ext cx="1563083" cy="390771"/>
+          </a:xfrm>
+          <a:prstGeom prst="roundRect">
+            <a:avLst/>
+          </a:prstGeom>
+        </p:spPr>
+        <p:style>
+          <a:lnRef idx="2">
+            <a:schemeClr val="accent1"/>
+          </a:lnRef>
+          <a:fillRef idx="1">
+            <a:schemeClr val="lt1"/>
+          </a:fillRef>
+          <a:effectRef idx="0">
+            <a:schemeClr val="accent1"/>
+          </a:effectRef>
+          <a:fontRef idx="minor">
+            <a:schemeClr val="dk1"/>
+          </a:fontRef>
+        </p:style>
+        <p:txBody>
+          <a:bodyPr rtlCol="0" anchor="ctr"/>
+          <a:lstStyle/>
+          <a:p>
+            <a:pPr algn="ctr"/>
+            <a:r>
+              <a:rPr lang="en-US" sz="1200" b="1" dirty="0">
+                <a:latin typeface="DengXian" charset="-122"/>
+                <a:ea typeface="DengXian" charset="-122"/>
+                <a:cs typeface="DengXian" charset="-122"/>
+              </a:rPr>
+              <a:t>Launch App</a:t>
+            </a:r>
+          </a:p>
+        </p:txBody>
+      </p:sp>
+      <p:sp>
+        <p:nvSpPr>
+          <p:cNvPr id="11" name="Rounded Rectangle 10"/>
+          <p:cNvSpPr/>
+          <p:nvPr/>
+        </p:nvSpPr>
+        <p:spPr>
+          <a:xfrm>
+            <a:off x="9567150" y="5591154"/>
+            <a:ext cx="1563083" cy="390771"/>
+          </a:xfrm>
+          <a:prstGeom prst="roundRect">
+            <a:avLst/>
+          </a:prstGeom>
+        </p:spPr>
+        <p:style>
+          <a:lnRef idx="2">
+            <a:schemeClr val="accent1"/>
+          </a:lnRef>
+          <a:fillRef idx="1">
+            <a:schemeClr val="lt1"/>
+          </a:fillRef>
+          <a:effectRef idx="0">
+            <a:schemeClr val="accent1"/>
+          </a:effectRef>
+          <a:fontRef idx="minor">
+            <a:schemeClr val="dk1"/>
+          </a:fontRef>
+        </p:style>
+        <p:txBody>
+          <a:bodyPr rtlCol="0" anchor="ctr"/>
+          <a:lstStyle/>
+          <a:p>
+            <a:pPr algn="ctr"/>
+            <a:r>
+              <a:rPr lang="en-US" sz="1200" b="1" dirty="0">
+                <a:latin typeface="DengXian" charset="-122"/>
+                <a:ea typeface="DengXian" charset="-122"/>
+                <a:cs typeface="DengXian" charset="-122"/>
+              </a:rPr>
+              <a:t>Web Search </a:t>
+            </a:r>
+          </a:p>
+        </p:txBody>
+      </p:sp>
+      <p:sp>
+        <p:nvSpPr>
+          <p:cNvPr id="32" name="Rectangle 31"/>
+          <p:cNvSpPr/>
+          <p:nvPr/>
+        </p:nvSpPr>
+        <p:spPr>
+          <a:xfrm>
+            <a:off x="1110526" y="3107944"/>
+            <a:ext cx="1172312" cy="244232"/>
+          </a:xfrm>
+          <a:prstGeom prst="rect">
+            <a:avLst/>
+          </a:prstGeom>
+        </p:spPr>
+        <p:style>
+          <a:lnRef idx="2">
+            <a:schemeClr val="dk1"/>
+          </a:lnRef>
+          <a:fillRef idx="1">
+            <a:schemeClr val="lt1"/>
+          </a:fillRef>
+          <a:effectRef idx="0">
+            <a:schemeClr val="dk1"/>
+          </a:effectRef>
+          <a:fontRef idx="minor">
+            <a:schemeClr val="dk1"/>
+          </a:fontRef>
+        </p:style>
+        <p:txBody>
+          <a:bodyPr rtlCol="0" anchor="ctr"/>
+          <a:lstStyle/>
+          <a:p>
+            <a:pPr algn="ctr"/>
+            <a:r>
+              <a:rPr lang="en-US" sz="1000" b="1" dirty="0">
+                <a:latin typeface="DengXian" charset="-122"/>
+                <a:ea typeface="DengXian" charset="-122"/>
+                <a:cs typeface="DengXian" charset="-122"/>
+              </a:rPr>
+              <a:t>Button: take</a:t>
+            </a:r>
+          </a:p>
+        </p:txBody>
+      </p:sp>
+      <p:cxnSp>
+        <p:nvCxnSpPr>
+          <p:cNvPr id="36" name="Straight Arrow Connector 35"/>
+          <p:cNvCxnSpPr>
+            <a:stCxn id="6" idx="2"/>
+            <a:endCxn id="5" idx="0"/>
+          </p:cNvCxnSpPr>
+          <p:nvPr/>
+        </p:nvCxnSpPr>
+        <p:spPr>
+          <a:xfrm>
+            <a:off x="1698732" y="2089226"/>
+            <a:ext cx="0" cy="331998"/>
+          </a:xfrm>
+          <a:prstGeom prst="straightConnector1">
+            <a:avLst/>
+          </a:prstGeom>
+          <a:ln>
+            <a:tailEnd type="triangle"/>
+          </a:ln>
+        </p:spPr>
+        <p:style>
+          <a:lnRef idx="1">
+            <a:schemeClr val="accent1"/>
+          </a:lnRef>
+          <a:fillRef idx="0">
+            <a:schemeClr val="accent1"/>
+          </a:fillRef>
+          <a:effectRef idx="0">
+            <a:schemeClr val="accent1"/>
+          </a:effectRef>
+          <a:fontRef idx="minor">
+            <a:schemeClr val="tx1"/>
+          </a:fontRef>
+        </p:style>
+      </p:cxnSp>
+      <p:cxnSp>
+        <p:nvCxnSpPr>
+          <p:cNvPr id="44" name="Straight Arrow Connector 43"/>
+          <p:cNvCxnSpPr>
+            <a:cxnSpLocks/>
+            <a:stCxn id="32" idx="2"/>
+            <a:endCxn id="42" idx="0"/>
+          </p:cNvCxnSpPr>
+          <p:nvPr/>
+        </p:nvCxnSpPr>
+        <p:spPr>
+          <a:xfrm flipH="1">
+            <a:off x="1695127" y="3352177"/>
+            <a:ext cx="1556" cy="266118"/>
+          </a:xfrm>
+          <a:prstGeom prst="straightConnector1">
+            <a:avLst/>
+          </a:prstGeom>
+          <a:ln>
+            <a:tailEnd type="triangle"/>
+          </a:ln>
+        </p:spPr>
+        <p:style>
+          <a:lnRef idx="1">
+            <a:schemeClr val="accent1"/>
+          </a:lnRef>
+          <a:fillRef idx="0">
+            <a:schemeClr val="accent1"/>
+          </a:fillRef>
+          <a:effectRef idx="0">
+            <a:schemeClr val="accent1"/>
+          </a:effectRef>
+          <a:fontRef idx="minor">
+            <a:schemeClr val="tx1"/>
+          </a:fontRef>
+        </p:style>
+      </p:cxnSp>
+      <p:cxnSp>
+        <p:nvCxnSpPr>
+          <p:cNvPr id="49" name="Straight Arrow Connector 48"/>
+          <p:cNvCxnSpPr>
+            <a:cxnSpLocks/>
+            <a:stCxn id="42" idx="2"/>
+            <a:endCxn id="122" idx="0"/>
+          </p:cNvCxnSpPr>
+          <p:nvPr/>
+        </p:nvCxnSpPr>
+        <p:spPr>
+          <a:xfrm flipH="1">
+            <a:off x="1690882" y="4009064"/>
+            <a:ext cx="4245" cy="471965"/>
+          </a:xfrm>
+          <a:prstGeom prst="straightConnector1">
+            <a:avLst/>
+          </a:prstGeom>
+          <a:ln>
+            <a:tailEnd type="triangle"/>
+          </a:ln>
+        </p:spPr>
+        <p:style>
+          <a:lnRef idx="1">
+            <a:schemeClr val="accent1"/>
+          </a:lnRef>
+          <a:fillRef idx="0">
+            <a:schemeClr val="accent1"/>
+          </a:fillRef>
+          <a:effectRef idx="0">
+            <a:schemeClr val="accent1"/>
+          </a:effectRef>
+          <a:fontRef idx="minor">
+            <a:schemeClr val="tx1"/>
+          </a:fontRef>
+        </p:style>
+      </p:cxnSp>
       <p:grpSp>
         <p:nvGrpSpPr>
-          <p:cNvPr id="174" name="Group 173">
-            <a:extLst>
-              <a:ext uri="{FF2B5EF4-FFF2-40B4-BE49-F238E27FC236}">
-                <a16:creationId xmlns:a16="http://schemas.microsoft.com/office/drawing/2014/main" id="{B27D17F5-2C83-4599-AD57-AA406DD636E0}"/>
-              </a:ext>
-            </a:extLst>
-          </p:cNvPr>
+          <p:cNvPr id="158" name="Group 157"/>
           <p:cNvGrpSpPr/>
           <p:nvPr/>
         </p:nvGrpSpPr>
         <p:grpSpPr>
           <a:xfrm>
-            <a:off x="864739" y="1518009"/>
-            <a:ext cx="11136760" cy="4015215"/>
-            <a:chOff x="864739" y="1518009"/>
-            <a:chExt cx="11136760" cy="4015215"/>
+            <a:off x="864739" y="3538886"/>
+            <a:ext cx="2231101" cy="710302"/>
+            <a:chOff x="913999" y="2247702"/>
+            <a:chExt cx="2088302" cy="664840"/>
           </a:xfrm>
         </p:grpSpPr>
         <p:sp>
           <p:nvSpPr>
-            <p:cNvPr id="5" name="Rounded Rectangle 4"/>
+            <p:cNvPr id="42" name="Diamond 41"/>
             <p:cNvSpPr/>
             <p:nvPr/>
           </p:nvSpPr>
           <p:spPr>
             <a:xfrm>
-              <a:off x="917190" y="2421223"/>
-              <a:ext cx="1563083" cy="390771"/>
+              <a:off x="913999" y="2322027"/>
+              <a:ext cx="1554480" cy="365760"/>
             </a:xfrm>
-            <a:prstGeom prst="roundRect">
+            <a:prstGeom prst="diamond">
               <a:avLst/>
             </a:prstGeom>
           </p:spPr>
           <p:style>
             <a:lnRef idx="2">
-              <a:schemeClr val="accent1"/>
+              <a:schemeClr val="accent6"/>
             </a:lnRef>
             <a:fillRef idx="1">
               <a:schemeClr val="lt1"/>
             </a:fillRef>
             <a:effectRef idx="0">
-              <a:schemeClr val="accent1"/>
+              <a:schemeClr val="accent6"/>
             </a:effectRef>
             <a:fontRef idx="minor">
               <a:schemeClr val="dk1"/>
@@ -3679,437 +3963,26 @@
             <a:p>
               <a:pPr algn="ctr"/>
               <a:r>
-                <a:rPr lang="en-US" sz="1200" b="1" dirty="0">
+                <a:rPr lang="en-US" sz="1100" b="1" dirty="0">
                   <a:latin typeface="DengXian" charset="-122"/>
                   <a:ea typeface="DengXian" charset="-122"/>
                   <a:cs typeface="DengXian" charset="-122"/>
                 </a:rPr>
-                <a:t>Take a Photo</a:t>
+                <a:t>Satisfied?</a:t>
               </a:r>
             </a:p>
           </p:txBody>
         </p:sp>
         <p:sp>
           <p:nvSpPr>
-            <p:cNvPr id="6" name="Rounded Rectangle 5"/>
-            <p:cNvSpPr/>
-            <p:nvPr/>
-          </p:nvSpPr>
-          <p:spPr>
-            <a:xfrm>
-              <a:off x="917190" y="1698454"/>
-              <a:ext cx="1563083" cy="390771"/>
-            </a:xfrm>
-            <a:prstGeom prst="roundRect">
-              <a:avLst/>
-            </a:prstGeom>
-          </p:spPr>
-          <p:style>
-            <a:lnRef idx="2">
-              <a:schemeClr val="accent1"/>
-            </a:lnRef>
-            <a:fillRef idx="1">
-              <a:schemeClr val="lt1"/>
-            </a:fillRef>
-            <a:effectRef idx="0">
-              <a:schemeClr val="accent1"/>
-            </a:effectRef>
-            <a:fontRef idx="minor">
-              <a:schemeClr val="dk1"/>
-            </a:fontRef>
-          </p:style>
-          <p:txBody>
-            <a:bodyPr rtlCol="0" anchor="ctr"/>
-            <a:lstStyle/>
-            <a:p>
-              <a:pPr algn="ctr"/>
-              <a:r>
-                <a:rPr lang="en-US" sz="1200" b="1" dirty="0">
-                  <a:latin typeface="DengXian" charset="-122"/>
-                  <a:ea typeface="DengXian" charset="-122"/>
-                  <a:cs typeface="DengXian" charset="-122"/>
-                </a:rPr>
-                <a:t>Launch App</a:t>
-              </a:r>
-            </a:p>
-          </p:txBody>
-        </p:sp>
-        <p:sp>
-          <p:nvSpPr>
-            <p:cNvPr id="11" name="Rounded Rectangle 10"/>
-            <p:cNvSpPr/>
-            <p:nvPr/>
-          </p:nvSpPr>
-          <p:spPr>
-            <a:xfrm>
-              <a:off x="9754566" y="5142453"/>
-              <a:ext cx="1563083" cy="390771"/>
-            </a:xfrm>
-            <a:prstGeom prst="roundRect">
-              <a:avLst/>
-            </a:prstGeom>
-          </p:spPr>
-          <p:style>
-            <a:lnRef idx="2">
-              <a:schemeClr val="accent1"/>
-            </a:lnRef>
-            <a:fillRef idx="1">
-              <a:schemeClr val="lt1"/>
-            </a:fillRef>
-            <a:effectRef idx="0">
-              <a:schemeClr val="accent1"/>
-            </a:effectRef>
-            <a:fontRef idx="minor">
-              <a:schemeClr val="dk1"/>
-            </a:fontRef>
-          </p:style>
-          <p:txBody>
-            <a:bodyPr rtlCol="0" anchor="ctr"/>
-            <a:lstStyle/>
-            <a:p>
-              <a:pPr algn="ctr"/>
-              <a:r>
-                <a:rPr lang="en-US" sz="1200" b="1" dirty="0">
-                  <a:latin typeface="DengXian" charset="-122"/>
-                  <a:ea typeface="DengXian" charset="-122"/>
-                  <a:cs typeface="DengXian" charset="-122"/>
-                </a:rPr>
-                <a:t>Web Search </a:t>
-              </a:r>
-            </a:p>
-          </p:txBody>
-        </p:sp>
-        <p:sp>
-          <p:nvSpPr>
-            <p:cNvPr id="32" name="Rectangle 31"/>
-            <p:cNvSpPr/>
-            <p:nvPr/>
-          </p:nvSpPr>
-          <p:spPr>
-            <a:xfrm>
-              <a:off x="1110526" y="3107944"/>
-              <a:ext cx="1172312" cy="244232"/>
-            </a:xfrm>
-            <a:prstGeom prst="rect">
-              <a:avLst/>
-            </a:prstGeom>
-          </p:spPr>
-          <p:style>
-            <a:lnRef idx="2">
-              <a:schemeClr val="dk1"/>
-            </a:lnRef>
-            <a:fillRef idx="1">
-              <a:schemeClr val="lt1"/>
-            </a:fillRef>
-            <a:effectRef idx="0">
-              <a:schemeClr val="dk1"/>
-            </a:effectRef>
-            <a:fontRef idx="minor">
-              <a:schemeClr val="dk1"/>
-            </a:fontRef>
-          </p:style>
-          <p:txBody>
-            <a:bodyPr rtlCol="0" anchor="ctr"/>
-            <a:lstStyle/>
-            <a:p>
-              <a:pPr algn="ctr"/>
-              <a:r>
-                <a:rPr lang="en-US" sz="1000" b="1" dirty="0">
-                  <a:latin typeface="DengXian" charset="-122"/>
-                  <a:ea typeface="DengXian" charset="-122"/>
-                  <a:cs typeface="DengXian" charset="-122"/>
-                </a:rPr>
-                <a:t>Button: take</a:t>
-              </a:r>
-            </a:p>
-          </p:txBody>
-        </p:sp>
-        <p:cxnSp>
-          <p:nvCxnSpPr>
-            <p:cNvPr id="36" name="Straight Arrow Connector 35"/>
-            <p:cNvCxnSpPr>
-              <a:stCxn id="6" idx="2"/>
-              <a:endCxn id="5" idx="0"/>
-            </p:cNvCxnSpPr>
-            <p:nvPr/>
-          </p:nvCxnSpPr>
-          <p:spPr>
-            <a:xfrm>
-              <a:off x="1698732" y="2089226"/>
-              <a:ext cx="0" cy="331998"/>
-            </a:xfrm>
-            <a:prstGeom prst="straightConnector1">
-              <a:avLst/>
-            </a:prstGeom>
-            <a:ln>
-              <a:tailEnd type="triangle"/>
-            </a:ln>
-          </p:spPr>
-          <p:style>
-            <a:lnRef idx="1">
-              <a:schemeClr val="accent1"/>
-            </a:lnRef>
-            <a:fillRef idx="0">
-              <a:schemeClr val="accent1"/>
-            </a:fillRef>
-            <a:effectRef idx="0">
-              <a:schemeClr val="accent1"/>
-            </a:effectRef>
-            <a:fontRef idx="minor">
-              <a:schemeClr val="tx1"/>
-            </a:fontRef>
-          </p:style>
-        </p:cxnSp>
-        <p:cxnSp>
-          <p:nvCxnSpPr>
-            <p:cNvPr id="44" name="Straight Arrow Connector 43"/>
-            <p:cNvCxnSpPr>
-              <a:cxnSpLocks/>
-              <a:stCxn id="32" idx="2"/>
-              <a:endCxn id="42" idx="0"/>
-            </p:cNvCxnSpPr>
-            <p:nvPr/>
-          </p:nvCxnSpPr>
-          <p:spPr>
-            <a:xfrm flipH="1">
-              <a:off x="1695127" y="3352177"/>
-              <a:ext cx="1556" cy="266118"/>
-            </a:xfrm>
-            <a:prstGeom prst="straightConnector1">
-              <a:avLst/>
-            </a:prstGeom>
-            <a:ln>
-              <a:tailEnd type="triangle"/>
-            </a:ln>
-          </p:spPr>
-          <p:style>
-            <a:lnRef idx="1">
-              <a:schemeClr val="accent1"/>
-            </a:lnRef>
-            <a:fillRef idx="0">
-              <a:schemeClr val="accent1"/>
-            </a:fillRef>
-            <a:effectRef idx="0">
-              <a:schemeClr val="accent1"/>
-            </a:effectRef>
-            <a:fontRef idx="minor">
-              <a:schemeClr val="tx1"/>
-            </a:fontRef>
-          </p:style>
-        </p:cxnSp>
-        <p:cxnSp>
-          <p:nvCxnSpPr>
-            <p:cNvPr id="49" name="Straight Arrow Connector 48"/>
-            <p:cNvCxnSpPr>
-              <a:cxnSpLocks/>
-              <a:stCxn id="42" idx="2"/>
-              <a:endCxn id="122" idx="0"/>
-            </p:cNvCxnSpPr>
-            <p:nvPr/>
-          </p:nvCxnSpPr>
-          <p:spPr>
-            <a:xfrm flipH="1">
-              <a:off x="1690882" y="4009064"/>
-              <a:ext cx="4245" cy="471965"/>
-            </a:xfrm>
-            <a:prstGeom prst="straightConnector1">
-              <a:avLst/>
-            </a:prstGeom>
-            <a:ln>
-              <a:tailEnd type="triangle"/>
-            </a:ln>
-          </p:spPr>
-          <p:style>
-            <a:lnRef idx="1">
-              <a:schemeClr val="accent1"/>
-            </a:lnRef>
-            <a:fillRef idx="0">
-              <a:schemeClr val="accent1"/>
-            </a:fillRef>
-            <a:effectRef idx="0">
-              <a:schemeClr val="accent1"/>
-            </a:effectRef>
-            <a:fontRef idx="minor">
-              <a:schemeClr val="tx1"/>
-            </a:fontRef>
-          </p:style>
-        </p:cxnSp>
-        <p:grpSp>
-          <p:nvGrpSpPr>
-            <p:cNvPr id="158" name="Group 157"/>
-            <p:cNvGrpSpPr/>
-            <p:nvPr/>
-          </p:nvGrpSpPr>
-          <p:grpSpPr>
-            <a:xfrm>
-              <a:off x="864739" y="3538886"/>
-              <a:ext cx="2231101" cy="710302"/>
-              <a:chOff x="913999" y="2247702"/>
-              <a:chExt cx="2088302" cy="664840"/>
-            </a:xfrm>
-          </p:grpSpPr>
-          <p:sp>
-            <p:nvSpPr>
-              <p:cNvPr id="42" name="Diamond 41"/>
-              <p:cNvSpPr/>
-              <p:nvPr/>
-            </p:nvSpPr>
-            <p:spPr>
-              <a:xfrm>
-                <a:off x="913999" y="2322027"/>
-                <a:ext cx="1554480" cy="365760"/>
-              </a:xfrm>
-              <a:prstGeom prst="diamond">
-                <a:avLst/>
-              </a:prstGeom>
-            </p:spPr>
-            <p:style>
-              <a:lnRef idx="2">
-                <a:schemeClr val="accent6"/>
-              </a:lnRef>
-              <a:fillRef idx="1">
-                <a:schemeClr val="lt1"/>
-              </a:fillRef>
-              <a:effectRef idx="0">
-                <a:schemeClr val="accent6"/>
-              </a:effectRef>
-              <a:fontRef idx="minor">
-                <a:schemeClr val="dk1"/>
-              </a:fontRef>
-            </p:style>
-            <p:txBody>
-              <a:bodyPr rtlCol="0" anchor="ctr"/>
-              <a:lstStyle/>
-              <a:p>
-                <a:pPr algn="ctr"/>
-                <a:r>
-                  <a:rPr lang="en-US" sz="1100" b="1" dirty="0">
-                    <a:latin typeface="DengXian" charset="-122"/>
-                    <a:ea typeface="DengXian" charset="-122"/>
-                    <a:cs typeface="DengXian" charset="-122"/>
-                  </a:rPr>
-                  <a:t>Satisfied?</a:t>
-                </a:r>
-              </a:p>
-            </p:txBody>
-          </p:sp>
-          <p:sp>
-            <p:nvSpPr>
-              <p:cNvPr id="54" name="TextBox 53"/>
-              <p:cNvSpPr txBox="1"/>
-              <p:nvPr/>
-            </p:nvSpPr>
-            <p:spPr>
-              <a:xfrm>
-                <a:off x="1680382" y="2666321"/>
-                <a:ext cx="592339" cy="246221"/>
-              </a:xfrm>
-              <a:prstGeom prst="rect">
-                <a:avLst/>
-              </a:prstGeom>
-              <a:noFill/>
-            </p:spPr>
-            <p:txBody>
-              <a:bodyPr wrap="square" rtlCol="0">
-                <a:spAutoFit/>
-              </a:bodyPr>
-              <a:lstStyle/>
-              <a:p>
-                <a:r>
-                  <a:rPr lang="en-US" sz="1000" b="1" dirty="0">
-                    <a:latin typeface="DengXian" charset="-122"/>
-                    <a:ea typeface="DengXian" charset="-122"/>
-                    <a:cs typeface="DengXian" charset="-122"/>
-                  </a:rPr>
-                  <a:t>YES</a:t>
-                </a:r>
-              </a:p>
-            </p:txBody>
-          </p:sp>
-          <p:sp>
-            <p:nvSpPr>
-              <p:cNvPr id="60" name="TextBox 59"/>
-              <p:cNvSpPr txBox="1"/>
-              <p:nvPr/>
-            </p:nvSpPr>
-            <p:spPr>
-              <a:xfrm>
-                <a:off x="2409962" y="2247702"/>
-                <a:ext cx="592339" cy="246221"/>
-              </a:xfrm>
-              <a:prstGeom prst="rect">
-                <a:avLst/>
-              </a:prstGeom>
-              <a:noFill/>
-            </p:spPr>
-            <p:txBody>
-              <a:bodyPr wrap="square" rtlCol="0">
-                <a:spAutoFit/>
-              </a:bodyPr>
-              <a:lstStyle/>
-              <a:p>
-                <a:r>
-                  <a:rPr lang="en-US" sz="1000" b="1" dirty="0">
-                    <a:latin typeface="DengXian" charset="-122"/>
-                    <a:ea typeface="DengXian" charset="-122"/>
-                    <a:cs typeface="DengXian" charset="-122"/>
-                  </a:rPr>
-                  <a:t>No</a:t>
-                </a:r>
-              </a:p>
-            </p:txBody>
-          </p:sp>
-        </p:grpSp>
-        <p:cxnSp>
-          <p:nvCxnSpPr>
-            <p:cNvPr id="103" name="Elbow Connector 102"/>
-            <p:cNvCxnSpPr>
-              <a:cxnSpLocks/>
-              <a:stCxn id="157" idx="3"/>
-              <a:endCxn id="11" idx="2"/>
-            </p:cNvCxnSpPr>
-            <p:nvPr/>
-          </p:nvCxnSpPr>
-          <p:spPr>
-            <a:xfrm>
-              <a:off x="8391766" y="4500343"/>
-              <a:ext cx="2144342" cy="1032881"/>
-            </a:xfrm>
-            <a:prstGeom prst="bentConnector4">
-              <a:avLst>
-                <a:gd name="adj1" fmla="val 31777"/>
-                <a:gd name="adj2" fmla="val 159019"/>
-              </a:avLst>
-            </a:prstGeom>
-            <a:ln>
-              <a:tailEnd type="triangle"/>
-            </a:ln>
-          </p:spPr>
-          <p:style>
-            <a:lnRef idx="1">
-              <a:schemeClr val="accent1"/>
-            </a:lnRef>
-            <a:fillRef idx="0">
-              <a:schemeClr val="accent1"/>
-            </a:fillRef>
-            <a:effectRef idx="0">
-              <a:schemeClr val="accent1"/>
-            </a:effectRef>
-            <a:fontRef idx="minor">
-              <a:schemeClr val="tx1"/>
-            </a:fontRef>
-          </p:style>
-        </p:cxnSp>
-        <p:sp>
-          <p:nvSpPr>
-            <p:cNvPr id="105" name="TextBox 104"/>
+            <p:cNvPr id="54" name="TextBox 53"/>
             <p:cNvSpPr txBox="1"/>
             <p:nvPr/>
           </p:nvSpPr>
           <p:spPr>
             <a:xfrm>
-              <a:off x="6401222" y="4254403"/>
-              <a:ext cx="818463" cy="261610"/>
+              <a:off x="1680382" y="2666321"/>
+              <a:ext cx="592339" cy="246221"/>
             </a:xfrm>
             <a:prstGeom prst="rect">
               <a:avLst/>
@@ -4122,884 +3995,27 @@
             </a:bodyPr>
             <a:lstStyle/>
             <a:p>
-              <a:pPr marL="171450" indent="-171450">
-                <a:buFont typeface="Arial" panose="020B0604020202020204" pitchFamily="34" charset="0"/>
-                <a:buChar char="•"/>
-              </a:pPr>
               <a:r>
-                <a:rPr lang="en-US" sz="1100" b="1" dirty="0">
+                <a:rPr lang="en-US" sz="1000" b="1" dirty="0">
                   <a:latin typeface="DengXian" charset="-122"/>
                   <a:ea typeface="DengXian" charset="-122"/>
                   <a:cs typeface="DengXian" charset="-122"/>
                 </a:rPr>
-                <a:t>FINISH</a:t>
+                <a:t>YES</a:t>
               </a:r>
             </a:p>
           </p:txBody>
         </p:sp>
         <p:sp>
           <p:nvSpPr>
-            <p:cNvPr id="122" name="Rectangle 121"/>
-            <p:cNvSpPr/>
-            <p:nvPr/>
-          </p:nvSpPr>
-          <p:spPr>
-            <a:xfrm>
-              <a:off x="1104726" y="4481028"/>
-              <a:ext cx="1172312" cy="244232"/>
-            </a:xfrm>
-            <a:prstGeom prst="rect">
-              <a:avLst/>
-            </a:prstGeom>
-          </p:spPr>
-          <p:style>
-            <a:lnRef idx="2">
-              <a:schemeClr val="dk1"/>
-            </a:lnRef>
-            <a:fillRef idx="1">
-              <a:schemeClr val="lt1"/>
-            </a:fillRef>
-            <a:effectRef idx="0">
-              <a:schemeClr val="dk1"/>
-            </a:effectRef>
-            <a:fontRef idx="minor">
-              <a:schemeClr val="dk1"/>
-            </a:fontRef>
-          </p:style>
-          <p:txBody>
-            <a:bodyPr rtlCol="0" anchor="ctr"/>
-            <a:lstStyle/>
-            <a:p>
-              <a:pPr algn="ctr"/>
-              <a:r>
-                <a:rPr lang="en-US" sz="1000" b="1" dirty="0">
-                  <a:latin typeface="DengXian" charset="-122"/>
-                  <a:ea typeface="DengXian" charset="-122"/>
-                  <a:cs typeface="DengXian" charset="-122"/>
-                </a:rPr>
-                <a:t>Button: next</a:t>
-              </a:r>
-            </a:p>
-          </p:txBody>
-        </p:sp>
-        <p:cxnSp>
-          <p:nvCxnSpPr>
-            <p:cNvPr id="192" name="Straight Arrow Connector 191"/>
-            <p:cNvCxnSpPr>
-              <a:stCxn id="11" idx="0"/>
-              <a:endCxn id="188" idx="2"/>
-            </p:cNvCxnSpPr>
-            <p:nvPr/>
-          </p:nvCxnSpPr>
-          <p:spPr>
-            <a:xfrm flipV="1">
-              <a:off x="10536108" y="4448790"/>
-              <a:ext cx="1" cy="693663"/>
-            </a:xfrm>
-            <a:prstGeom prst="straightConnector1">
-              <a:avLst/>
-            </a:prstGeom>
-            <a:ln>
-              <a:tailEnd type="triangle"/>
-            </a:ln>
-          </p:spPr>
-          <p:style>
-            <a:lnRef idx="1">
-              <a:schemeClr val="accent1"/>
-            </a:lnRef>
-            <a:fillRef idx="0">
-              <a:schemeClr val="accent1"/>
-            </a:fillRef>
-            <a:effectRef idx="0">
-              <a:schemeClr val="accent1"/>
-            </a:effectRef>
-            <a:fontRef idx="minor">
-              <a:schemeClr val="tx1"/>
-            </a:fontRef>
-          </p:style>
-        </p:cxnSp>
-        <p:grpSp>
-          <p:nvGrpSpPr>
-            <p:cNvPr id="149" name="Group 148">
-              <a:extLst>
-                <a:ext uri="{FF2B5EF4-FFF2-40B4-BE49-F238E27FC236}">
-                  <a16:creationId xmlns:a16="http://schemas.microsoft.com/office/drawing/2014/main" id="{4A2AF51F-923C-45F9-B62D-3B44B01BF347}"/>
-                </a:ext>
-              </a:extLst>
-            </p:cNvPr>
-            <p:cNvGrpSpPr/>
-            <p:nvPr/>
-          </p:nvGrpSpPr>
-          <p:grpSpPr>
-            <a:xfrm>
-              <a:off x="9070718" y="1518009"/>
-              <a:ext cx="2930781" cy="2930781"/>
-              <a:chOff x="9070718" y="756009"/>
-              <a:chExt cx="2930781" cy="2930781"/>
-            </a:xfrm>
-          </p:grpSpPr>
-          <p:sp>
-            <p:nvSpPr>
-              <p:cNvPr id="188" name="Rounded Rectangle 187"/>
-              <p:cNvSpPr/>
-              <p:nvPr/>
-            </p:nvSpPr>
-            <p:spPr>
-              <a:xfrm>
-                <a:off x="9070718" y="756009"/>
-                <a:ext cx="2930781" cy="2930781"/>
-              </a:xfrm>
-              <a:prstGeom prst="roundRect">
-                <a:avLst/>
-              </a:prstGeom>
-              <a:ln>
-                <a:prstDash val="sysDot"/>
-              </a:ln>
-            </p:spPr>
-            <p:style>
-              <a:lnRef idx="2">
-                <a:schemeClr val="accent1"/>
-              </a:lnRef>
-              <a:fillRef idx="1">
-                <a:schemeClr val="lt1"/>
-              </a:fillRef>
-              <a:effectRef idx="0">
-                <a:schemeClr val="accent1"/>
-              </a:effectRef>
-              <a:fontRef idx="minor">
-                <a:schemeClr val="dk1"/>
-              </a:fontRef>
-            </p:style>
-            <p:txBody>
-              <a:bodyPr rtlCol="0" anchor="ctr"/>
-              <a:lstStyle/>
-              <a:p>
-                <a:pPr algn="ctr"/>
-                <a:r>
-                  <a:rPr lang="en-US" sz="1200" b="1" dirty="0">
-                    <a:latin typeface="DengXian" charset="-122"/>
-                    <a:ea typeface="DengXian" charset="-122"/>
-                    <a:cs typeface="DengXian" charset="-122"/>
-                  </a:rPr>
-                  <a:t>Present Results in Multi Languages:</a:t>
-                </a:r>
-              </a:p>
-              <a:p>
-                <a:pPr algn="ctr"/>
-                <a:endParaRPr lang="en-US" sz="1200" b="1" dirty="0">
-                  <a:latin typeface="DengXian" charset="-122"/>
-                  <a:ea typeface="DengXian" charset="-122"/>
-                  <a:cs typeface="DengXian" charset="-122"/>
-                </a:endParaRPr>
-              </a:p>
-              <a:p>
-                <a:pPr marL="171450" indent="-171450">
-                  <a:buFont typeface="Arial" charset="0"/>
-                  <a:buChar char="•"/>
-                </a:pPr>
-                <a:endParaRPr lang="en-US" sz="1200" b="1" dirty="0">
-                  <a:latin typeface="DengXian" charset="-122"/>
-                  <a:ea typeface="DengXian" charset="-122"/>
-                  <a:cs typeface="DengXian" charset="-122"/>
-                </a:endParaRPr>
-              </a:p>
-              <a:p>
-                <a:pPr marL="171450" indent="-171450">
-                  <a:buFont typeface="Arial" charset="0"/>
-                  <a:buChar char="•"/>
-                </a:pPr>
-                <a:r>
-                  <a:rPr lang="en-US" sz="1200" b="1" dirty="0">
-                    <a:latin typeface="Times" charset="0"/>
-                    <a:ea typeface="Times" charset="0"/>
-                    <a:cs typeface="Times" charset="0"/>
-                  </a:rPr>
-                  <a:t>EN:    </a:t>
-                </a:r>
-                <a:r>
-                  <a:rPr lang="mr-IN" sz="1200" b="1" dirty="0">
-                    <a:latin typeface="Times" charset="0"/>
-                    <a:ea typeface="Times" charset="0"/>
-                    <a:cs typeface="Times" charset="0"/>
-                  </a:rPr>
-                  <a:t>……</a:t>
-                </a:r>
-                <a:endParaRPr lang="en-US" sz="1200" b="1" dirty="0">
-                  <a:latin typeface="Times" charset="0"/>
-                  <a:ea typeface="Times" charset="0"/>
-                  <a:cs typeface="Times" charset="0"/>
-                </a:endParaRPr>
-              </a:p>
-              <a:p>
-                <a:pPr marL="171450" indent="-171450">
-                  <a:buFont typeface="Arial" charset="0"/>
-                  <a:buChar char="•"/>
-                </a:pPr>
-                <a:endParaRPr lang="en-US" sz="1200" b="1" dirty="0">
-                  <a:latin typeface="Times" charset="0"/>
-                  <a:ea typeface="Times" charset="0"/>
-                  <a:cs typeface="Times" charset="0"/>
-                </a:endParaRPr>
-              </a:p>
-              <a:p>
-                <a:pPr marL="171450" indent="-171450">
-                  <a:buFont typeface="Arial" charset="0"/>
-                  <a:buChar char="•"/>
-                </a:pPr>
-                <a:endParaRPr lang="en-US" sz="1200" b="1" dirty="0">
-                  <a:latin typeface="Times" charset="0"/>
-                  <a:ea typeface="Times" charset="0"/>
-                  <a:cs typeface="Times" charset="0"/>
-                </a:endParaRPr>
-              </a:p>
-              <a:p>
-                <a:pPr marL="171450" indent="-171450">
-                  <a:buFont typeface="Arial" charset="0"/>
-                  <a:buChar char="•"/>
-                </a:pPr>
-                <a:r>
-                  <a:rPr lang="en-US" sz="1200" b="1" dirty="0">
-                    <a:latin typeface="Times" charset="0"/>
-                    <a:ea typeface="Times" charset="0"/>
-                    <a:cs typeface="Times" charset="0"/>
-                  </a:rPr>
-                  <a:t>FR:    </a:t>
-                </a:r>
-                <a:r>
-                  <a:rPr lang="mr-IN" sz="1200" b="1" dirty="0">
-                    <a:latin typeface="Times" charset="0"/>
-                    <a:ea typeface="Times" charset="0"/>
-                    <a:cs typeface="Times" charset="0"/>
-                  </a:rPr>
-                  <a:t>……</a:t>
-                </a:r>
-                <a:endParaRPr lang="en-US" sz="1200" b="1" dirty="0">
-                  <a:latin typeface="Times" charset="0"/>
-                  <a:ea typeface="Times" charset="0"/>
-                  <a:cs typeface="Times" charset="0"/>
-                </a:endParaRPr>
-              </a:p>
-              <a:p>
-                <a:pPr marL="171450" indent="-171450">
-                  <a:buFont typeface="Arial" charset="0"/>
-                  <a:buChar char="•"/>
-                </a:pPr>
-                <a:endParaRPr lang="en-US" sz="1200" b="1" dirty="0">
-                  <a:latin typeface="Times" charset="0"/>
-                  <a:ea typeface="Times" charset="0"/>
-                  <a:cs typeface="Times" charset="0"/>
-                </a:endParaRPr>
-              </a:p>
-              <a:p>
-                <a:pPr marL="171450" indent="-171450">
-                  <a:buFont typeface="Arial" charset="0"/>
-                  <a:buChar char="•"/>
-                </a:pPr>
-                <a:endParaRPr lang="en-US" sz="1200" b="1" dirty="0">
-                  <a:latin typeface="Times" charset="0"/>
-                  <a:ea typeface="Times" charset="0"/>
-                  <a:cs typeface="Times" charset="0"/>
-                </a:endParaRPr>
-              </a:p>
-              <a:p>
-                <a:pPr marL="171450" indent="-171450">
-                  <a:buFont typeface="Arial" charset="0"/>
-                  <a:buChar char="•"/>
-                </a:pPr>
-                <a:r>
-                  <a:rPr lang="en-US" sz="1200" b="1" dirty="0">
-                    <a:latin typeface="Times" charset="0"/>
-                    <a:ea typeface="Times" charset="0"/>
-                    <a:cs typeface="Times" charset="0"/>
-                  </a:rPr>
-                  <a:t>CN:   </a:t>
-                </a:r>
-                <a:r>
-                  <a:rPr lang="mr-IN" sz="1200" b="1" dirty="0">
-                    <a:latin typeface="Times" charset="0"/>
-                    <a:ea typeface="Times" charset="0"/>
-                    <a:cs typeface="Times" charset="0"/>
-                  </a:rPr>
-                  <a:t>……</a:t>
-                </a:r>
-                <a:endParaRPr lang="en-US" sz="1200" b="1" dirty="0">
-                  <a:latin typeface="Times" charset="0"/>
-                  <a:ea typeface="Times" charset="0"/>
-                  <a:cs typeface="Times" charset="0"/>
-                </a:endParaRPr>
-              </a:p>
-            </p:txBody>
-          </p:sp>
-          <p:cxnSp>
-            <p:nvCxnSpPr>
-              <p:cNvPr id="202" name="Straight Connector 201"/>
-              <p:cNvCxnSpPr>
-                <a:cxnSpLocks/>
-              </p:cNvCxnSpPr>
-              <p:nvPr/>
-            </p:nvCxnSpPr>
-            <p:spPr>
-              <a:xfrm>
-                <a:off x="9249226" y="2771943"/>
-                <a:ext cx="2573764" cy="0"/>
-              </a:xfrm>
-              <a:prstGeom prst="line">
-                <a:avLst/>
-              </a:prstGeom>
-              <a:ln>
-                <a:prstDash val="sysDash"/>
-              </a:ln>
-            </p:spPr>
-            <p:style>
-              <a:lnRef idx="1">
-                <a:schemeClr val="accent1"/>
-              </a:lnRef>
-              <a:fillRef idx="0">
-                <a:schemeClr val="accent1"/>
-              </a:fillRef>
-              <a:effectRef idx="0">
-                <a:schemeClr val="accent1"/>
-              </a:effectRef>
-              <a:fontRef idx="minor">
-                <a:schemeClr val="tx1"/>
-              </a:fontRef>
-            </p:style>
-          </p:cxnSp>
-          <p:cxnSp>
-            <p:nvCxnSpPr>
-              <p:cNvPr id="203" name="Straight Connector 202"/>
-              <p:cNvCxnSpPr>
-                <a:cxnSpLocks/>
-              </p:cNvCxnSpPr>
-              <p:nvPr/>
-            </p:nvCxnSpPr>
-            <p:spPr>
-              <a:xfrm>
-                <a:off x="9249226" y="3368447"/>
-                <a:ext cx="2573764" cy="0"/>
-              </a:xfrm>
-              <a:prstGeom prst="line">
-                <a:avLst/>
-              </a:prstGeom>
-              <a:ln>
-                <a:prstDash val="sysDash"/>
-              </a:ln>
-            </p:spPr>
-            <p:style>
-              <a:lnRef idx="1">
-                <a:schemeClr val="accent1"/>
-              </a:lnRef>
-              <a:fillRef idx="0">
-                <a:schemeClr val="accent1"/>
-              </a:fillRef>
-              <a:effectRef idx="0">
-                <a:schemeClr val="accent1"/>
-              </a:effectRef>
-              <a:fontRef idx="minor">
-                <a:schemeClr val="tx1"/>
-              </a:fontRef>
-            </p:style>
-          </p:cxnSp>
-          <p:cxnSp>
-            <p:nvCxnSpPr>
-              <p:cNvPr id="204" name="Straight Connector 203"/>
-              <p:cNvCxnSpPr>
-                <a:cxnSpLocks/>
-              </p:cNvCxnSpPr>
-              <p:nvPr/>
-            </p:nvCxnSpPr>
-            <p:spPr>
-              <a:xfrm>
-                <a:off x="9249226" y="2193171"/>
-                <a:ext cx="2573764" cy="0"/>
-              </a:xfrm>
-              <a:prstGeom prst="line">
-                <a:avLst/>
-              </a:prstGeom>
-              <a:ln cmpd="sng">
-                <a:prstDash val="sysDash"/>
-              </a:ln>
-            </p:spPr>
-            <p:style>
-              <a:lnRef idx="1">
-                <a:schemeClr val="accent1"/>
-              </a:lnRef>
-              <a:fillRef idx="0">
-                <a:schemeClr val="accent1"/>
-              </a:fillRef>
-              <a:effectRef idx="0">
-                <a:schemeClr val="accent1"/>
-              </a:effectRef>
-              <a:fontRef idx="minor">
-                <a:schemeClr val="tx1"/>
-              </a:fontRef>
-            </p:style>
-          </p:cxnSp>
-        </p:grpSp>
-        <p:cxnSp>
-          <p:nvCxnSpPr>
-            <p:cNvPr id="215" name="Straight Arrow Connector 214"/>
-            <p:cNvCxnSpPr>
-              <a:stCxn id="5" idx="2"/>
-              <a:endCxn id="32" idx="0"/>
-            </p:cNvCxnSpPr>
-            <p:nvPr/>
-          </p:nvCxnSpPr>
-          <p:spPr>
-            <a:xfrm flipH="1">
-              <a:off x="1696683" y="2811994"/>
-              <a:ext cx="2049" cy="295950"/>
-            </a:xfrm>
-            <a:prstGeom prst="straightConnector1">
-              <a:avLst/>
-            </a:prstGeom>
-            <a:ln>
-              <a:tailEnd type="triangle"/>
-            </a:ln>
-          </p:spPr>
-          <p:style>
-            <a:lnRef idx="1">
-              <a:schemeClr val="accent1"/>
-            </a:lnRef>
-            <a:fillRef idx="0">
-              <a:schemeClr val="accent1"/>
-            </a:fillRef>
-            <a:effectRef idx="0">
-              <a:schemeClr val="accent1"/>
-            </a:effectRef>
-            <a:fontRef idx="minor">
-              <a:schemeClr val="tx1"/>
-            </a:fontRef>
-          </p:style>
-        </p:cxnSp>
-        <p:sp>
-          <p:nvSpPr>
-            <p:cNvPr id="222" name="Rectangle 221"/>
-            <p:cNvSpPr/>
-            <p:nvPr/>
-          </p:nvSpPr>
-          <p:spPr>
-            <a:xfrm>
-              <a:off x="4180468" y="5233664"/>
-              <a:ext cx="1425142" cy="296905"/>
-            </a:xfrm>
-            <a:prstGeom prst="rect">
-              <a:avLst/>
-            </a:prstGeom>
-          </p:spPr>
-          <p:style>
-            <a:lnRef idx="2">
-              <a:schemeClr val="dk1"/>
-            </a:lnRef>
-            <a:fillRef idx="1">
-              <a:schemeClr val="lt1"/>
-            </a:fillRef>
-            <a:effectRef idx="0">
-              <a:schemeClr val="dk1"/>
-            </a:effectRef>
-            <a:fontRef idx="minor">
-              <a:schemeClr val="dk1"/>
-            </a:fontRef>
-          </p:style>
-          <p:txBody>
-            <a:bodyPr rtlCol="0" anchor="ctr"/>
-            <a:lstStyle/>
-            <a:p>
-              <a:pPr algn="ctr"/>
-              <a:r>
-                <a:rPr lang="en-US" sz="1000" b="1" dirty="0">
-                  <a:latin typeface="DengXian" charset="-122"/>
-                  <a:ea typeface="DengXian" charset="-122"/>
-                  <a:cs typeface="DengXian" charset="-122"/>
-                </a:rPr>
-                <a:t>Button: </a:t>
-              </a:r>
-              <a:r>
-                <a:rPr lang="en-US" altLang="zh-CN" sz="1000" b="1" dirty="0" err="1">
-                  <a:latin typeface="DengXian" charset="-122"/>
-                  <a:ea typeface="DengXian" charset="-122"/>
-                  <a:cs typeface="DengXian" charset="-122"/>
-                </a:rPr>
-                <a:t>take_another</a:t>
-              </a:r>
-              <a:endParaRPr lang="en-US" sz="1000" b="1" dirty="0">
-                <a:latin typeface="DengXian" charset="-122"/>
-                <a:ea typeface="DengXian" charset="-122"/>
-                <a:cs typeface="DengXian" charset="-122"/>
-              </a:endParaRPr>
-            </a:p>
-          </p:txBody>
-        </p:sp>
-        <p:sp>
-          <p:nvSpPr>
-            <p:cNvPr id="45" name="Rounded Rectangle 6">
-              <a:extLst>
-                <a:ext uri="{FF2B5EF4-FFF2-40B4-BE49-F238E27FC236}">
-                  <a16:creationId xmlns:a16="http://schemas.microsoft.com/office/drawing/2014/main" id="{06D5CAA5-04D1-4B1E-B4D5-6EF69617F940}"/>
-                </a:ext>
-              </a:extLst>
-            </p:cNvPr>
-            <p:cNvSpPr/>
-            <p:nvPr/>
-          </p:nvSpPr>
-          <p:spPr>
-            <a:xfrm>
-              <a:off x="5173646" y="1798057"/>
-              <a:ext cx="1563083" cy="586156"/>
-            </a:xfrm>
-            <a:prstGeom prst="roundRect">
-              <a:avLst/>
-            </a:prstGeom>
-          </p:spPr>
-          <p:style>
-            <a:lnRef idx="2">
-              <a:schemeClr val="accent1"/>
-            </a:lnRef>
-            <a:fillRef idx="1">
-              <a:schemeClr val="lt1"/>
-            </a:fillRef>
-            <a:effectRef idx="0">
-              <a:schemeClr val="accent1"/>
-            </a:effectRef>
-            <a:fontRef idx="minor">
-              <a:schemeClr val="dk1"/>
-            </a:fontRef>
-          </p:style>
-          <p:txBody>
-            <a:bodyPr rtlCol="0" anchor="ctr"/>
-            <a:lstStyle/>
-            <a:p>
-              <a:pPr algn="ctr"/>
-              <a:r>
-                <a:rPr lang="en-US" sz="1200" b="1" dirty="0" err="1">
-                  <a:latin typeface="DengXian" charset="-122"/>
-                  <a:ea typeface="DengXian" charset="-122"/>
-                  <a:cs typeface="DengXian" charset="-122"/>
-                </a:rPr>
-                <a:t>TensorFlow</a:t>
-              </a:r>
-              <a:endParaRPr lang="en-US" sz="1200" b="1" dirty="0">
-                <a:latin typeface="DengXian" charset="-122"/>
-                <a:ea typeface="DengXian" charset="-122"/>
-                <a:cs typeface="DengXian" charset="-122"/>
-              </a:endParaRPr>
-            </a:p>
-            <a:p>
-              <a:pPr algn="ctr"/>
-              <a:r>
-                <a:rPr lang="en-US" sz="1200" b="1" dirty="0">
-                  <a:latin typeface="DengXian" charset="-122"/>
-                  <a:ea typeface="DengXian" charset="-122"/>
-                  <a:cs typeface="DengXian" charset="-122"/>
-                </a:rPr>
-                <a:t>Recognize</a:t>
-              </a:r>
-            </a:p>
-          </p:txBody>
-        </p:sp>
-        <p:cxnSp>
-          <p:nvCxnSpPr>
-            <p:cNvPr id="47" name="Straight Arrow Connector 46">
-              <a:extLst>
-                <a:ext uri="{FF2B5EF4-FFF2-40B4-BE49-F238E27FC236}">
-                  <a16:creationId xmlns:a16="http://schemas.microsoft.com/office/drawing/2014/main" id="{D690CCB3-F06D-4972-AEE2-B0036741705D}"/>
-                </a:ext>
-              </a:extLst>
-            </p:cNvPr>
-            <p:cNvCxnSpPr>
-              <a:cxnSpLocks/>
-              <a:stCxn id="45" idx="2"/>
-              <a:endCxn id="94" idx="0"/>
-            </p:cNvCxnSpPr>
-            <p:nvPr/>
-          </p:nvCxnSpPr>
-          <p:spPr>
-            <a:xfrm>
-              <a:off x="5955187" y="2384213"/>
-              <a:ext cx="10062" cy="440487"/>
-            </a:xfrm>
-            <a:prstGeom prst="straightConnector1">
-              <a:avLst/>
-            </a:prstGeom>
-            <a:ln>
-              <a:tailEnd type="triangle"/>
-            </a:ln>
-          </p:spPr>
-          <p:style>
-            <a:lnRef idx="1">
-              <a:schemeClr val="accent1"/>
-            </a:lnRef>
-            <a:fillRef idx="0">
-              <a:schemeClr val="accent1"/>
-            </a:fillRef>
-            <a:effectRef idx="0">
-              <a:schemeClr val="accent1"/>
-            </a:effectRef>
-            <a:fontRef idx="minor">
-              <a:schemeClr val="tx1"/>
-            </a:fontRef>
-          </p:style>
-        </p:cxnSp>
-        <p:cxnSp>
-          <p:nvCxnSpPr>
-            <p:cNvPr id="48" name="Straight Arrow Connector 47">
-              <a:extLst>
-                <a:ext uri="{FF2B5EF4-FFF2-40B4-BE49-F238E27FC236}">
-                  <a16:creationId xmlns:a16="http://schemas.microsoft.com/office/drawing/2014/main" id="{9FD06295-E33A-4FB2-98CC-1962196853BD}"/>
-                </a:ext>
-              </a:extLst>
-            </p:cNvPr>
-            <p:cNvCxnSpPr>
-              <a:cxnSpLocks/>
-              <a:stCxn id="51" idx="2"/>
-              <a:endCxn id="55" idx="0"/>
-            </p:cNvCxnSpPr>
-            <p:nvPr/>
-          </p:nvCxnSpPr>
-          <p:spPr>
-            <a:xfrm flipH="1">
-              <a:off x="5960833" y="3993750"/>
-              <a:ext cx="520" cy="386379"/>
-            </a:xfrm>
-            <a:prstGeom prst="straightConnector1">
-              <a:avLst/>
-            </a:prstGeom>
-            <a:ln>
-              <a:tailEnd type="triangle"/>
-            </a:ln>
-          </p:spPr>
-          <p:style>
-            <a:lnRef idx="1">
-              <a:schemeClr val="accent1"/>
-            </a:lnRef>
-            <a:fillRef idx="0">
-              <a:schemeClr val="accent1"/>
-            </a:fillRef>
-            <a:effectRef idx="0">
-              <a:schemeClr val="accent1"/>
-            </a:effectRef>
-            <a:fontRef idx="minor">
-              <a:schemeClr val="tx1"/>
-            </a:fontRef>
-          </p:style>
-        </p:cxnSp>
-        <p:grpSp>
-          <p:nvGrpSpPr>
-            <p:cNvPr id="50" name="Group 49">
-              <a:extLst>
-                <a:ext uri="{FF2B5EF4-FFF2-40B4-BE49-F238E27FC236}">
-                  <a16:creationId xmlns:a16="http://schemas.microsoft.com/office/drawing/2014/main" id="{9E94CF49-23F7-4CE7-AF22-BAED5E6A7180}"/>
-                </a:ext>
-              </a:extLst>
-            </p:cNvPr>
-            <p:cNvGrpSpPr/>
-            <p:nvPr/>
-          </p:nvGrpSpPr>
-          <p:grpSpPr>
-            <a:xfrm>
-              <a:off x="4906483" y="3537366"/>
-              <a:ext cx="1885258" cy="696332"/>
-              <a:chOff x="698345" y="4009781"/>
-              <a:chExt cx="1764594" cy="651764"/>
-            </a:xfrm>
-          </p:grpSpPr>
-          <p:sp>
-            <p:nvSpPr>
-              <p:cNvPr id="51" name="Diamond 50">
-                <a:extLst>
-                  <a:ext uri="{FF2B5EF4-FFF2-40B4-BE49-F238E27FC236}">
-                    <a16:creationId xmlns:a16="http://schemas.microsoft.com/office/drawing/2014/main" id="{9D47F033-0AE8-4317-9425-668A87C2BEEF}"/>
-                  </a:ext>
-                </a:extLst>
-              </p:cNvPr>
-              <p:cNvSpPr/>
-              <p:nvPr/>
-            </p:nvSpPr>
-            <p:spPr>
-              <a:xfrm>
-                <a:off x="908459" y="4071194"/>
-                <a:ext cx="1554480" cy="365760"/>
-              </a:xfrm>
-              <a:prstGeom prst="diamond">
-                <a:avLst/>
-              </a:prstGeom>
-            </p:spPr>
-            <p:style>
-              <a:lnRef idx="2">
-                <a:schemeClr val="accent6"/>
-              </a:lnRef>
-              <a:fillRef idx="1">
-                <a:schemeClr val="lt1"/>
-              </a:fillRef>
-              <a:effectRef idx="0">
-                <a:schemeClr val="accent6"/>
-              </a:effectRef>
-              <a:fontRef idx="minor">
-                <a:schemeClr val="dk1"/>
-              </a:fontRef>
-            </p:style>
-            <p:txBody>
-              <a:bodyPr rtlCol="0" anchor="ctr"/>
-              <a:lstStyle/>
-              <a:p>
-                <a:pPr algn="ctr"/>
-                <a:r>
-                  <a:rPr lang="en-US" sz="1100" b="1" dirty="0">
-                    <a:latin typeface="DengXian" charset="-122"/>
-                    <a:ea typeface="DengXian" charset="-122"/>
-                    <a:cs typeface="DengXian" charset="-122"/>
-                  </a:rPr>
-                  <a:t>Correct?</a:t>
-                </a:r>
-              </a:p>
-            </p:txBody>
-          </p:sp>
-          <p:sp>
-            <p:nvSpPr>
-              <p:cNvPr id="52" name="TextBox 51">
-                <a:extLst>
-                  <a:ext uri="{FF2B5EF4-FFF2-40B4-BE49-F238E27FC236}">
-                    <a16:creationId xmlns:a16="http://schemas.microsoft.com/office/drawing/2014/main" id="{FFF4817F-E91C-4E8D-AF79-804F660E8312}"/>
-                  </a:ext>
-                </a:extLst>
-              </p:cNvPr>
-              <p:cNvSpPr txBox="1"/>
-              <p:nvPr/>
-            </p:nvSpPr>
-            <p:spPr>
-              <a:xfrm>
-                <a:off x="1670168" y="4415324"/>
-                <a:ext cx="592339" cy="246221"/>
-              </a:xfrm>
-              <a:prstGeom prst="rect">
-                <a:avLst/>
-              </a:prstGeom>
-              <a:noFill/>
-            </p:spPr>
-            <p:txBody>
-              <a:bodyPr wrap="square" rtlCol="0">
-                <a:spAutoFit/>
-              </a:bodyPr>
-              <a:lstStyle/>
-              <a:p>
-                <a:r>
-                  <a:rPr lang="en-US" sz="1000" b="1" dirty="0">
-                    <a:latin typeface="DengXian" charset="-122"/>
-                    <a:ea typeface="DengXian" charset="-122"/>
-                    <a:cs typeface="DengXian" charset="-122"/>
-                  </a:rPr>
-                  <a:t>YES</a:t>
-                </a:r>
-              </a:p>
-            </p:txBody>
-          </p:sp>
-          <p:sp>
-            <p:nvSpPr>
-              <p:cNvPr id="53" name="TextBox 52">
-                <a:extLst>
-                  <a:ext uri="{FF2B5EF4-FFF2-40B4-BE49-F238E27FC236}">
-                    <a16:creationId xmlns:a16="http://schemas.microsoft.com/office/drawing/2014/main" id="{9D428C1B-CF08-4D38-91DE-9C7DFA9DC254}"/>
-                  </a:ext>
-                </a:extLst>
-              </p:cNvPr>
-              <p:cNvSpPr txBox="1"/>
-              <p:nvPr/>
-            </p:nvSpPr>
-            <p:spPr>
-              <a:xfrm>
-                <a:off x="698345" y="4009781"/>
-                <a:ext cx="940342" cy="246221"/>
-              </a:xfrm>
-              <a:prstGeom prst="rect">
-                <a:avLst/>
-              </a:prstGeom>
-              <a:noFill/>
-            </p:spPr>
-            <p:txBody>
-              <a:bodyPr wrap="square" rtlCol="0">
-                <a:spAutoFit/>
-              </a:bodyPr>
-              <a:lstStyle/>
-              <a:p>
-                <a:r>
-                  <a:rPr lang="en-US" sz="1000" b="1" dirty="0">
-                    <a:latin typeface="DengXian" charset="-122"/>
-                    <a:ea typeface="DengXian" charset="-122"/>
-                    <a:cs typeface="DengXian" charset="-122"/>
-                  </a:rPr>
-                  <a:t>No</a:t>
-                </a:r>
-              </a:p>
-            </p:txBody>
-          </p:sp>
-        </p:grpSp>
-        <p:sp>
-          <p:nvSpPr>
-            <p:cNvPr id="55" name="Rectangle 54">
-              <a:extLst>
-                <a:ext uri="{FF2B5EF4-FFF2-40B4-BE49-F238E27FC236}">
-                  <a16:creationId xmlns:a16="http://schemas.microsoft.com/office/drawing/2014/main" id="{9B572F6C-372D-40EA-9D43-3A77D1178686}"/>
-                </a:ext>
-              </a:extLst>
-            </p:cNvPr>
-            <p:cNvSpPr/>
-            <p:nvPr/>
-          </p:nvSpPr>
-          <p:spPr>
-            <a:xfrm>
-              <a:off x="5472368" y="4380128"/>
-              <a:ext cx="976929" cy="244232"/>
-            </a:xfrm>
-            <a:prstGeom prst="rect">
-              <a:avLst/>
-            </a:prstGeom>
-          </p:spPr>
-          <p:style>
-            <a:lnRef idx="2">
-              <a:schemeClr val="dk1"/>
-            </a:lnRef>
-            <a:fillRef idx="1">
-              <a:schemeClr val="lt1"/>
-            </a:fillRef>
-            <a:effectRef idx="0">
-              <a:schemeClr val="dk1"/>
-            </a:effectRef>
-            <a:fontRef idx="minor">
-              <a:schemeClr val="dk1"/>
-            </a:fontRef>
-          </p:style>
-          <p:txBody>
-            <a:bodyPr rtlCol="0" anchor="ctr"/>
-            <a:lstStyle/>
-            <a:p>
-              <a:pPr algn="ctr"/>
-              <a:r>
-                <a:rPr lang="en-US" sz="1000" b="1" dirty="0">
-                  <a:latin typeface="DengXian" charset="-122"/>
-                  <a:ea typeface="DengXian" charset="-122"/>
-                  <a:cs typeface="DengXian" charset="-122"/>
-                </a:rPr>
-                <a:t>Radio Group</a:t>
-              </a:r>
-            </a:p>
-          </p:txBody>
-        </p:sp>
-        <p:sp>
-          <p:nvSpPr>
-            <p:cNvPr id="57" name="TextBox 56">
-              <a:extLst>
-                <a:ext uri="{FF2B5EF4-FFF2-40B4-BE49-F238E27FC236}">
-                  <a16:creationId xmlns:a16="http://schemas.microsoft.com/office/drawing/2014/main" id="{070BD907-18A6-4AE2-A170-8147587BA71D}"/>
-                </a:ext>
-              </a:extLst>
-            </p:cNvPr>
+            <p:cNvPr id="60" name="TextBox 59"/>
             <p:cNvSpPr txBox="1"/>
             <p:nvPr/>
           </p:nvSpPr>
           <p:spPr>
             <a:xfrm>
-              <a:off x="5928007" y="5011648"/>
-              <a:ext cx="1722679" cy="430887"/>
+              <a:off x="2409962" y="2247702"/>
+              <a:ext cx="592339" cy="246221"/>
             </a:xfrm>
             <a:prstGeom prst="rect">
               <a:avLst/>
@@ -5012,508 +4028,996 @@
             </a:bodyPr>
             <a:lstStyle/>
             <a:p>
-              <a:pPr marL="171450" indent="-171450">
-                <a:buFont typeface="Arial" panose="020B0604020202020204" pitchFamily="34" charset="0"/>
-                <a:buChar char="•"/>
-              </a:pPr>
-              <a:r>
-                <a:rPr lang="en-US" sz="1100" b="1" dirty="0">
-                  <a:latin typeface="DengXian" charset="-122"/>
-                  <a:ea typeface="DengXian" charset="-122"/>
-                  <a:cs typeface="DengXian" charset="-122"/>
-                </a:rPr>
-                <a:t>ADD DIGIT</a:t>
-              </a:r>
-            </a:p>
-            <a:p>
-              <a:pPr marL="171450" indent="-171450">
-                <a:buFont typeface="Arial" panose="020B0604020202020204" pitchFamily="34" charset="0"/>
-                <a:buChar char="•"/>
-              </a:pPr>
-              <a:r>
-                <a:rPr lang="en-US" sz="1100" b="1" dirty="0">
-                  <a:latin typeface="DengXian" charset="-122"/>
-                  <a:ea typeface="DengXian" charset="-122"/>
-                  <a:cs typeface="DengXian" charset="-122"/>
-                </a:rPr>
-                <a:t>SUM-UP</a:t>
-              </a:r>
-            </a:p>
-          </p:txBody>
-        </p:sp>
-        <p:cxnSp>
-          <p:nvCxnSpPr>
-            <p:cNvPr id="67" name="Elbow Connector 143">
-              <a:extLst>
-                <a:ext uri="{FF2B5EF4-FFF2-40B4-BE49-F238E27FC236}">
-                  <a16:creationId xmlns:a16="http://schemas.microsoft.com/office/drawing/2014/main" id="{D2601F6C-0017-4BFD-9D44-DCAFA8556016}"/>
-                </a:ext>
-              </a:extLst>
-            </p:cNvPr>
-            <p:cNvCxnSpPr>
-              <a:cxnSpLocks/>
-              <a:stCxn id="42" idx="3"/>
-              <a:endCxn id="32" idx="3"/>
-            </p:cNvCxnSpPr>
-            <p:nvPr/>
-          </p:nvCxnSpPr>
-          <p:spPr>
-            <a:xfrm flipH="1" flipV="1">
-              <a:off x="2282839" y="3230060"/>
-              <a:ext cx="242676" cy="583619"/>
-            </a:xfrm>
-            <a:prstGeom prst="bentConnector3">
-              <a:avLst>
-                <a:gd name="adj1" fmla="val -276015"/>
-              </a:avLst>
-            </a:prstGeom>
-            <a:ln>
-              <a:tailEnd type="triangle"/>
-            </a:ln>
-          </p:spPr>
-          <p:style>
-            <a:lnRef idx="1">
-              <a:schemeClr val="accent1"/>
-            </a:lnRef>
-            <a:fillRef idx="0">
-              <a:schemeClr val="accent1"/>
-            </a:fillRef>
-            <a:effectRef idx="0">
-              <a:schemeClr val="accent1"/>
-            </a:effectRef>
-            <a:fontRef idx="minor">
-              <a:schemeClr val="tx1"/>
-            </a:fontRef>
-          </p:style>
-        </p:cxnSp>
-        <p:cxnSp>
-          <p:nvCxnSpPr>
-            <p:cNvPr id="70" name="Elbow Connector 143">
-              <a:extLst>
-                <a:ext uri="{FF2B5EF4-FFF2-40B4-BE49-F238E27FC236}">
-                  <a16:creationId xmlns:a16="http://schemas.microsoft.com/office/drawing/2014/main" id="{BF5CEEEE-975C-4F52-A5EE-0CDBF32F14D5}"/>
-                </a:ext>
-              </a:extLst>
-            </p:cNvPr>
-            <p:cNvCxnSpPr>
-              <a:cxnSpLocks/>
-              <a:stCxn id="122" idx="2"/>
-              <a:endCxn id="45" idx="0"/>
-            </p:cNvCxnSpPr>
-            <p:nvPr/>
-          </p:nvCxnSpPr>
-          <p:spPr>
-            <a:xfrm rot="5400000" flipH="1" flipV="1">
-              <a:off x="2359433" y="1129506"/>
-              <a:ext cx="2927203" cy="4264306"/>
-            </a:xfrm>
-            <a:prstGeom prst="bentConnector5">
-              <a:avLst>
-                <a:gd name="adj1" fmla="val -7810"/>
-                <a:gd name="adj2" fmla="val 43242"/>
-                <a:gd name="adj3" fmla="val 107810"/>
-              </a:avLst>
-            </a:prstGeom>
-            <a:ln>
-              <a:tailEnd type="triangle"/>
-            </a:ln>
-          </p:spPr>
-          <p:style>
-            <a:lnRef idx="1">
-              <a:schemeClr val="accent1"/>
-            </a:lnRef>
-            <a:fillRef idx="0">
-              <a:schemeClr val="accent1"/>
-            </a:fillRef>
-            <a:effectRef idx="0">
-              <a:schemeClr val="accent1"/>
-            </a:effectRef>
-            <a:fontRef idx="minor">
-              <a:schemeClr val="tx1"/>
-            </a:fontRef>
-          </p:style>
-        </p:cxnSp>
-        <p:cxnSp>
-          <p:nvCxnSpPr>
-            <p:cNvPr id="82" name="Elbow Connector 143">
-              <a:extLst>
-                <a:ext uri="{FF2B5EF4-FFF2-40B4-BE49-F238E27FC236}">
-                  <a16:creationId xmlns:a16="http://schemas.microsoft.com/office/drawing/2014/main" id="{BEEC8225-BA1D-48F9-88A6-E73EEF7143F7}"/>
-                </a:ext>
-              </a:extLst>
-            </p:cNvPr>
-            <p:cNvCxnSpPr>
-              <a:cxnSpLocks/>
-              <a:stCxn id="51" idx="1"/>
-              <a:endCxn id="222" idx="0"/>
-            </p:cNvCxnSpPr>
-            <p:nvPr/>
-          </p:nvCxnSpPr>
-          <p:spPr>
-            <a:xfrm rot="10800000" flipV="1">
-              <a:off x="4893039" y="3798364"/>
-              <a:ext cx="237926" cy="1435300"/>
-            </a:xfrm>
-            <a:prstGeom prst="bentConnector2">
-              <a:avLst/>
-            </a:prstGeom>
-            <a:ln>
-              <a:tailEnd type="triangle"/>
-            </a:ln>
-          </p:spPr>
-          <p:style>
-            <a:lnRef idx="1">
-              <a:schemeClr val="accent1"/>
-            </a:lnRef>
-            <a:fillRef idx="0">
-              <a:schemeClr val="accent1"/>
-            </a:fillRef>
-            <a:effectRef idx="0">
-              <a:schemeClr val="accent1"/>
-            </a:effectRef>
-            <a:fontRef idx="minor">
-              <a:schemeClr val="tx1"/>
-            </a:fontRef>
-          </p:style>
-        </p:cxnSp>
-        <p:sp>
-          <p:nvSpPr>
-            <p:cNvPr id="94" name="Rounded Rectangle 9">
-              <a:extLst>
-                <a:ext uri="{FF2B5EF4-FFF2-40B4-BE49-F238E27FC236}">
-                  <a16:creationId xmlns:a16="http://schemas.microsoft.com/office/drawing/2014/main" id="{2480A988-0C40-418C-906A-09781F3D0DD3}"/>
-                </a:ext>
-              </a:extLst>
-            </p:cNvPr>
-            <p:cNvSpPr/>
-            <p:nvPr/>
-          </p:nvSpPr>
-          <p:spPr>
-            <a:xfrm>
-              <a:off x="5183708" y="2824700"/>
-              <a:ext cx="1563083" cy="390771"/>
-            </a:xfrm>
-            <a:prstGeom prst="roundRect">
-              <a:avLst/>
-            </a:prstGeom>
-          </p:spPr>
-          <p:style>
-            <a:lnRef idx="2">
-              <a:schemeClr val="accent1"/>
-            </a:lnRef>
-            <a:fillRef idx="1">
-              <a:schemeClr val="lt1"/>
-            </a:fillRef>
-            <a:effectRef idx="0">
-              <a:schemeClr val="accent1"/>
-            </a:effectRef>
-            <a:fontRef idx="minor">
-              <a:schemeClr val="dk1"/>
-            </a:fontRef>
-          </p:style>
-          <p:txBody>
-            <a:bodyPr rtlCol="0" anchor="ctr"/>
-            <a:lstStyle/>
-            <a:p>
-              <a:pPr algn="ctr"/>
-              <a:r>
-                <a:rPr lang="en-US" sz="1200" b="1" dirty="0">
-                  <a:latin typeface="DengXian" charset="-122"/>
-                  <a:ea typeface="DengXian" charset="-122"/>
-                  <a:cs typeface="DengXian" charset="-122"/>
-                </a:rPr>
-                <a:t>Calculate Result</a:t>
-              </a:r>
-            </a:p>
-          </p:txBody>
-        </p:sp>
-        <p:cxnSp>
-          <p:nvCxnSpPr>
-            <p:cNvPr id="101" name="Straight Arrow Connector 100">
-              <a:extLst>
-                <a:ext uri="{FF2B5EF4-FFF2-40B4-BE49-F238E27FC236}">
-                  <a16:creationId xmlns:a16="http://schemas.microsoft.com/office/drawing/2014/main" id="{18F020E2-657C-45D2-AFED-40ADCD5146E9}"/>
-                </a:ext>
-              </a:extLst>
-            </p:cNvPr>
-            <p:cNvCxnSpPr>
-              <a:cxnSpLocks/>
-              <a:stCxn id="94" idx="2"/>
-              <a:endCxn id="51" idx="0"/>
-            </p:cNvCxnSpPr>
-            <p:nvPr/>
-          </p:nvCxnSpPr>
-          <p:spPr>
-            <a:xfrm flipH="1">
-              <a:off x="5961353" y="3215471"/>
-              <a:ext cx="3896" cy="387508"/>
-            </a:xfrm>
-            <a:prstGeom prst="straightConnector1">
-              <a:avLst/>
-            </a:prstGeom>
-            <a:ln>
-              <a:tailEnd type="triangle"/>
-            </a:ln>
-          </p:spPr>
-          <p:style>
-            <a:lnRef idx="1">
-              <a:schemeClr val="accent1"/>
-            </a:lnRef>
-            <a:fillRef idx="0">
-              <a:schemeClr val="accent1"/>
-            </a:fillRef>
-            <a:effectRef idx="0">
-              <a:schemeClr val="accent1"/>
-            </a:effectRef>
-            <a:fontRef idx="minor">
-              <a:schemeClr val="tx1"/>
-            </a:fontRef>
-          </p:style>
-        </p:cxnSp>
-        <p:cxnSp>
-          <p:nvCxnSpPr>
-            <p:cNvPr id="150" name="Elbow Connector 143">
-              <a:extLst>
-                <a:ext uri="{FF2B5EF4-FFF2-40B4-BE49-F238E27FC236}">
-                  <a16:creationId xmlns:a16="http://schemas.microsoft.com/office/drawing/2014/main" id="{0141B686-1751-4059-995A-3A6C4F47818C}"/>
-                </a:ext>
-              </a:extLst>
-            </p:cNvPr>
-            <p:cNvCxnSpPr>
-              <a:cxnSpLocks/>
-              <a:stCxn id="55" idx="2"/>
-              <a:endCxn id="222" idx="3"/>
-            </p:cNvCxnSpPr>
-            <p:nvPr/>
-          </p:nvCxnSpPr>
-          <p:spPr>
-            <a:xfrm rot="5400000">
-              <a:off x="5404344" y="4825627"/>
-              <a:ext cx="757757" cy="355223"/>
-            </a:xfrm>
-            <a:prstGeom prst="bentConnector2">
-              <a:avLst/>
-            </a:prstGeom>
-            <a:ln>
-              <a:tailEnd type="triangle"/>
-            </a:ln>
-          </p:spPr>
-          <p:style>
-            <a:lnRef idx="1">
-              <a:schemeClr val="accent1"/>
-            </a:lnRef>
-            <a:fillRef idx="0">
-              <a:schemeClr val="accent1"/>
-            </a:fillRef>
-            <a:effectRef idx="0">
-              <a:schemeClr val="accent1"/>
-            </a:effectRef>
-            <a:fontRef idx="minor">
-              <a:schemeClr val="tx1"/>
-            </a:fontRef>
-          </p:style>
-        </p:cxnSp>
-        <p:sp>
-          <p:nvSpPr>
-            <p:cNvPr id="157" name="Rectangle 156">
-              <a:extLst>
-                <a:ext uri="{FF2B5EF4-FFF2-40B4-BE49-F238E27FC236}">
-                  <a16:creationId xmlns:a16="http://schemas.microsoft.com/office/drawing/2014/main" id="{1C3DFB42-37BD-49A1-998C-7AFD13BA6120}"/>
-                </a:ext>
-              </a:extLst>
-            </p:cNvPr>
-            <p:cNvSpPr/>
-            <p:nvPr/>
-          </p:nvSpPr>
-          <p:spPr>
-            <a:xfrm>
-              <a:off x="7227232" y="4380129"/>
-              <a:ext cx="1164534" cy="240428"/>
-            </a:xfrm>
-            <a:prstGeom prst="rect">
-              <a:avLst/>
-            </a:prstGeom>
-          </p:spPr>
-          <p:style>
-            <a:lnRef idx="2">
-              <a:schemeClr val="dk1"/>
-            </a:lnRef>
-            <a:fillRef idx="1">
-              <a:schemeClr val="lt1"/>
-            </a:fillRef>
-            <a:effectRef idx="0">
-              <a:schemeClr val="dk1"/>
-            </a:effectRef>
-            <a:fontRef idx="minor">
-              <a:schemeClr val="dk1"/>
-            </a:fontRef>
-          </p:style>
-          <p:txBody>
-            <a:bodyPr rtlCol="0" anchor="ctr"/>
-            <a:lstStyle/>
-            <a:p>
-              <a:pPr algn="ctr"/>
               <a:r>
                 <a:rPr lang="en-US" sz="1000" b="1" dirty="0">
                   <a:latin typeface="DengXian" charset="-122"/>
                   <a:ea typeface="DengXian" charset="-122"/>
                   <a:cs typeface="DengXian" charset="-122"/>
                 </a:rPr>
-                <a:t>Button: </a:t>
+                <a:t>No</a:t>
               </a:r>
-              <a:r>
-                <a:rPr lang="en-US" sz="1000" b="1" dirty="0" err="1">
-                  <a:latin typeface="DengXian" charset="-122"/>
-                  <a:ea typeface="DengXian" charset="-122"/>
-                  <a:cs typeface="DengXian" charset="-122"/>
-                </a:rPr>
-                <a:t>finish_go</a:t>
-              </a:r>
-              <a:endParaRPr lang="en-US" sz="1000" b="1" dirty="0">
-                <a:latin typeface="DengXian" charset="-122"/>
-                <a:ea typeface="DengXian" charset="-122"/>
-                <a:cs typeface="DengXian" charset="-122"/>
-              </a:endParaRPr>
-            </a:p>
-          </p:txBody>
-        </p:sp>
-        <p:cxnSp>
-          <p:nvCxnSpPr>
-            <p:cNvPr id="162" name="Straight Arrow Connector 161">
-              <a:extLst>
-                <a:ext uri="{FF2B5EF4-FFF2-40B4-BE49-F238E27FC236}">
-                  <a16:creationId xmlns:a16="http://schemas.microsoft.com/office/drawing/2014/main" id="{9D18ED1E-4FD6-4B9E-827E-B02C7297328B}"/>
-                </a:ext>
-              </a:extLst>
-            </p:cNvPr>
-            <p:cNvCxnSpPr>
-              <a:cxnSpLocks/>
-              <a:stCxn id="55" idx="3"/>
-              <a:endCxn id="157" idx="1"/>
-            </p:cNvCxnSpPr>
-            <p:nvPr/>
-          </p:nvCxnSpPr>
-          <p:spPr>
-            <a:xfrm flipV="1">
-              <a:off x="6449297" y="4500343"/>
-              <a:ext cx="777935" cy="1901"/>
-            </a:xfrm>
-            <a:prstGeom prst="straightConnector1">
-              <a:avLst/>
-            </a:prstGeom>
-            <a:ln>
-              <a:tailEnd type="triangle"/>
-            </a:ln>
-          </p:spPr>
-          <p:style>
-            <a:lnRef idx="1">
-              <a:schemeClr val="accent1"/>
-            </a:lnRef>
-            <a:fillRef idx="0">
-              <a:schemeClr val="accent1"/>
-            </a:fillRef>
-            <a:effectRef idx="0">
-              <a:schemeClr val="accent1"/>
-            </a:effectRef>
-            <a:fontRef idx="minor">
-              <a:schemeClr val="tx1"/>
-            </a:fontRef>
-          </p:style>
-        </p:cxnSp>
-        <p:cxnSp>
-          <p:nvCxnSpPr>
-            <p:cNvPr id="175" name="Elbow Connector 143">
-              <a:extLst>
-                <a:ext uri="{FF2B5EF4-FFF2-40B4-BE49-F238E27FC236}">
-                  <a16:creationId xmlns:a16="http://schemas.microsoft.com/office/drawing/2014/main" id="{9D7B1BE7-BAF1-41A1-B65E-BC861FEE952F}"/>
-                </a:ext>
-              </a:extLst>
-            </p:cNvPr>
-            <p:cNvCxnSpPr>
-              <a:cxnSpLocks/>
-              <a:stCxn id="222" idx="1"/>
-              <a:endCxn id="5" idx="1"/>
-            </p:cNvCxnSpPr>
-            <p:nvPr/>
-          </p:nvCxnSpPr>
-          <p:spPr>
-            <a:xfrm rot="10800000">
-              <a:off x="917190" y="2616609"/>
-              <a:ext cx="3263278" cy="2765508"/>
-            </a:xfrm>
-            <a:prstGeom prst="bentConnector3">
-              <a:avLst>
-                <a:gd name="adj1" fmla="val 118431"/>
-              </a:avLst>
-            </a:prstGeom>
-            <a:ln>
-              <a:tailEnd type="triangle"/>
-            </a:ln>
-          </p:spPr>
-          <p:style>
-            <a:lnRef idx="1">
-              <a:schemeClr val="accent1"/>
-            </a:lnRef>
-            <a:fillRef idx="0">
-              <a:schemeClr val="accent1"/>
-            </a:fillRef>
-            <a:effectRef idx="0">
-              <a:schemeClr val="accent1"/>
-            </a:effectRef>
-            <a:fontRef idx="minor">
-              <a:schemeClr val="tx1"/>
-            </a:fontRef>
-          </p:style>
-        </p:cxnSp>
-        <p:sp>
-          <p:nvSpPr>
-            <p:cNvPr id="183" name="TextBox 182">
-              <a:extLst>
-                <a:ext uri="{FF2B5EF4-FFF2-40B4-BE49-F238E27FC236}">
-                  <a16:creationId xmlns:a16="http://schemas.microsoft.com/office/drawing/2014/main" id="{A595ABBF-5F7E-4B04-A049-DEE28E2DF121}"/>
-                </a:ext>
-              </a:extLst>
-            </p:cNvPr>
-            <p:cNvSpPr txBox="1"/>
-            <p:nvPr/>
-          </p:nvSpPr>
-          <p:spPr>
-            <a:xfrm>
-              <a:off x="3876927" y="4258111"/>
-              <a:ext cx="1074837" cy="261610"/>
-            </a:xfrm>
-            <a:prstGeom prst="rect">
-              <a:avLst/>
-            </a:prstGeom>
-            <a:noFill/>
-          </p:spPr>
-          <p:txBody>
-            <a:bodyPr wrap="square" rtlCol="0">
-              <a:spAutoFit/>
-            </a:bodyPr>
-            <a:lstStyle/>
-            <a:p>
-              <a:pPr marL="171450" indent="-171450">
-                <a:buFont typeface="Arial" panose="020B0604020202020204" pitchFamily="34" charset="0"/>
-                <a:buChar char="•"/>
-              </a:pPr>
-              <a:r>
-                <a:rPr lang="en-US" altLang="zh-CN" sz="1100" b="1" dirty="0">
-                  <a:latin typeface="DengXian" charset="-122"/>
-                  <a:ea typeface="DengXian" charset="-122"/>
-                  <a:cs typeface="DengXian" charset="-122"/>
-                </a:rPr>
-                <a:t>ABANDON</a:t>
-              </a:r>
-              <a:endParaRPr lang="en-US" sz="1100" b="1" dirty="0">
-                <a:latin typeface="DengXian" charset="-122"/>
-                <a:ea typeface="DengXian" charset="-122"/>
-                <a:cs typeface="DengXian" charset="-122"/>
-              </a:endParaRPr>
             </a:p>
           </p:txBody>
         </p:sp>
       </p:grpSp>
+      <p:cxnSp>
+        <p:nvCxnSpPr>
+          <p:cNvPr id="103" name="Elbow Connector 102"/>
+          <p:cNvCxnSpPr>
+            <a:cxnSpLocks/>
+            <a:stCxn id="157" idx="3"/>
+            <a:endCxn id="11" idx="2"/>
+          </p:cNvCxnSpPr>
+          <p:nvPr/>
+        </p:nvCxnSpPr>
+        <p:spPr>
+          <a:xfrm>
+            <a:off x="8504609" y="4147333"/>
+            <a:ext cx="1844083" cy="1834592"/>
+          </a:xfrm>
+          <a:prstGeom prst="bentConnector4">
+            <a:avLst>
+              <a:gd name="adj1" fmla="val 28809"/>
+              <a:gd name="adj2" fmla="val 123318"/>
+            </a:avLst>
+          </a:prstGeom>
+          <a:ln>
+            <a:tailEnd type="triangle"/>
+          </a:ln>
+        </p:spPr>
+        <p:style>
+          <a:lnRef idx="1">
+            <a:schemeClr val="accent1"/>
+          </a:lnRef>
+          <a:fillRef idx="0">
+            <a:schemeClr val="accent1"/>
+          </a:fillRef>
+          <a:effectRef idx="0">
+            <a:schemeClr val="accent1"/>
+          </a:effectRef>
+          <a:fontRef idx="minor">
+            <a:schemeClr val="tx1"/>
+          </a:fontRef>
+        </p:style>
+      </p:cxnSp>
+      <p:sp>
+        <p:nvSpPr>
+          <p:cNvPr id="105" name="TextBox 104"/>
+          <p:cNvSpPr txBox="1"/>
+          <p:nvPr/>
+        </p:nvSpPr>
+        <p:spPr>
+          <a:xfrm>
+            <a:off x="6536467" y="3887625"/>
+            <a:ext cx="818463" cy="261610"/>
+          </a:xfrm>
+          <a:prstGeom prst="rect">
+            <a:avLst/>
+          </a:prstGeom>
+          <a:noFill/>
+        </p:spPr>
+        <p:txBody>
+          <a:bodyPr wrap="square" rtlCol="0">
+            <a:spAutoFit/>
+          </a:bodyPr>
+          <a:lstStyle/>
+          <a:p>
+            <a:pPr marL="171450" indent="-171450">
+              <a:buFont typeface="Arial" panose="020B0604020202020204" pitchFamily="34" charset="0"/>
+              <a:buChar char="•"/>
+            </a:pPr>
+            <a:r>
+              <a:rPr lang="en-US" sz="1100" b="1" dirty="0">
+                <a:latin typeface="DengXian" charset="-122"/>
+                <a:ea typeface="DengXian" charset="-122"/>
+                <a:cs typeface="DengXian" charset="-122"/>
+              </a:rPr>
+              <a:t>FINISH</a:t>
+            </a:r>
+          </a:p>
+        </p:txBody>
+      </p:sp>
+      <p:sp>
+        <p:nvSpPr>
+          <p:cNvPr id="122" name="Rectangle 121"/>
+          <p:cNvSpPr/>
+          <p:nvPr/>
+        </p:nvSpPr>
+        <p:spPr>
+          <a:xfrm>
+            <a:off x="1104726" y="4481028"/>
+            <a:ext cx="1172312" cy="244232"/>
+          </a:xfrm>
+          <a:prstGeom prst="rect">
+            <a:avLst/>
+          </a:prstGeom>
+        </p:spPr>
+        <p:style>
+          <a:lnRef idx="2">
+            <a:schemeClr val="dk1"/>
+          </a:lnRef>
+          <a:fillRef idx="1">
+            <a:schemeClr val="lt1"/>
+          </a:fillRef>
+          <a:effectRef idx="0">
+            <a:schemeClr val="dk1"/>
+          </a:effectRef>
+          <a:fontRef idx="minor">
+            <a:schemeClr val="dk1"/>
+          </a:fontRef>
+        </p:style>
+        <p:txBody>
+          <a:bodyPr rtlCol="0" anchor="ctr"/>
+          <a:lstStyle/>
+          <a:p>
+            <a:pPr algn="ctr"/>
+            <a:r>
+              <a:rPr lang="en-US" sz="1000" b="1" dirty="0">
+                <a:latin typeface="DengXian" charset="-122"/>
+                <a:ea typeface="DengXian" charset="-122"/>
+                <a:cs typeface="DengXian" charset="-122"/>
+              </a:rPr>
+              <a:t>Button: next</a:t>
+            </a:r>
+          </a:p>
+        </p:txBody>
+      </p:sp>
+      <p:cxnSp>
+        <p:nvCxnSpPr>
+          <p:cNvPr id="192" name="Straight Arrow Connector 191"/>
+          <p:cNvCxnSpPr>
+            <a:cxnSpLocks/>
+            <a:stCxn id="11" idx="0"/>
+            <a:endCxn id="58" idx="2"/>
+          </p:cNvCxnSpPr>
+          <p:nvPr/>
+        </p:nvCxnSpPr>
+        <p:spPr>
+          <a:xfrm flipV="1">
+            <a:off x="10348692" y="5105870"/>
+            <a:ext cx="0" cy="485284"/>
+          </a:xfrm>
+          <a:prstGeom prst="straightConnector1">
+            <a:avLst/>
+          </a:prstGeom>
+          <a:ln>
+            <a:tailEnd type="triangle"/>
+          </a:ln>
+        </p:spPr>
+        <p:style>
+          <a:lnRef idx="1">
+            <a:schemeClr val="accent1"/>
+          </a:lnRef>
+          <a:fillRef idx="0">
+            <a:schemeClr val="accent1"/>
+          </a:fillRef>
+          <a:effectRef idx="0">
+            <a:schemeClr val="accent1"/>
+          </a:effectRef>
+          <a:fontRef idx="minor">
+            <a:schemeClr val="tx1"/>
+          </a:fontRef>
+        </p:style>
+      </p:cxnSp>
+      <p:sp>
+        <p:nvSpPr>
+          <p:cNvPr id="188" name="Rounded Rectangle 187"/>
+          <p:cNvSpPr/>
+          <p:nvPr/>
+        </p:nvSpPr>
+        <p:spPr>
+          <a:xfrm>
+            <a:off x="8878945" y="2743105"/>
+            <a:ext cx="2930781" cy="897707"/>
+          </a:xfrm>
+          <a:prstGeom prst="roundRect">
+            <a:avLst/>
+          </a:prstGeom>
+          <a:ln cmpd="sng">
+            <a:prstDash val="solid"/>
+          </a:ln>
+        </p:spPr>
+        <p:style>
+          <a:lnRef idx="2">
+            <a:schemeClr val="accent1"/>
+          </a:lnRef>
+          <a:fillRef idx="1">
+            <a:schemeClr val="lt1"/>
+          </a:fillRef>
+          <a:effectRef idx="0">
+            <a:schemeClr val="accent1"/>
+          </a:effectRef>
+          <a:fontRef idx="minor">
+            <a:schemeClr val="dk1"/>
+          </a:fontRef>
+        </p:style>
+        <p:txBody>
+          <a:bodyPr rtlCol="0" anchor="ctr"/>
+          <a:lstStyle/>
+          <a:p>
+            <a:pPr algn="ctr"/>
+            <a:r>
+              <a:rPr lang="en-US" sz="1200" b="1" dirty="0">
+                <a:latin typeface="DengXian" charset="-122"/>
+                <a:ea typeface="DengXian" charset="-122"/>
+                <a:cs typeface="DengXian" charset="-122"/>
+              </a:rPr>
+              <a:t>Present Results in the Selected Languages</a:t>
+            </a:r>
+          </a:p>
+        </p:txBody>
+      </p:sp>
+      <p:cxnSp>
+        <p:nvCxnSpPr>
+          <p:cNvPr id="215" name="Straight Arrow Connector 214"/>
+          <p:cNvCxnSpPr>
+            <a:stCxn id="5" idx="2"/>
+            <a:endCxn id="32" idx="0"/>
+          </p:cNvCxnSpPr>
+          <p:nvPr/>
+        </p:nvCxnSpPr>
+        <p:spPr>
+          <a:xfrm flipH="1">
+            <a:off x="1696683" y="2811994"/>
+            <a:ext cx="2049" cy="295950"/>
+          </a:xfrm>
+          <a:prstGeom prst="straightConnector1">
+            <a:avLst/>
+          </a:prstGeom>
+          <a:ln>
+            <a:tailEnd type="triangle"/>
+          </a:ln>
+        </p:spPr>
+        <p:style>
+          <a:lnRef idx="1">
+            <a:schemeClr val="accent1"/>
+          </a:lnRef>
+          <a:fillRef idx="0">
+            <a:schemeClr val="accent1"/>
+          </a:fillRef>
+          <a:effectRef idx="0">
+            <a:schemeClr val="accent1"/>
+          </a:effectRef>
+          <a:fontRef idx="minor">
+            <a:schemeClr val="tx1"/>
+          </a:fontRef>
+        </p:style>
+      </p:cxnSp>
+      <p:sp>
+        <p:nvSpPr>
+          <p:cNvPr id="222" name="Rectangle 221"/>
+          <p:cNvSpPr/>
+          <p:nvPr/>
+        </p:nvSpPr>
+        <p:spPr>
+          <a:xfrm>
+            <a:off x="4180468" y="5233664"/>
+            <a:ext cx="1425142" cy="296905"/>
+          </a:xfrm>
+          <a:prstGeom prst="rect">
+            <a:avLst/>
+          </a:prstGeom>
+        </p:spPr>
+        <p:style>
+          <a:lnRef idx="2">
+            <a:schemeClr val="dk1"/>
+          </a:lnRef>
+          <a:fillRef idx="1">
+            <a:schemeClr val="lt1"/>
+          </a:fillRef>
+          <a:effectRef idx="0">
+            <a:schemeClr val="dk1"/>
+          </a:effectRef>
+          <a:fontRef idx="minor">
+            <a:schemeClr val="dk1"/>
+          </a:fontRef>
+        </p:style>
+        <p:txBody>
+          <a:bodyPr rtlCol="0" anchor="ctr"/>
+          <a:lstStyle/>
+          <a:p>
+            <a:pPr algn="ctr"/>
+            <a:r>
+              <a:rPr lang="en-US" sz="1000" b="1" dirty="0">
+                <a:latin typeface="DengXian" charset="-122"/>
+                <a:ea typeface="DengXian" charset="-122"/>
+                <a:cs typeface="DengXian" charset="-122"/>
+              </a:rPr>
+              <a:t>Button: </a:t>
+            </a:r>
+            <a:r>
+              <a:rPr lang="en-US" altLang="zh-CN" sz="1000" b="1" dirty="0" err="1">
+                <a:latin typeface="DengXian" charset="-122"/>
+                <a:ea typeface="DengXian" charset="-122"/>
+                <a:cs typeface="DengXian" charset="-122"/>
+              </a:rPr>
+              <a:t>take_another</a:t>
+            </a:r>
+            <a:endParaRPr lang="en-US" sz="1000" b="1" dirty="0">
+              <a:latin typeface="DengXian" charset="-122"/>
+              <a:ea typeface="DengXian" charset="-122"/>
+              <a:cs typeface="DengXian" charset="-122"/>
+            </a:endParaRPr>
+          </a:p>
+        </p:txBody>
+      </p:sp>
+      <p:sp>
+        <p:nvSpPr>
+          <p:cNvPr id="45" name="Rounded Rectangle 6">
+            <a:extLst>
+              <a:ext uri="{FF2B5EF4-FFF2-40B4-BE49-F238E27FC236}">
+                <a16:creationId xmlns:a16="http://schemas.microsoft.com/office/drawing/2014/main" id="{06D5CAA5-04D1-4B1E-B4D5-6EF69617F940}"/>
+              </a:ext>
+            </a:extLst>
+          </p:cNvPr>
+          <p:cNvSpPr/>
+          <p:nvPr/>
+        </p:nvSpPr>
+        <p:spPr>
+          <a:xfrm>
+            <a:off x="5181212" y="1798057"/>
+            <a:ext cx="1563083" cy="586156"/>
+          </a:xfrm>
+          <a:prstGeom prst="roundRect">
+            <a:avLst/>
+          </a:prstGeom>
+        </p:spPr>
+        <p:style>
+          <a:lnRef idx="2">
+            <a:schemeClr val="accent1"/>
+          </a:lnRef>
+          <a:fillRef idx="1">
+            <a:schemeClr val="lt1"/>
+          </a:fillRef>
+          <a:effectRef idx="0">
+            <a:schemeClr val="accent1"/>
+          </a:effectRef>
+          <a:fontRef idx="minor">
+            <a:schemeClr val="dk1"/>
+          </a:fontRef>
+        </p:style>
+        <p:txBody>
+          <a:bodyPr rtlCol="0" anchor="ctr"/>
+          <a:lstStyle/>
+          <a:p>
+            <a:pPr algn="ctr"/>
+            <a:r>
+              <a:rPr lang="en-US" sz="1200" b="1" dirty="0" err="1">
+                <a:latin typeface="DengXian" charset="-122"/>
+                <a:ea typeface="DengXian" charset="-122"/>
+                <a:cs typeface="DengXian" charset="-122"/>
+              </a:rPr>
+              <a:t>TensorFlow</a:t>
+            </a:r>
+            <a:endParaRPr lang="en-US" sz="1200" b="1" dirty="0">
+              <a:latin typeface="DengXian" charset="-122"/>
+              <a:ea typeface="DengXian" charset="-122"/>
+              <a:cs typeface="DengXian" charset="-122"/>
+            </a:endParaRPr>
+          </a:p>
+          <a:p>
+            <a:pPr algn="ctr"/>
+            <a:r>
+              <a:rPr lang="en-US" sz="1200" b="1" dirty="0">
+                <a:latin typeface="DengXian" charset="-122"/>
+                <a:ea typeface="DengXian" charset="-122"/>
+                <a:cs typeface="DengXian" charset="-122"/>
+              </a:rPr>
+              <a:t>Recognize</a:t>
+            </a:r>
+          </a:p>
+        </p:txBody>
+      </p:sp>
+      <p:cxnSp>
+        <p:nvCxnSpPr>
+          <p:cNvPr id="47" name="Straight Arrow Connector 46">
+            <a:extLst>
+              <a:ext uri="{FF2B5EF4-FFF2-40B4-BE49-F238E27FC236}">
+                <a16:creationId xmlns:a16="http://schemas.microsoft.com/office/drawing/2014/main" id="{D690CCB3-F06D-4972-AEE2-B0036741705D}"/>
+              </a:ext>
+            </a:extLst>
+          </p:cNvPr>
+          <p:cNvCxnSpPr>
+            <a:cxnSpLocks/>
+            <a:stCxn id="45" idx="2"/>
+            <a:endCxn id="94" idx="0"/>
+          </p:cNvCxnSpPr>
+          <p:nvPr/>
+        </p:nvCxnSpPr>
+        <p:spPr>
+          <a:xfrm>
+            <a:off x="5962754" y="2384213"/>
+            <a:ext cx="0" cy="296688"/>
+          </a:xfrm>
+          <a:prstGeom prst="straightConnector1">
+            <a:avLst/>
+          </a:prstGeom>
+          <a:ln>
+            <a:tailEnd type="triangle"/>
+          </a:ln>
+        </p:spPr>
+        <p:style>
+          <a:lnRef idx="1">
+            <a:schemeClr val="accent1"/>
+          </a:lnRef>
+          <a:fillRef idx="0">
+            <a:schemeClr val="accent1"/>
+          </a:fillRef>
+          <a:effectRef idx="0">
+            <a:schemeClr val="accent1"/>
+          </a:effectRef>
+          <a:fontRef idx="minor">
+            <a:schemeClr val="tx1"/>
+          </a:fontRef>
+        </p:style>
+      </p:cxnSp>
+      <p:sp>
+        <p:nvSpPr>
+          <p:cNvPr id="55" name="Rectangle 54">
+            <a:extLst>
+              <a:ext uri="{FF2B5EF4-FFF2-40B4-BE49-F238E27FC236}">
+                <a16:creationId xmlns:a16="http://schemas.microsoft.com/office/drawing/2014/main" id="{9B572F6C-372D-40EA-9D43-3A77D1178686}"/>
+              </a:ext>
+            </a:extLst>
+          </p:cNvPr>
+          <p:cNvSpPr/>
+          <p:nvPr/>
+        </p:nvSpPr>
+        <p:spPr>
+          <a:xfrm>
+            <a:off x="5027207" y="3347908"/>
+            <a:ext cx="1871092" cy="406815"/>
+          </a:xfrm>
+          <a:prstGeom prst="rect">
+            <a:avLst/>
+          </a:prstGeom>
+          <a:ln w="19050"/>
+        </p:spPr>
+        <p:style>
+          <a:lnRef idx="2">
+            <a:schemeClr val="accent2"/>
+          </a:lnRef>
+          <a:fillRef idx="1">
+            <a:schemeClr val="lt1"/>
+          </a:fillRef>
+          <a:effectRef idx="0">
+            <a:schemeClr val="accent2"/>
+          </a:effectRef>
+          <a:fontRef idx="minor">
+            <a:schemeClr val="dk1"/>
+          </a:fontRef>
+        </p:style>
+        <p:txBody>
+          <a:bodyPr rtlCol="0" anchor="ctr"/>
+          <a:lstStyle/>
+          <a:p>
+            <a:pPr algn="ctr"/>
+            <a:r>
+              <a:rPr lang="en-US" sz="1200" b="1" dirty="0">
+                <a:latin typeface="DengXian" charset="-122"/>
+                <a:ea typeface="DengXian" charset="-122"/>
+                <a:cs typeface="DengXian" charset="-122"/>
+              </a:rPr>
+              <a:t>Radio Group: Options</a:t>
+            </a:r>
+          </a:p>
+        </p:txBody>
+      </p:sp>
+      <p:sp>
+        <p:nvSpPr>
+          <p:cNvPr id="57" name="TextBox 56">
+            <a:extLst>
+              <a:ext uri="{FF2B5EF4-FFF2-40B4-BE49-F238E27FC236}">
+                <a16:creationId xmlns:a16="http://schemas.microsoft.com/office/drawing/2014/main" id="{070BD907-18A6-4AE2-A170-8147587BA71D}"/>
+              </a:ext>
+            </a:extLst>
+          </p:cNvPr>
+          <p:cNvSpPr txBox="1"/>
+          <p:nvPr/>
+        </p:nvSpPr>
+        <p:spPr>
+          <a:xfrm>
+            <a:off x="5928007" y="5011648"/>
+            <a:ext cx="1722679" cy="261610"/>
+          </a:xfrm>
+          <a:prstGeom prst="rect">
+            <a:avLst/>
+          </a:prstGeom>
+          <a:noFill/>
+        </p:spPr>
+        <p:txBody>
+          <a:bodyPr wrap="square" rtlCol="0">
+            <a:spAutoFit/>
+          </a:bodyPr>
+          <a:lstStyle/>
+          <a:p>
+            <a:pPr marL="171450" indent="-171450">
+              <a:buFont typeface="Arial" panose="020B0604020202020204" pitchFamily="34" charset="0"/>
+              <a:buChar char="•"/>
+            </a:pPr>
+            <a:r>
+              <a:rPr lang="en-US" sz="1100" b="1" dirty="0">
+                <a:latin typeface="DengXian" charset="-122"/>
+                <a:ea typeface="DengXian" charset="-122"/>
+                <a:cs typeface="DengXian" charset="-122"/>
+              </a:rPr>
+              <a:t>SUM-UP</a:t>
+            </a:r>
+          </a:p>
+        </p:txBody>
+      </p:sp>
+      <p:cxnSp>
+        <p:nvCxnSpPr>
+          <p:cNvPr id="67" name="Elbow Connector 143">
+            <a:extLst>
+              <a:ext uri="{FF2B5EF4-FFF2-40B4-BE49-F238E27FC236}">
+                <a16:creationId xmlns:a16="http://schemas.microsoft.com/office/drawing/2014/main" id="{D2601F6C-0017-4BFD-9D44-DCAFA8556016}"/>
+              </a:ext>
+            </a:extLst>
+          </p:cNvPr>
+          <p:cNvCxnSpPr>
+            <a:cxnSpLocks/>
+            <a:stCxn id="42" idx="3"/>
+            <a:endCxn id="32" idx="3"/>
+          </p:cNvCxnSpPr>
+          <p:nvPr/>
+        </p:nvCxnSpPr>
+        <p:spPr>
+          <a:xfrm flipH="1" flipV="1">
+            <a:off x="2282839" y="3230060"/>
+            <a:ext cx="242676" cy="583619"/>
+          </a:xfrm>
+          <a:prstGeom prst="bentConnector3">
+            <a:avLst>
+              <a:gd name="adj1" fmla="val -276015"/>
+            </a:avLst>
+          </a:prstGeom>
+          <a:ln>
+            <a:tailEnd type="triangle"/>
+          </a:ln>
+        </p:spPr>
+        <p:style>
+          <a:lnRef idx="1">
+            <a:schemeClr val="accent1"/>
+          </a:lnRef>
+          <a:fillRef idx="0">
+            <a:schemeClr val="accent1"/>
+          </a:fillRef>
+          <a:effectRef idx="0">
+            <a:schemeClr val="accent1"/>
+          </a:effectRef>
+          <a:fontRef idx="minor">
+            <a:schemeClr val="tx1"/>
+          </a:fontRef>
+        </p:style>
+      </p:cxnSp>
+      <p:cxnSp>
+        <p:nvCxnSpPr>
+          <p:cNvPr id="70" name="Elbow Connector 143">
+            <a:extLst>
+              <a:ext uri="{FF2B5EF4-FFF2-40B4-BE49-F238E27FC236}">
+                <a16:creationId xmlns:a16="http://schemas.microsoft.com/office/drawing/2014/main" id="{BF5CEEEE-975C-4F52-A5EE-0CDBF32F14D5}"/>
+              </a:ext>
+            </a:extLst>
+          </p:cNvPr>
+          <p:cNvCxnSpPr>
+            <a:cxnSpLocks/>
+            <a:stCxn id="122" idx="2"/>
+            <a:endCxn id="45" idx="0"/>
+          </p:cNvCxnSpPr>
+          <p:nvPr/>
+        </p:nvCxnSpPr>
+        <p:spPr>
+          <a:xfrm rot="5400000" flipH="1" flipV="1">
+            <a:off x="2363216" y="1125723"/>
+            <a:ext cx="2927203" cy="4271872"/>
+          </a:xfrm>
+          <a:prstGeom prst="bentConnector5">
+            <a:avLst>
+              <a:gd name="adj1" fmla="val -7810"/>
+              <a:gd name="adj2" fmla="val 42627"/>
+              <a:gd name="adj3" fmla="val 107810"/>
+            </a:avLst>
+          </a:prstGeom>
+          <a:ln>
+            <a:tailEnd type="triangle"/>
+          </a:ln>
+        </p:spPr>
+        <p:style>
+          <a:lnRef idx="1">
+            <a:schemeClr val="accent1"/>
+          </a:lnRef>
+          <a:fillRef idx="0">
+            <a:schemeClr val="accent1"/>
+          </a:fillRef>
+          <a:effectRef idx="0">
+            <a:schemeClr val="accent1"/>
+          </a:effectRef>
+          <a:fontRef idx="minor">
+            <a:schemeClr val="tx1"/>
+          </a:fontRef>
+        </p:style>
+      </p:cxnSp>
+      <p:cxnSp>
+        <p:nvCxnSpPr>
+          <p:cNvPr id="82" name="Elbow Connector 143">
+            <a:extLst>
+              <a:ext uri="{FF2B5EF4-FFF2-40B4-BE49-F238E27FC236}">
+                <a16:creationId xmlns:a16="http://schemas.microsoft.com/office/drawing/2014/main" id="{BEEC8225-BA1D-48F9-88A6-E73EEF7143F7}"/>
+              </a:ext>
+            </a:extLst>
+          </p:cNvPr>
+          <p:cNvCxnSpPr>
+            <a:cxnSpLocks/>
+            <a:stCxn id="76" idx="1"/>
+            <a:endCxn id="222" idx="0"/>
+          </p:cNvCxnSpPr>
+          <p:nvPr/>
+        </p:nvCxnSpPr>
+        <p:spPr>
+          <a:xfrm rot="10800000" flipV="1">
+            <a:off x="4893039" y="4149234"/>
+            <a:ext cx="483558" cy="1084429"/>
+          </a:xfrm>
+          <a:prstGeom prst="bentConnector2">
+            <a:avLst/>
+          </a:prstGeom>
+          <a:ln>
+            <a:tailEnd type="triangle"/>
+          </a:ln>
+        </p:spPr>
+        <p:style>
+          <a:lnRef idx="1">
+            <a:schemeClr val="accent1"/>
+          </a:lnRef>
+          <a:fillRef idx="0">
+            <a:schemeClr val="accent1"/>
+          </a:fillRef>
+          <a:effectRef idx="0">
+            <a:schemeClr val="accent1"/>
+          </a:effectRef>
+          <a:fontRef idx="minor">
+            <a:schemeClr val="tx1"/>
+          </a:fontRef>
+        </p:style>
+      </p:cxnSp>
+      <p:sp>
+        <p:nvSpPr>
+          <p:cNvPr id="94" name="Rounded Rectangle 9">
+            <a:extLst>
+              <a:ext uri="{FF2B5EF4-FFF2-40B4-BE49-F238E27FC236}">
+                <a16:creationId xmlns:a16="http://schemas.microsoft.com/office/drawing/2014/main" id="{2480A988-0C40-418C-906A-09781F3D0DD3}"/>
+              </a:ext>
+            </a:extLst>
+          </p:cNvPr>
+          <p:cNvSpPr/>
+          <p:nvPr/>
+        </p:nvSpPr>
+        <p:spPr>
+          <a:xfrm>
+            <a:off x="5181212" y="2680901"/>
+            <a:ext cx="1563083" cy="390771"/>
+          </a:xfrm>
+          <a:prstGeom prst="roundRect">
+            <a:avLst/>
+          </a:prstGeom>
+        </p:spPr>
+        <p:style>
+          <a:lnRef idx="2">
+            <a:schemeClr val="accent1"/>
+          </a:lnRef>
+          <a:fillRef idx="1">
+            <a:schemeClr val="lt1"/>
+          </a:fillRef>
+          <a:effectRef idx="0">
+            <a:schemeClr val="accent1"/>
+          </a:effectRef>
+          <a:fontRef idx="minor">
+            <a:schemeClr val="dk1"/>
+          </a:fontRef>
+        </p:style>
+        <p:txBody>
+          <a:bodyPr rtlCol="0" anchor="ctr"/>
+          <a:lstStyle/>
+          <a:p>
+            <a:pPr algn="ctr"/>
+            <a:r>
+              <a:rPr lang="en-US" sz="1200" b="1" dirty="0">
+                <a:latin typeface="DengXian" charset="-122"/>
+                <a:ea typeface="DengXian" charset="-122"/>
+                <a:cs typeface="DengXian" charset="-122"/>
+              </a:rPr>
+              <a:t>Calculate Result</a:t>
+            </a:r>
+          </a:p>
+        </p:txBody>
+      </p:sp>
+      <p:cxnSp>
+        <p:nvCxnSpPr>
+          <p:cNvPr id="101" name="Straight Arrow Connector 100">
+            <a:extLst>
+              <a:ext uri="{FF2B5EF4-FFF2-40B4-BE49-F238E27FC236}">
+                <a16:creationId xmlns:a16="http://schemas.microsoft.com/office/drawing/2014/main" id="{18F020E2-657C-45D2-AFED-40ADCD5146E9}"/>
+              </a:ext>
+            </a:extLst>
+          </p:cNvPr>
+          <p:cNvCxnSpPr>
+            <a:cxnSpLocks/>
+            <a:stCxn id="94" idx="2"/>
+            <a:endCxn id="55" idx="0"/>
+          </p:cNvCxnSpPr>
+          <p:nvPr/>
+        </p:nvCxnSpPr>
+        <p:spPr>
+          <a:xfrm flipH="1">
+            <a:off x="5962753" y="3071672"/>
+            <a:ext cx="1" cy="276236"/>
+          </a:xfrm>
+          <a:prstGeom prst="straightConnector1">
+            <a:avLst/>
+          </a:prstGeom>
+          <a:ln>
+            <a:tailEnd type="triangle"/>
+          </a:ln>
+        </p:spPr>
+        <p:style>
+          <a:lnRef idx="1">
+            <a:schemeClr val="accent1"/>
+          </a:lnRef>
+          <a:fillRef idx="0">
+            <a:schemeClr val="accent1"/>
+          </a:fillRef>
+          <a:effectRef idx="0">
+            <a:schemeClr val="accent1"/>
+          </a:effectRef>
+          <a:fontRef idx="minor">
+            <a:schemeClr val="tx1"/>
+          </a:fontRef>
+        </p:style>
+      </p:cxnSp>
+      <p:cxnSp>
+        <p:nvCxnSpPr>
+          <p:cNvPr id="150" name="Elbow Connector 143">
+            <a:extLst>
+              <a:ext uri="{FF2B5EF4-FFF2-40B4-BE49-F238E27FC236}">
+                <a16:creationId xmlns:a16="http://schemas.microsoft.com/office/drawing/2014/main" id="{0141B686-1751-4059-995A-3A6C4F47818C}"/>
+              </a:ext>
+            </a:extLst>
+          </p:cNvPr>
+          <p:cNvCxnSpPr>
+            <a:cxnSpLocks/>
+            <a:stCxn id="76" idx="2"/>
+            <a:endCxn id="222" idx="3"/>
+          </p:cNvCxnSpPr>
+          <p:nvPr/>
+        </p:nvCxnSpPr>
+        <p:spPr>
+          <a:xfrm rot="5400000">
+            <a:off x="5228799" y="4648163"/>
+            <a:ext cx="1110766" cy="357143"/>
+          </a:xfrm>
+          <a:prstGeom prst="bentConnector2">
+            <a:avLst/>
+          </a:prstGeom>
+          <a:ln>
+            <a:tailEnd type="triangle"/>
+          </a:ln>
+        </p:spPr>
+        <p:style>
+          <a:lnRef idx="1">
+            <a:schemeClr val="accent1"/>
+          </a:lnRef>
+          <a:fillRef idx="0">
+            <a:schemeClr val="accent1"/>
+          </a:fillRef>
+          <a:effectRef idx="0">
+            <a:schemeClr val="accent1"/>
+          </a:effectRef>
+          <a:fontRef idx="minor">
+            <a:schemeClr val="tx1"/>
+          </a:fontRef>
+        </p:style>
+      </p:cxnSp>
+      <p:sp>
+        <p:nvSpPr>
+          <p:cNvPr id="157" name="Rectangle 156">
+            <a:extLst>
+              <a:ext uri="{FF2B5EF4-FFF2-40B4-BE49-F238E27FC236}">
+                <a16:creationId xmlns:a16="http://schemas.microsoft.com/office/drawing/2014/main" id="{1C3DFB42-37BD-49A1-998C-7AFD13BA6120}"/>
+              </a:ext>
+            </a:extLst>
+          </p:cNvPr>
+          <p:cNvSpPr/>
+          <p:nvPr/>
+        </p:nvSpPr>
+        <p:spPr>
+          <a:xfrm>
+            <a:off x="7340075" y="4027119"/>
+            <a:ext cx="1164534" cy="240428"/>
+          </a:xfrm>
+          <a:prstGeom prst="rect">
+            <a:avLst/>
+          </a:prstGeom>
+        </p:spPr>
+        <p:style>
+          <a:lnRef idx="2">
+            <a:schemeClr val="dk1"/>
+          </a:lnRef>
+          <a:fillRef idx="1">
+            <a:schemeClr val="lt1"/>
+          </a:fillRef>
+          <a:effectRef idx="0">
+            <a:schemeClr val="dk1"/>
+          </a:effectRef>
+          <a:fontRef idx="minor">
+            <a:schemeClr val="dk1"/>
+          </a:fontRef>
+        </p:style>
+        <p:txBody>
+          <a:bodyPr rtlCol="0" anchor="ctr"/>
+          <a:lstStyle/>
+          <a:p>
+            <a:pPr algn="ctr"/>
+            <a:r>
+              <a:rPr lang="en-US" sz="1000" b="1" dirty="0">
+                <a:latin typeface="DengXian" charset="-122"/>
+                <a:ea typeface="DengXian" charset="-122"/>
+                <a:cs typeface="DengXian" charset="-122"/>
+              </a:rPr>
+              <a:t>Button: </a:t>
+            </a:r>
+            <a:r>
+              <a:rPr lang="en-US" sz="1000" b="1" dirty="0" err="1">
+                <a:latin typeface="DengXian" charset="-122"/>
+                <a:ea typeface="DengXian" charset="-122"/>
+                <a:cs typeface="DengXian" charset="-122"/>
+              </a:rPr>
+              <a:t>finish_go</a:t>
+            </a:r>
+            <a:endParaRPr lang="en-US" sz="1000" b="1" dirty="0">
+              <a:latin typeface="DengXian" charset="-122"/>
+              <a:ea typeface="DengXian" charset="-122"/>
+              <a:cs typeface="DengXian" charset="-122"/>
+            </a:endParaRPr>
+          </a:p>
+        </p:txBody>
+      </p:sp>
+      <p:cxnSp>
+        <p:nvCxnSpPr>
+          <p:cNvPr id="162" name="Straight Arrow Connector 161">
+            <a:extLst>
+              <a:ext uri="{FF2B5EF4-FFF2-40B4-BE49-F238E27FC236}">
+                <a16:creationId xmlns:a16="http://schemas.microsoft.com/office/drawing/2014/main" id="{9D18ED1E-4FD6-4B9E-827E-B02C7297328B}"/>
+              </a:ext>
+            </a:extLst>
+          </p:cNvPr>
+          <p:cNvCxnSpPr>
+            <a:cxnSpLocks/>
+            <a:stCxn id="76" idx="3"/>
+            <a:endCxn id="157" idx="1"/>
+          </p:cNvCxnSpPr>
+          <p:nvPr/>
+        </p:nvCxnSpPr>
+        <p:spPr>
+          <a:xfrm flipV="1">
+            <a:off x="6548909" y="4147333"/>
+            <a:ext cx="791166" cy="1902"/>
+          </a:xfrm>
+          <a:prstGeom prst="straightConnector1">
+            <a:avLst/>
+          </a:prstGeom>
+          <a:ln>
+            <a:tailEnd type="triangle"/>
+          </a:ln>
+        </p:spPr>
+        <p:style>
+          <a:lnRef idx="1">
+            <a:schemeClr val="accent1"/>
+          </a:lnRef>
+          <a:fillRef idx="0">
+            <a:schemeClr val="accent1"/>
+          </a:fillRef>
+          <a:effectRef idx="0">
+            <a:schemeClr val="accent1"/>
+          </a:effectRef>
+          <a:fontRef idx="minor">
+            <a:schemeClr val="tx1"/>
+          </a:fontRef>
+        </p:style>
+      </p:cxnSp>
+      <p:cxnSp>
+        <p:nvCxnSpPr>
+          <p:cNvPr id="175" name="Elbow Connector 143">
+            <a:extLst>
+              <a:ext uri="{FF2B5EF4-FFF2-40B4-BE49-F238E27FC236}">
+                <a16:creationId xmlns:a16="http://schemas.microsoft.com/office/drawing/2014/main" id="{9D7B1BE7-BAF1-41A1-B65E-BC861FEE952F}"/>
+              </a:ext>
+            </a:extLst>
+          </p:cNvPr>
+          <p:cNvCxnSpPr>
+            <a:cxnSpLocks/>
+            <a:stCxn id="222" idx="1"/>
+            <a:endCxn id="5" idx="1"/>
+          </p:cNvCxnSpPr>
+          <p:nvPr/>
+        </p:nvCxnSpPr>
+        <p:spPr>
+          <a:xfrm rot="10800000">
+            <a:off x="917190" y="2616609"/>
+            <a:ext cx="3263278" cy="2765508"/>
+          </a:xfrm>
+          <a:prstGeom prst="bentConnector3">
+            <a:avLst>
+              <a:gd name="adj1" fmla="val 118431"/>
+            </a:avLst>
+          </a:prstGeom>
+          <a:ln>
+            <a:tailEnd type="triangle"/>
+          </a:ln>
+        </p:spPr>
+        <p:style>
+          <a:lnRef idx="1">
+            <a:schemeClr val="accent1"/>
+          </a:lnRef>
+          <a:fillRef idx="0">
+            <a:schemeClr val="accent1"/>
+          </a:fillRef>
+          <a:effectRef idx="0">
+            <a:schemeClr val="accent1"/>
+          </a:effectRef>
+          <a:fontRef idx="minor">
+            <a:schemeClr val="tx1"/>
+          </a:fontRef>
+        </p:style>
+      </p:cxnSp>
+      <p:sp>
+        <p:nvSpPr>
+          <p:cNvPr id="183" name="TextBox 182">
+            <a:extLst>
+              <a:ext uri="{FF2B5EF4-FFF2-40B4-BE49-F238E27FC236}">
+                <a16:creationId xmlns:a16="http://schemas.microsoft.com/office/drawing/2014/main" id="{A595ABBF-5F7E-4B04-A049-DEE28E2DF121}"/>
+              </a:ext>
+            </a:extLst>
+          </p:cNvPr>
+          <p:cNvSpPr txBox="1"/>
+          <p:nvPr/>
+        </p:nvSpPr>
+        <p:spPr>
+          <a:xfrm>
+            <a:off x="3876927" y="4258111"/>
+            <a:ext cx="1074837" cy="261610"/>
+          </a:xfrm>
+          <a:prstGeom prst="rect">
+            <a:avLst/>
+          </a:prstGeom>
+          <a:noFill/>
+        </p:spPr>
+        <p:txBody>
+          <a:bodyPr wrap="square" rtlCol="0">
+            <a:spAutoFit/>
+          </a:bodyPr>
+          <a:lstStyle/>
+          <a:p>
+            <a:pPr marL="171450" indent="-171450">
+              <a:buFont typeface="Arial" panose="020B0604020202020204" pitchFamily="34" charset="0"/>
+              <a:buChar char="•"/>
+            </a:pPr>
+            <a:r>
+              <a:rPr lang="en-US" altLang="zh-CN" sz="1100" b="1" dirty="0">
+                <a:latin typeface="DengXian" charset="-122"/>
+                <a:ea typeface="DengXian" charset="-122"/>
+                <a:cs typeface="DengXian" charset="-122"/>
+              </a:rPr>
+              <a:t>ABANDON</a:t>
+            </a:r>
+            <a:endParaRPr lang="en-US" sz="1100" b="1" dirty="0">
+              <a:latin typeface="DengXian" charset="-122"/>
+              <a:ea typeface="DengXian" charset="-122"/>
+              <a:cs typeface="DengXian" charset="-122"/>
+            </a:endParaRPr>
+          </a:p>
+        </p:txBody>
+      </p:sp>
       <p:sp>
         <p:nvSpPr>
           <p:cNvPr id="189" name="TextBox 188">
@@ -5570,6 +5074,447 @@
           </a:p>
         </p:txBody>
       </p:sp>
+      <p:sp>
+        <p:nvSpPr>
+          <p:cNvPr id="56" name="Rectangle 55">
+            <a:extLst>
+              <a:ext uri="{FF2B5EF4-FFF2-40B4-BE49-F238E27FC236}">
+                <a16:creationId xmlns:a16="http://schemas.microsoft.com/office/drawing/2014/main" id="{5E2AE0B2-609E-4A9A-AA0A-D677B4BD5298}"/>
+              </a:ext>
+            </a:extLst>
+          </p:cNvPr>
+          <p:cNvSpPr/>
+          <p:nvPr/>
+        </p:nvSpPr>
+        <p:spPr>
+          <a:xfrm>
+            <a:off x="9762068" y="3986130"/>
+            <a:ext cx="1164534" cy="240428"/>
+          </a:xfrm>
+          <a:prstGeom prst="rect">
+            <a:avLst/>
+          </a:prstGeom>
+        </p:spPr>
+        <p:style>
+          <a:lnRef idx="2">
+            <a:schemeClr val="dk1"/>
+          </a:lnRef>
+          <a:fillRef idx="1">
+            <a:schemeClr val="lt1"/>
+          </a:fillRef>
+          <a:effectRef idx="0">
+            <a:schemeClr val="dk1"/>
+          </a:effectRef>
+          <a:fontRef idx="minor">
+            <a:schemeClr val="dk1"/>
+          </a:fontRef>
+        </p:style>
+        <p:txBody>
+          <a:bodyPr rtlCol="0" anchor="ctr"/>
+          <a:lstStyle/>
+          <a:p>
+            <a:pPr algn="ctr"/>
+            <a:r>
+              <a:rPr lang="en-US" sz="1000" b="1" dirty="0">
+                <a:latin typeface="DengXian" charset="-122"/>
+                <a:ea typeface="DengXian" charset="-122"/>
+                <a:cs typeface="DengXian" charset="-122"/>
+              </a:rPr>
+              <a:t>Button: confirm</a:t>
+            </a:r>
+          </a:p>
+        </p:txBody>
+      </p:sp>
+      <p:sp>
+        <p:nvSpPr>
+          <p:cNvPr id="58" name="Rectangle 57">
+            <a:extLst>
+              <a:ext uri="{FF2B5EF4-FFF2-40B4-BE49-F238E27FC236}">
+                <a16:creationId xmlns:a16="http://schemas.microsoft.com/office/drawing/2014/main" id="{7895A9AB-FB2B-4760-B3A3-54E3BEE087F2}"/>
+              </a:ext>
+            </a:extLst>
+          </p:cNvPr>
+          <p:cNvSpPr/>
+          <p:nvPr/>
+        </p:nvSpPr>
+        <p:spPr>
+          <a:xfrm>
+            <a:off x="9617359" y="4657169"/>
+            <a:ext cx="1462665" cy="448701"/>
+          </a:xfrm>
+          <a:prstGeom prst="rect">
+            <a:avLst/>
+          </a:prstGeom>
+          <a:ln w="19050"/>
+        </p:spPr>
+        <p:style>
+          <a:lnRef idx="2">
+            <a:schemeClr val="accent2"/>
+          </a:lnRef>
+          <a:fillRef idx="1">
+            <a:schemeClr val="lt1"/>
+          </a:fillRef>
+          <a:effectRef idx="0">
+            <a:schemeClr val="accent2"/>
+          </a:effectRef>
+          <a:fontRef idx="minor">
+            <a:schemeClr val="dk1"/>
+          </a:fontRef>
+        </p:style>
+        <p:txBody>
+          <a:bodyPr rtlCol="0" anchor="ctr"/>
+          <a:lstStyle/>
+          <a:p>
+            <a:pPr algn="ctr"/>
+            <a:r>
+              <a:rPr lang="en-US" altLang="zh-CN" sz="1200" b="1" dirty="0">
+                <a:latin typeface="DengXian" charset="-122"/>
+                <a:ea typeface="DengXian" charset="-122"/>
+                <a:cs typeface="DengXian" charset="-122"/>
+              </a:rPr>
+              <a:t>Number Picker:</a:t>
+            </a:r>
+          </a:p>
+          <a:p>
+            <a:pPr algn="ctr"/>
+            <a:r>
+              <a:rPr lang="en-US" sz="1200" b="1" dirty="0">
+                <a:latin typeface="DengXian" charset="-122"/>
+                <a:ea typeface="DengXian" charset="-122"/>
+                <a:cs typeface="DengXian" charset="-122"/>
+              </a:rPr>
+              <a:t>Language</a:t>
+            </a:r>
+          </a:p>
+        </p:txBody>
+      </p:sp>
+      <p:sp>
+        <p:nvSpPr>
+          <p:cNvPr id="63" name="Rectangle 62">
+            <a:extLst>
+              <a:ext uri="{FF2B5EF4-FFF2-40B4-BE49-F238E27FC236}">
+                <a16:creationId xmlns:a16="http://schemas.microsoft.com/office/drawing/2014/main" id="{8FF0E13F-FEA2-4B57-BEA2-A7186D1B9E7A}"/>
+              </a:ext>
+            </a:extLst>
+          </p:cNvPr>
+          <p:cNvSpPr/>
+          <p:nvPr/>
+        </p:nvSpPr>
+        <p:spPr>
+          <a:xfrm>
+            <a:off x="9762068" y="2011123"/>
+            <a:ext cx="1164534" cy="240428"/>
+          </a:xfrm>
+          <a:prstGeom prst="rect">
+            <a:avLst/>
+          </a:prstGeom>
+        </p:spPr>
+        <p:style>
+          <a:lnRef idx="2">
+            <a:schemeClr val="dk1"/>
+          </a:lnRef>
+          <a:fillRef idx="1">
+            <a:schemeClr val="lt1"/>
+          </a:fillRef>
+          <a:effectRef idx="0">
+            <a:schemeClr val="dk1"/>
+          </a:effectRef>
+          <a:fontRef idx="minor">
+            <a:schemeClr val="dk1"/>
+          </a:fontRef>
+        </p:style>
+        <p:txBody>
+          <a:bodyPr rtlCol="0" anchor="ctr"/>
+          <a:lstStyle/>
+          <a:p>
+            <a:pPr algn="ctr"/>
+            <a:r>
+              <a:rPr lang="en-US" sz="1000" b="1" dirty="0">
+                <a:latin typeface="DengXian" charset="-122"/>
+                <a:ea typeface="DengXian" charset="-122"/>
+                <a:cs typeface="DengXian" charset="-122"/>
+              </a:rPr>
+              <a:t>Button: exit</a:t>
+            </a:r>
+          </a:p>
+        </p:txBody>
+      </p:sp>
+      <p:cxnSp>
+        <p:nvCxnSpPr>
+          <p:cNvPr id="65" name="Straight Arrow Connector 64">
+            <a:extLst>
+              <a:ext uri="{FF2B5EF4-FFF2-40B4-BE49-F238E27FC236}">
+                <a16:creationId xmlns:a16="http://schemas.microsoft.com/office/drawing/2014/main" id="{5617E36C-D4CF-4453-BC05-1AEB14297D9E}"/>
+              </a:ext>
+            </a:extLst>
+          </p:cNvPr>
+          <p:cNvCxnSpPr>
+            <a:cxnSpLocks/>
+            <a:stCxn id="58" idx="0"/>
+          </p:cNvCxnSpPr>
+          <p:nvPr/>
+        </p:nvCxnSpPr>
+        <p:spPr>
+          <a:xfrm flipH="1" flipV="1">
+            <a:off x="10344336" y="4226559"/>
+            <a:ext cx="4356" cy="430610"/>
+          </a:xfrm>
+          <a:prstGeom prst="straightConnector1">
+            <a:avLst/>
+          </a:prstGeom>
+          <a:ln>
+            <a:tailEnd type="triangle"/>
+          </a:ln>
+        </p:spPr>
+        <p:style>
+          <a:lnRef idx="1">
+            <a:schemeClr val="accent1"/>
+          </a:lnRef>
+          <a:fillRef idx="0">
+            <a:schemeClr val="accent1"/>
+          </a:fillRef>
+          <a:effectRef idx="0">
+            <a:schemeClr val="accent1"/>
+          </a:effectRef>
+          <a:fontRef idx="minor">
+            <a:schemeClr val="tx1"/>
+          </a:fontRef>
+        </p:style>
+      </p:cxnSp>
+      <p:cxnSp>
+        <p:nvCxnSpPr>
+          <p:cNvPr id="68" name="Straight Arrow Connector 67">
+            <a:extLst>
+              <a:ext uri="{FF2B5EF4-FFF2-40B4-BE49-F238E27FC236}">
+                <a16:creationId xmlns:a16="http://schemas.microsoft.com/office/drawing/2014/main" id="{91662B03-46A9-4C04-87E8-0327F66DDB0D}"/>
+              </a:ext>
+            </a:extLst>
+          </p:cNvPr>
+          <p:cNvCxnSpPr>
+            <a:cxnSpLocks/>
+          </p:cNvCxnSpPr>
+          <p:nvPr/>
+        </p:nvCxnSpPr>
+        <p:spPr>
+          <a:xfrm flipV="1">
+            <a:off x="10344335" y="3640812"/>
+            <a:ext cx="1" cy="345318"/>
+          </a:xfrm>
+          <a:prstGeom prst="straightConnector1">
+            <a:avLst/>
+          </a:prstGeom>
+          <a:ln>
+            <a:tailEnd type="triangle"/>
+          </a:ln>
+        </p:spPr>
+        <p:style>
+          <a:lnRef idx="1">
+            <a:schemeClr val="accent1"/>
+          </a:lnRef>
+          <a:fillRef idx="0">
+            <a:schemeClr val="accent1"/>
+          </a:fillRef>
+          <a:effectRef idx="0">
+            <a:schemeClr val="accent1"/>
+          </a:effectRef>
+          <a:fontRef idx="minor">
+            <a:schemeClr val="tx1"/>
+          </a:fontRef>
+        </p:style>
+      </p:cxnSp>
+      <p:cxnSp>
+        <p:nvCxnSpPr>
+          <p:cNvPr id="73" name="Elbow Connector 102">
+            <a:extLst>
+              <a:ext uri="{FF2B5EF4-FFF2-40B4-BE49-F238E27FC236}">
+                <a16:creationId xmlns:a16="http://schemas.microsoft.com/office/drawing/2014/main" id="{32759E86-F920-4539-B017-32E86900ADA2}"/>
+              </a:ext>
+            </a:extLst>
+          </p:cNvPr>
+          <p:cNvCxnSpPr>
+            <a:cxnSpLocks/>
+            <a:stCxn id="188" idx="3"/>
+            <a:endCxn id="58" idx="3"/>
+          </p:cNvCxnSpPr>
+          <p:nvPr/>
+        </p:nvCxnSpPr>
+        <p:spPr>
+          <a:xfrm flipH="1">
+            <a:off x="11080024" y="3191959"/>
+            <a:ext cx="729702" cy="1689561"/>
+          </a:xfrm>
+          <a:prstGeom prst="bentConnector3">
+            <a:avLst>
+              <a:gd name="adj1" fmla="val -31328"/>
+            </a:avLst>
+          </a:prstGeom>
+          <a:ln>
+            <a:tailEnd type="triangle"/>
+          </a:ln>
+        </p:spPr>
+        <p:style>
+          <a:lnRef idx="1">
+            <a:schemeClr val="accent1"/>
+          </a:lnRef>
+          <a:fillRef idx="0">
+            <a:schemeClr val="accent1"/>
+          </a:fillRef>
+          <a:effectRef idx="0">
+            <a:schemeClr val="accent1"/>
+          </a:effectRef>
+          <a:fontRef idx="minor">
+            <a:schemeClr val="tx1"/>
+          </a:fontRef>
+        </p:style>
+      </p:cxnSp>
+      <p:sp>
+        <p:nvSpPr>
+          <p:cNvPr id="76" name="Rectangle 75">
+            <a:extLst>
+              <a:ext uri="{FF2B5EF4-FFF2-40B4-BE49-F238E27FC236}">
+                <a16:creationId xmlns:a16="http://schemas.microsoft.com/office/drawing/2014/main" id="{616CCC48-0B60-4756-A905-8C2205C881CD}"/>
+              </a:ext>
+            </a:extLst>
+          </p:cNvPr>
+          <p:cNvSpPr/>
+          <p:nvPr/>
+        </p:nvSpPr>
+        <p:spPr>
+          <a:xfrm>
+            <a:off x="5376597" y="4027119"/>
+            <a:ext cx="1172312" cy="244232"/>
+          </a:xfrm>
+          <a:prstGeom prst="rect">
+            <a:avLst/>
+          </a:prstGeom>
+        </p:spPr>
+        <p:style>
+          <a:lnRef idx="2">
+            <a:schemeClr val="dk1"/>
+          </a:lnRef>
+          <a:fillRef idx="1">
+            <a:schemeClr val="lt1"/>
+          </a:fillRef>
+          <a:effectRef idx="0">
+            <a:schemeClr val="dk1"/>
+          </a:effectRef>
+          <a:fontRef idx="minor">
+            <a:schemeClr val="dk1"/>
+          </a:fontRef>
+        </p:style>
+        <p:txBody>
+          <a:bodyPr rtlCol="0" anchor="ctr"/>
+          <a:lstStyle/>
+          <a:p>
+            <a:pPr algn="ctr"/>
+            <a:r>
+              <a:rPr lang="en-US" sz="1000" b="1" dirty="0">
+                <a:latin typeface="DengXian" charset="-122"/>
+                <a:ea typeface="DengXian" charset="-122"/>
+                <a:cs typeface="DengXian" charset="-122"/>
+              </a:rPr>
+              <a:t>Button: </a:t>
+            </a:r>
+            <a:r>
+              <a:rPr lang="en-US" altLang="zh-CN" sz="1000" b="1" dirty="0">
+                <a:latin typeface="DengXian" charset="-122"/>
+                <a:ea typeface="DengXian" charset="-122"/>
+                <a:cs typeface="DengXian" charset="-122"/>
+              </a:rPr>
+              <a:t>confirm</a:t>
+            </a:r>
+            <a:endParaRPr lang="en-US" sz="1000" b="1" dirty="0">
+              <a:latin typeface="DengXian" charset="-122"/>
+              <a:ea typeface="DengXian" charset="-122"/>
+              <a:cs typeface="DengXian" charset="-122"/>
+            </a:endParaRPr>
+          </a:p>
+        </p:txBody>
+      </p:sp>
+      <p:cxnSp>
+        <p:nvCxnSpPr>
+          <p:cNvPr id="78" name="Straight Arrow Connector 77">
+            <a:extLst>
+              <a:ext uri="{FF2B5EF4-FFF2-40B4-BE49-F238E27FC236}">
+                <a16:creationId xmlns:a16="http://schemas.microsoft.com/office/drawing/2014/main" id="{93380A26-2423-46C3-9B8B-AE5CA65601F1}"/>
+              </a:ext>
+            </a:extLst>
+          </p:cNvPr>
+          <p:cNvCxnSpPr>
+            <a:cxnSpLocks/>
+          </p:cNvCxnSpPr>
+          <p:nvPr/>
+        </p:nvCxnSpPr>
+        <p:spPr>
+          <a:xfrm flipH="1" flipV="1">
+            <a:off x="10344335" y="2251551"/>
+            <a:ext cx="1" cy="491554"/>
+          </a:xfrm>
+          <a:prstGeom prst="straightConnector1">
+            <a:avLst/>
+          </a:prstGeom>
+          <a:ln>
+            <a:tailEnd type="triangle"/>
+          </a:ln>
+        </p:spPr>
+        <p:style>
+          <a:lnRef idx="1">
+            <a:schemeClr val="accent1"/>
+          </a:lnRef>
+          <a:fillRef idx="0">
+            <a:schemeClr val="accent1"/>
+          </a:fillRef>
+          <a:effectRef idx="0">
+            <a:schemeClr val="accent1"/>
+          </a:effectRef>
+          <a:fontRef idx="minor">
+            <a:schemeClr val="tx1"/>
+          </a:fontRef>
+        </p:style>
+      </p:cxnSp>
+      <p:cxnSp>
+        <p:nvCxnSpPr>
+          <p:cNvPr id="102" name="Straight Arrow Connector 101">
+            <a:extLst>
+              <a:ext uri="{FF2B5EF4-FFF2-40B4-BE49-F238E27FC236}">
+                <a16:creationId xmlns:a16="http://schemas.microsoft.com/office/drawing/2014/main" id="{2407D383-6428-4FE4-9A39-752B8DE8CB45}"/>
+              </a:ext>
+            </a:extLst>
+          </p:cNvPr>
+          <p:cNvCxnSpPr>
+            <a:cxnSpLocks/>
+            <a:stCxn id="55" idx="2"/>
+            <a:endCxn id="76" idx="0"/>
+          </p:cNvCxnSpPr>
+          <p:nvPr/>
+        </p:nvCxnSpPr>
+        <p:spPr>
+          <a:xfrm>
+            <a:off x="5962753" y="3754723"/>
+            <a:ext cx="0" cy="272396"/>
+          </a:xfrm>
+          <a:prstGeom prst="straightConnector1">
+            <a:avLst/>
+          </a:prstGeom>
+          <a:ln>
+            <a:tailEnd type="triangle"/>
+          </a:ln>
+        </p:spPr>
+        <p:style>
+          <a:lnRef idx="1">
+            <a:schemeClr val="accent1"/>
+          </a:lnRef>
+          <a:fillRef idx="0">
+            <a:schemeClr val="accent1"/>
+          </a:fillRef>
+          <a:effectRef idx="0">
+            <a:schemeClr val="accent1"/>
+          </a:effectRef>
+          <a:fontRef idx="minor">
+            <a:schemeClr val="tx1"/>
+          </a:fontRef>
+        </p:style>
+      </p:cxnSp>
     </p:spTree>
     <p:extLst>
       <p:ext uri="{BB962C8B-B14F-4D97-AF65-F5344CB8AC3E}">
